--- a/01 Classes/Aula 03 - Aplicação Cloud Indústria 40 Python IoT Plataforma Arduino Tinkercad.pptx
+++ b/01 Classes/Aula 03 - Aplicação Cloud Indústria 40 Python IoT Plataforma Arduino Tinkercad.pptx
@@ -5,18 +5,34 @@
     <p:sldMasterId id="2147483648" r:id="rId1"/>
   </p:sldMasterIdLst>
   <p:notesMasterIdLst>
-    <p:notesMasterId r:id="rId11"/>
+    <p:notesMasterId r:id="rId27"/>
   </p:notesMasterIdLst>
   <p:sldIdLst>
     <p:sldId id="256" r:id="rId2"/>
     <p:sldId id="291" r:id="rId3"/>
     <p:sldId id="331" r:id="rId4"/>
-    <p:sldId id="346" r:id="rId5"/>
-    <p:sldId id="333" r:id="rId6"/>
-    <p:sldId id="323" r:id="rId7"/>
-    <p:sldId id="345" r:id="rId8"/>
-    <p:sldId id="337" r:id="rId9"/>
-    <p:sldId id="309" r:id="rId10"/>
+    <p:sldId id="347" r:id="rId5"/>
+    <p:sldId id="350" r:id="rId6"/>
+    <p:sldId id="351" r:id="rId7"/>
+    <p:sldId id="352" r:id="rId8"/>
+    <p:sldId id="353" r:id="rId9"/>
+    <p:sldId id="354" r:id="rId10"/>
+    <p:sldId id="355" r:id="rId11"/>
+    <p:sldId id="356" r:id="rId12"/>
+    <p:sldId id="357" r:id="rId13"/>
+    <p:sldId id="358" r:id="rId14"/>
+    <p:sldId id="359" r:id="rId15"/>
+    <p:sldId id="360" r:id="rId16"/>
+    <p:sldId id="361" r:id="rId17"/>
+    <p:sldId id="362" r:id="rId18"/>
+    <p:sldId id="346" r:id="rId19"/>
+    <p:sldId id="348" r:id="rId20"/>
+    <p:sldId id="349" r:id="rId21"/>
+    <p:sldId id="333" r:id="rId22"/>
+    <p:sldId id="323" r:id="rId23"/>
+    <p:sldId id="345" r:id="rId24"/>
+    <p:sldId id="337" r:id="rId25"/>
+    <p:sldId id="309" r:id="rId26"/>
   </p:sldIdLst>
   <p:sldSz cx="9144000" cy="5143500" type="screen16x9"/>
   <p:notesSz cx="6858000" cy="9144000"/>
@@ -563,6 +579,666 @@
 </p:notes>
 </file>
 
+<file path=ppt/notesSlides/notesSlide10.xml><?xml version="1.0" encoding="utf-8"?>
+<p:notes xmlns:a="http://schemas.openxmlformats.org/drawingml/2006/main" xmlns:r="http://schemas.openxmlformats.org/officeDocument/2006/relationships" xmlns:p="http://schemas.openxmlformats.org/presentationml/2006/main">
+  <p:cSld>
+    <p:spTree>
+      <p:nvGrpSpPr>
+        <p:cNvPr id="1" name=""/>
+        <p:cNvGrpSpPr/>
+        <p:nvPr/>
+      </p:nvGrpSpPr>
+      <p:grpSpPr>
+        <a:xfrm>
+          <a:off x="0" y="0"/>
+          <a:ext cx="0" cy="0"/>
+          <a:chOff x="0" y="0"/>
+          <a:chExt cx="0" cy="0"/>
+        </a:xfrm>
+      </p:grpSpPr>
+      <p:sp>
+        <p:nvSpPr>
+          <p:cNvPr id="2" name="Espaço Reservado para Imagem de Slide 1"/>
+          <p:cNvSpPr>
+            <a:spLocks noGrp="1" noRot="1" noChangeAspect="1"/>
+          </p:cNvSpPr>
+          <p:nvPr>
+            <p:ph type="sldImg"/>
+          </p:nvPr>
+        </p:nvSpPr>
+        <p:spPr>
+          <a:xfrm>
+            <a:off x="381000" y="685800"/>
+            <a:ext cx="6096000" cy="3429000"/>
+          </a:xfrm>
+        </p:spPr>
+      </p:sp>
+      <p:sp>
+        <p:nvSpPr>
+          <p:cNvPr id="3" name="Espaço Reservado para Anotações 2"/>
+          <p:cNvSpPr>
+            <a:spLocks noGrp="1"/>
+          </p:cNvSpPr>
+          <p:nvPr>
+            <p:ph type="body" idx="1"/>
+          </p:nvPr>
+        </p:nvSpPr>
+        <p:spPr/>
+        <p:txBody>
+          <a:bodyPr/>
+          <a:lstStyle/>
+          <a:p>
+            <a:endParaRPr lang="pt-BR" dirty="0"/>
+          </a:p>
+        </p:txBody>
+      </p:sp>
+    </p:spTree>
+    <p:extLst>
+      <p:ext uri="{BB962C8B-B14F-4D97-AF65-F5344CB8AC3E}">
+        <p14:creationId xmlns:p14="http://schemas.microsoft.com/office/powerpoint/2010/main" val="2408754094"/>
+      </p:ext>
+    </p:extLst>
+  </p:cSld>
+  <p:clrMapOvr>
+    <a:masterClrMapping/>
+  </p:clrMapOvr>
+</p:notes>
+</file>
+
+<file path=ppt/notesSlides/notesSlide11.xml><?xml version="1.0" encoding="utf-8"?>
+<p:notes xmlns:a="http://schemas.openxmlformats.org/drawingml/2006/main" xmlns:r="http://schemas.openxmlformats.org/officeDocument/2006/relationships" xmlns:p="http://schemas.openxmlformats.org/presentationml/2006/main">
+  <p:cSld>
+    <p:spTree>
+      <p:nvGrpSpPr>
+        <p:cNvPr id="1" name=""/>
+        <p:cNvGrpSpPr/>
+        <p:nvPr/>
+      </p:nvGrpSpPr>
+      <p:grpSpPr>
+        <a:xfrm>
+          <a:off x="0" y="0"/>
+          <a:ext cx="0" cy="0"/>
+          <a:chOff x="0" y="0"/>
+          <a:chExt cx="0" cy="0"/>
+        </a:xfrm>
+      </p:grpSpPr>
+      <p:sp>
+        <p:nvSpPr>
+          <p:cNvPr id="2" name="Espaço Reservado para Imagem de Slide 1"/>
+          <p:cNvSpPr>
+            <a:spLocks noGrp="1" noRot="1" noChangeAspect="1"/>
+          </p:cNvSpPr>
+          <p:nvPr>
+            <p:ph type="sldImg"/>
+          </p:nvPr>
+        </p:nvSpPr>
+        <p:spPr>
+          <a:xfrm>
+            <a:off x="381000" y="685800"/>
+            <a:ext cx="6096000" cy="3429000"/>
+          </a:xfrm>
+        </p:spPr>
+      </p:sp>
+      <p:sp>
+        <p:nvSpPr>
+          <p:cNvPr id="3" name="Espaço Reservado para Anotações 2"/>
+          <p:cNvSpPr>
+            <a:spLocks noGrp="1"/>
+          </p:cNvSpPr>
+          <p:nvPr>
+            <p:ph type="body" idx="1"/>
+          </p:nvPr>
+        </p:nvSpPr>
+        <p:spPr/>
+        <p:txBody>
+          <a:bodyPr/>
+          <a:lstStyle/>
+          <a:p>
+            <a:endParaRPr lang="pt-BR" dirty="0"/>
+          </a:p>
+        </p:txBody>
+      </p:sp>
+    </p:spTree>
+    <p:extLst>
+      <p:ext uri="{BB962C8B-B14F-4D97-AF65-F5344CB8AC3E}">
+        <p14:creationId xmlns:p14="http://schemas.microsoft.com/office/powerpoint/2010/main" val="2226700727"/>
+      </p:ext>
+    </p:extLst>
+  </p:cSld>
+  <p:clrMapOvr>
+    <a:masterClrMapping/>
+  </p:clrMapOvr>
+</p:notes>
+</file>
+
+<file path=ppt/notesSlides/notesSlide12.xml><?xml version="1.0" encoding="utf-8"?>
+<p:notes xmlns:a="http://schemas.openxmlformats.org/drawingml/2006/main" xmlns:r="http://schemas.openxmlformats.org/officeDocument/2006/relationships" xmlns:p="http://schemas.openxmlformats.org/presentationml/2006/main">
+  <p:cSld>
+    <p:spTree>
+      <p:nvGrpSpPr>
+        <p:cNvPr id="1" name=""/>
+        <p:cNvGrpSpPr/>
+        <p:nvPr/>
+      </p:nvGrpSpPr>
+      <p:grpSpPr>
+        <a:xfrm>
+          <a:off x="0" y="0"/>
+          <a:ext cx="0" cy="0"/>
+          <a:chOff x="0" y="0"/>
+          <a:chExt cx="0" cy="0"/>
+        </a:xfrm>
+      </p:grpSpPr>
+      <p:sp>
+        <p:nvSpPr>
+          <p:cNvPr id="2" name="Espaço Reservado para Imagem de Slide 1"/>
+          <p:cNvSpPr>
+            <a:spLocks noGrp="1" noRot="1" noChangeAspect="1"/>
+          </p:cNvSpPr>
+          <p:nvPr>
+            <p:ph type="sldImg"/>
+          </p:nvPr>
+        </p:nvSpPr>
+        <p:spPr>
+          <a:xfrm>
+            <a:off x="381000" y="685800"/>
+            <a:ext cx="6096000" cy="3429000"/>
+          </a:xfrm>
+        </p:spPr>
+      </p:sp>
+      <p:sp>
+        <p:nvSpPr>
+          <p:cNvPr id="3" name="Espaço Reservado para Anotações 2"/>
+          <p:cNvSpPr>
+            <a:spLocks noGrp="1"/>
+          </p:cNvSpPr>
+          <p:nvPr>
+            <p:ph type="body" idx="1"/>
+          </p:nvPr>
+        </p:nvSpPr>
+        <p:spPr/>
+        <p:txBody>
+          <a:bodyPr/>
+          <a:lstStyle/>
+          <a:p>
+            <a:endParaRPr lang="pt-BR" dirty="0"/>
+          </a:p>
+        </p:txBody>
+      </p:sp>
+    </p:spTree>
+    <p:extLst>
+      <p:ext uri="{BB962C8B-B14F-4D97-AF65-F5344CB8AC3E}">
+        <p14:creationId xmlns:p14="http://schemas.microsoft.com/office/powerpoint/2010/main" val="596966912"/>
+      </p:ext>
+    </p:extLst>
+  </p:cSld>
+  <p:clrMapOvr>
+    <a:masterClrMapping/>
+  </p:clrMapOvr>
+</p:notes>
+</file>
+
+<file path=ppt/notesSlides/notesSlide13.xml><?xml version="1.0" encoding="utf-8"?>
+<p:notes xmlns:a="http://schemas.openxmlformats.org/drawingml/2006/main" xmlns:r="http://schemas.openxmlformats.org/officeDocument/2006/relationships" xmlns:p="http://schemas.openxmlformats.org/presentationml/2006/main">
+  <p:cSld>
+    <p:spTree>
+      <p:nvGrpSpPr>
+        <p:cNvPr id="1" name=""/>
+        <p:cNvGrpSpPr/>
+        <p:nvPr/>
+      </p:nvGrpSpPr>
+      <p:grpSpPr>
+        <a:xfrm>
+          <a:off x="0" y="0"/>
+          <a:ext cx="0" cy="0"/>
+          <a:chOff x="0" y="0"/>
+          <a:chExt cx="0" cy="0"/>
+        </a:xfrm>
+      </p:grpSpPr>
+      <p:sp>
+        <p:nvSpPr>
+          <p:cNvPr id="2" name="Espaço Reservado para Imagem de Slide 1"/>
+          <p:cNvSpPr>
+            <a:spLocks noGrp="1" noRot="1" noChangeAspect="1"/>
+          </p:cNvSpPr>
+          <p:nvPr>
+            <p:ph type="sldImg"/>
+          </p:nvPr>
+        </p:nvSpPr>
+        <p:spPr>
+          <a:xfrm>
+            <a:off x="381000" y="685800"/>
+            <a:ext cx="6096000" cy="3429000"/>
+          </a:xfrm>
+        </p:spPr>
+      </p:sp>
+      <p:sp>
+        <p:nvSpPr>
+          <p:cNvPr id="3" name="Espaço Reservado para Anotações 2"/>
+          <p:cNvSpPr>
+            <a:spLocks noGrp="1"/>
+          </p:cNvSpPr>
+          <p:nvPr>
+            <p:ph type="body" idx="1"/>
+          </p:nvPr>
+        </p:nvSpPr>
+        <p:spPr/>
+        <p:txBody>
+          <a:bodyPr/>
+          <a:lstStyle/>
+          <a:p>
+            <a:endParaRPr lang="pt-BR" dirty="0"/>
+          </a:p>
+        </p:txBody>
+      </p:sp>
+    </p:spTree>
+    <p:extLst>
+      <p:ext uri="{BB962C8B-B14F-4D97-AF65-F5344CB8AC3E}">
+        <p14:creationId xmlns:p14="http://schemas.microsoft.com/office/powerpoint/2010/main" val="2386699741"/>
+      </p:ext>
+    </p:extLst>
+  </p:cSld>
+  <p:clrMapOvr>
+    <a:masterClrMapping/>
+  </p:clrMapOvr>
+</p:notes>
+</file>
+
+<file path=ppt/notesSlides/notesSlide14.xml><?xml version="1.0" encoding="utf-8"?>
+<p:notes xmlns:a="http://schemas.openxmlformats.org/drawingml/2006/main" xmlns:r="http://schemas.openxmlformats.org/officeDocument/2006/relationships" xmlns:p="http://schemas.openxmlformats.org/presentationml/2006/main">
+  <p:cSld>
+    <p:spTree>
+      <p:nvGrpSpPr>
+        <p:cNvPr id="1" name=""/>
+        <p:cNvGrpSpPr/>
+        <p:nvPr/>
+      </p:nvGrpSpPr>
+      <p:grpSpPr>
+        <a:xfrm>
+          <a:off x="0" y="0"/>
+          <a:ext cx="0" cy="0"/>
+          <a:chOff x="0" y="0"/>
+          <a:chExt cx="0" cy="0"/>
+        </a:xfrm>
+      </p:grpSpPr>
+      <p:sp>
+        <p:nvSpPr>
+          <p:cNvPr id="2" name="Espaço Reservado para Imagem de Slide 1"/>
+          <p:cNvSpPr>
+            <a:spLocks noGrp="1" noRot="1" noChangeAspect="1"/>
+          </p:cNvSpPr>
+          <p:nvPr>
+            <p:ph type="sldImg"/>
+          </p:nvPr>
+        </p:nvSpPr>
+        <p:spPr>
+          <a:xfrm>
+            <a:off x="381000" y="685800"/>
+            <a:ext cx="6096000" cy="3429000"/>
+          </a:xfrm>
+        </p:spPr>
+      </p:sp>
+      <p:sp>
+        <p:nvSpPr>
+          <p:cNvPr id="3" name="Espaço Reservado para Anotações 2"/>
+          <p:cNvSpPr>
+            <a:spLocks noGrp="1"/>
+          </p:cNvSpPr>
+          <p:nvPr>
+            <p:ph type="body" idx="1"/>
+          </p:nvPr>
+        </p:nvSpPr>
+        <p:spPr/>
+        <p:txBody>
+          <a:bodyPr/>
+          <a:lstStyle/>
+          <a:p>
+            <a:endParaRPr lang="pt-BR" dirty="0"/>
+          </a:p>
+        </p:txBody>
+      </p:sp>
+    </p:spTree>
+    <p:extLst>
+      <p:ext uri="{BB962C8B-B14F-4D97-AF65-F5344CB8AC3E}">
+        <p14:creationId xmlns:p14="http://schemas.microsoft.com/office/powerpoint/2010/main" val="3231876827"/>
+      </p:ext>
+    </p:extLst>
+  </p:cSld>
+  <p:clrMapOvr>
+    <a:masterClrMapping/>
+  </p:clrMapOvr>
+</p:notes>
+</file>
+
+<file path=ppt/notesSlides/notesSlide15.xml><?xml version="1.0" encoding="utf-8"?>
+<p:notes xmlns:a="http://schemas.openxmlformats.org/drawingml/2006/main" xmlns:r="http://schemas.openxmlformats.org/officeDocument/2006/relationships" xmlns:p="http://schemas.openxmlformats.org/presentationml/2006/main">
+  <p:cSld>
+    <p:spTree>
+      <p:nvGrpSpPr>
+        <p:cNvPr id="1" name=""/>
+        <p:cNvGrpSpPr/>
+        <p:nvPr/>
+      </p:nvGrpSpPr>
+      <p:grpSpPr>
+        <a:xfrm>
+          <a:off x="0" y="0"/>
+          <a:ext cx="0" cy="0"/>
+          <a:chOff x="0" y="0"/>
+          <a:chExt cx="0" cy="0"/>
+        </a:xfrm>
+      </p:grpSpPr>
+      <p:sp>
+        <p:nvSpPr>
+          <p:cNvPr id="2" name="Espaço Reservado para Imagem de Slide 1"/>
+          <p:cNvSpPr>
+            <a:spLocks noGrp="1" noRot="1" noChangeAspect="1"/>
+          </p:cNvSpPr>
+          <p:nvPr>
+            <p:ph type="sldImg"/>
+          </p:nvPr>
+        </p:nvSpPr>
+        <p:spPr>
+          <a:xfrm>
+            <a:off x="381000" y="685800"/>
+            <a:ext cx="6096000" cy="3429000"/>
+          </a:xfrm>
+        </p:spPr>
+      </p:sp>
+      <p:sp>
+        <p:nvSpPr>
+          <p:cNvPr id="3" name="Espaço Reservado para Anotações 2"/>
+          <p:cNvSpPr>
+            <a:spLocks noGrp="1"/>
+          </p:cNvSpPr>
+          <p:nvPr>
+            <p:ph type="body" idx="1"/>
+          </p:nvPr>
+        </p:nvSpPr>
+        <p:spPr/>
+        <p:txBody>
+          <a:bodyPr/>
+          <a:lstStyle/>
+          <a:p>
+            <a:endParaRPr lang="pt-BR" dirty="0"/>
+          </a:p>
+        </p:txBody>
+      </p:sp>
+    </p:spTree>
+    <p:extLst>
+      <p:ext uri="{BB962C8B-B14F-4D97-AF65-F5344CB8AC3E}">
+        <p14:creationId xmlns:p14="http://schemas.microsoft.com/office/powerpoint/2010/main" val="809072204"/>
+      </p:ext>
+    </p:extLst>
+  </p:cSld>
+  <p:clrMapOvr>
+    <a:masterClrMapping/>
+  </p:clrMapOvr>
+</p:notes>
+</file>
+
+<file path=ppt/notesSlides/notesSlide16.xml><?xml version="1.0" encoding="utf-8"?>
+<p:notes xmlns:a="http://schemas.openxmlformats.org/drawingml/2006/main" xmlns:r="http://schemas.openxmlformats.org/officeDocument/2006/relationships" xmlns:p="http://schemas.openxmlformats.org/presentationml/2006/main">
+  <p:cSld>
+    <p:spTree>
+      <p:nvGrpSpPr>
+        <p:cNvPr id="1" name=""/>
+        <p:cNvGrpSpPr/>
+        <p:nvPr/>
+      </p:nvGrpSpPr>
+      <p:grpSpPr>
+        <a:xfrm>
+          <a:off x="0" y="0"/>
+          <a:ext cx="0" cy="0"/>
+          <a:chOff x="0" y="0"/>
+          <a:chExt cx="0" cy="0"/>
+        </a:xfrm>
+      </p:grpSpPr>
+      <p:sp>
+        <p:nvSpPr>
+          <p:cNvPr id="2" name="Espaço Reservado para Imagem de Slide 1"/>
+          <p:cNvSpPr>
+            <a:spLocks noGrp="1" noRot="1" noChangeAspect="1"/>
+          </p:cNvSpPr>
+          <p:nvPr>
+            <p:ph type="sldImg"/>
+          </p:nvPr>
+        </p:nvSpPr>
+        <p:spPr>
+          <a:xfrm>
+            <a:off x="381000" y="685800"/>
+            <a:ext cx="6096000" cy="3429000"/>
+          </a:xfrm>
+        </p:spPr>
+      </p:sp>
+      <p:sp>
+        <p:nvSpPr>
+          <p:cNvPr id="3" name="Espaço Reservado para Anotações 2"/>
+          <p:cNvSpPr>
+            <a:spLocks noGrp="1"/>
+          </p:cNvSpPr>
+          <p:nvPr>
+            <p:ph type="body" idx="1"/>
+          </p:nvPr>
+        </p:nvSpPr>
+        <p:spPr/>
+        <p:txBody>
+          <a:bodyPr/>
+          <a:lstStyle/>
+          <a:p>
+            <a:endParaRPr lang="pt-BR" dirty="0"/>
+          </a:p>
+        </p:txBody>
+      </p:sp>
+    </p:spTree>
+    <p:extLst>
+      <p:ext uri="{BB962C8B-B14F-4D97-AF65-F5344CB8AC3E}">
+        <p14:creationId xmlns:p14="http://schemas.microsoft.com/office/powerpoint/2010/main" val="92946947"/>
+      </p:ext>
+    </p:extLst>
+  </p:cSld>
+  <p:clrMapOvr>
+    <a:masterClrMapping/>
+  </p:clrMapOvr>
+</p:notes>
+</file>
+
+<file path=ppt/notesSlides/notesSlide17.xml><?xml version="1.0" encoding="utf-8"?>
+<p:notes xmlns:a="http://schemas.openxmlformats.org/drawingml/2006/main" xmlns:r="http://schemas.openxmlformats.org/officeDocument/2006/relationships" xmlns:p="http://schemas.openxmlformats.org/presentationml/2006/main">
+  <p:cSld>
+    <p:spTree>
+      <p:nvGrpSpPr>
+        <p:cNvPr id="1" name=""/>
+        <p:cNvGrpSpPr/>
+        <p:nvPr/>
+      </p:nvGrpSpPr>
+      <p:grpSpPr>
+        <a:xfrm>
+          <a:off x="0" y="0"/>
+          <a:ext cx="0" cy="0"/>
+          <a:chOff x="0" y="0"/>
+          <a:chExt cx="0" cy="0"/>
+        </a:xfrm>
+      </p:grpSpPr>
+      <p:sp>
+        <p:nvSpPr>
+          <p:cNvPr id="2" name="Espaço Reservado para Imagem de Slide 1"/>
+          <p:cNvSpPr>
+            <a:spLocks noGrp="1" noRot="1" noChangeAspect="1"/>
+          </p:cNvSpPr>
+          <p:nvPr>
+            <p:ph type="sldImg"/>
+          </p:nvPr>
+        </p:nvSpPr>
+        <p:spPr>
+          <a:xfrm>
+            <a:off x="381000" y="685800"/>
+            <a:ext cx="6096000" cy="3429000"/>
+          </a:xfrm>
+        </p:spPr>
+      </p:sp>
+      <p:sp>
+        <p:nvSpPr>
+          <p:cNvPr id="3" name="Espaço Reservado para Anotações 2"/>
+          <p:cNvSpPr>
+            <a:spLocks noGrp="1"/>
+          </p:cNvSpPr>
+          <p:nvPr>
+            <p:ph type="body" idx="1"/>
+          </p:nvPr>
+        </p:nvSpPr>
+        <p:spPr/>
+        <p:txBody>
+          <a:bodyPr/>
+          <a:lstStyle/>
+          <a:p>
+            <a:endParaRPr lang="pt-BR" dirty="0"/>
+          </a:p>
+        </p:txBody>
+      </p:sp>
+    </p:spTree>
+    <p:extLst>
+      <p:ext uri="{BB962C8B-B14F-4D97-AF65-F5344CB8AC3E}">
+        <p14:creationId xmlns:p14="http://schemas.microsoft.com/office/powerpoint/2010/main" val="1389161843"/>
+      </p:ext>
+    </p:extLst>
+  </p:cSld>
+  <p:clrMapOvr>
+    <a:masterClrMapping/>
+  </p:clrMapOvr>
+</p:notes>
+</file>
+
+<file path=ppt/notesSlides/notesSlide18.xml><?xml version="1.0" encoding="utf-8"?>
+<p:notes xmlns:a="http://schemas.openxmlformats.org/drawingml/2006/main" xmlns:r="http://schemas.openxmlformats.org/officeDocument/2006/relationships" xmlns:p="http://schemas.openxmlformats.org/presentationml/2006/main">
+  <p:cSld>
+    <p:spTree>
+      <p:nvGrpSpPr>
+        <p:cNvPr id="1" name=""/>
+        <p:cNvGrpSpPr/>
+        <p:nvPr/>
+      </p:nvGrpSpPr>
+      <p:grpSpPr>
+        <a:xfrm>
+          <a:off x="0" y="0"/>
+          <a:ext cx="0" cy="0"/>
+          <a:chOff x="0" y="0"/>
+          <a:chExt cx="0" cy="0"/>
+        </a:xfrm>
+      </p:grpSpPr>
+      <p:sp>
+        <p:nvSpPr>
+          <p:cNvPr id="2" name="Espaço Reservado para Imagem de Slide 1"/>
+          <p:cNvSpPr>
+            <a:spLocks noGrp="1" noRot="1" noChangeAspect="1"/>
+          </p:cNvSpPr>
+          <p:nvPr>
+            <p:ph type="sldImg"/>
+          </p:nvPr>
+        </p:nvSpPr>
+        <p:spPr>
+          <a:xfrm>
+            <a:off x="381000" y="685800"/>
+            <a:ext cx="6096000" cy="3429000"/>
+          </a:xfrm>
+        </p:spPr>
+      </p:sp>
+      <p:sp>
+        <p:nvSpPr>
+          <p:cNvPr id="3" name="Espaço Reservado para Anotações 2"/>
+          <p:cNvSpPr>
+            <a:spLocks noGrp="1"/>
+          </p:cNvSpPr>
+          <p:nvPr>
+            <p:ph type="body" idx="1"/>
+          </p:nvPr>
+        </p:nvSpPr>
+        <p:spPr/>
+        <p:txBody>
+          <a:bodyPr/>
+          <a:lstStyle/>
+          <a:p>
+            <a:endParaRPr lang="pt-BR" dirty="0"/>
+          </a:p>
+        </p:txBody>
+      </p:sp>
+    </p:spTree>
+    <p:extLst>
+      <p:ext uri="{BB962C8B-B14F-4D97-AF65-F5344CB8AC3E}">
+        <p14:creationId xmlns:p14="http://schemas.microsoft.com/office/powerpoint/2010/main" val="708331116"/>
+      </p:ext>
+    </p:extLst>
+  </p:cSld>
+  <p:clrMapOvr>
+    <a:masterClrMapping/>
+  </p:clrMapOvr>
+</p:notes>
+</file>
+
+<file path=ppt/notesSlides/notesSlide19.xml><?xml version="1.0" encoding="utf-8"?>
+<p:notes xmlns:a="http://schemas.openxmlformats.org/drawingml/2006/main" xmlns:r="http://schemas.openxmlformats.org/officeDocument/2006/relationships" xmlns:p="http://schemas.openxmlformats.org/presentationml/2006/main">
+  <p:cSld>
+    <p:spTree>
+      <p:nvGrpSpPr>
+        <p:cNvPr id="1" name=""/>
+        <p:cNvGrpSpPr/>
+        <p:nvPr/>
+      </p:nvGrpSpPr>
+      <p:grpSpPr>
+        <a:xfrm>
+          <a:off x="0" y="0"/>
+          <a:ext cx="0" cy="0"/>
+          <a:chOff x="0" y="0"/>
+          <a:chExt cx="0" cy="0"/>
+        </a:xfrm>
+      </p:grpSpPr>
+      <p:sp>
+        <p:nvSpPr>
+          <p:cNvPr id="2" name="Espaço Reservado para Imagem de Slide 1"/>
+          <p:cNvSpPr>
+            <a:spLocks noGrp="1" noRot="1" noChangeAspect="1"/>
+          </p:cNvSpPr>
+          <p:nvPr>
+            <p:ph type="sldImg"/>
+          </p:nvPr>
+        </p:nvSpPr>
+        <p:spPr>
+          <a:xfrm>
+            <a:off x="381000" y="685800"/>
+            <a:ext cx="6096000" cy="3429000"/>
+          </a:xfrm>
+        </p:spPr>
+      </p:sp>
+      <p:sp>
+        <p:nvSpPr>
+          <p:cNvPr id="3" name="Espaço Reservado para Anotações 2"/>
+          <p:cNvSpPr>
+            <a:spLocks noGrp="1"/>
+          </p:cNvSpPr>
+          <p:nvPr>
+            <p:ph type="body" idx="1"/>
+          </p:nvPr>
+        </p:nvSpPr>
+        <p:spPr/>
+        <p:txBody>
+          <a:bodyPr/>
+          <a:lstStyle/>
+          <a:p>
+            <a:endParaRPr lang="pt-BR" dirty="0"/>
+          </a:p>
+        </p:txBody>
+      </p:sp>
+    </p:spTree>
+    <p:extLst>
+      <p:ext uri="{BB962C8B-B14F-4D97-AF65-F5344CB8AC3E}">
+        <p14:creationId xmlns:p14="http://schemas.microsoft.com/office/powerpoint/2010/main" val="1220383004"/>
+      </p:ext>
+    </p:extLst>
+  </p:cSld>
+  <p:clrMapOvr>
+    <a:masterClrMapping/>
+  </p:clrMapOvr>
+</p:notes>
+</file>
+
 <file path=ppt/notesSlides/notesSlide2.xml><?xml version="1.0" encoding="utf-8"?>
 <p:notes xmlns:a="http://schemas.openxmlformats.org/drawingml/2006/main" xmlns:r="http://schemas.openxmlformats.org/officeDocument/2006/relationships" xmlns:p="http://schemas.openxmlformats.org/presentationml/2006/main">
   <p:cSld>
@@ -620,6 +1296,270 @@
     <p:extLst>
       <p:ext uri="{BB962C8B-B14F-4D97-AF65-F5344CB8AC3E}">
         <p14:creationId xmlns:p14="http://schemas.microsoft.com/office/powerpoint/2010/main" val="3035753547"/>
+      </p:ext>
+    </p:extLst>
+  </p:cSld>
+  <p:clrMapOvr>
+    <a:masterClrMapping/>
+  </p:clrMapOvr>
+</p:notes>
+</file>
+
+<file path=ppt/notesSlides/notesSlide20.xml><?xml version="1.0" encoding="utf-8"?>
+<p:notes xmlns:a="http://schemas.openxmlformats.org/drawingml/2006/main" xmlns:r="http://schemas.openxmlformats.org/officeDocument/2006/relationships" xmlns:p="http://schemas.openxmlformats.org/presentationml/2006/main">
+  <p:cSld>
+    <p:spTree>
+      <p:nvGrpSpPr>
+        <p:cNvPr id="1" name=""/>
+        <p:cNvGrpSpPr/>
+        <p:nvPr/>
+      </p:nvGrpSpPr>
+      <p:grpSpPr>
+        <a:xfrm>
+          <a:off x="0" y="0"/>
+          <a:ext cx="0" cy="0"/>
+          <a:chOff x="0" y="0"/>
+          <a:chExt cx="0" cy="0"/>
+        </a:xfrm>
+      </p:grpSpPr>
+      <p:sp>
+        <p:nvSpPr>
+          <p:cNvPr id="2" name="Espaço Reservado para Imagem de Slide 1"/>
+          <p:cNvSpPr>
+            <a:spLocks noGrp="1" noRot="1" noChangeAspect="1"/>
+          </p:cNvSpPr>
+          <p:nvPr>
+            <p:ph type="sldImg"/>
+          </p:nvPr>
+        </p:nvSpPr>
+        <p:spPr>
+          <a:xfrm>
+            <a:off x="381000" y="685800"/>
+            <a:ext cx="6096000" cy="3429000"/>
+          </a:xfrm>
+        </p:spPr>
+      </p:sp>
+      <p:sp>
+        <p:nvSpPr>
+          <p:cNvPr id="3" name="Espaço Reservado para Anotações 2"/>
+          <p:cNvSpPr>
+            <a:spLocks noGrp="1"/>
+          </p:cNvSpPr>
+          <p:nvPr>
+            <p:ph type="body" idx="1"/>
+          </p:nvPr>
+        </p:nvSpPr>
+        <p:spPr/>
+        <p:txBody>
+          <a:bodyPr/>
+          <a:lstStyle/>
+          <a:p>
+            <a:endParaRPr lang="pt-BR" dirty="0"/>
+          </a:p>
+        </p:txBody>
+      </p:sp>
+    </p:spTree>
+    <p:extLst>
+      <p:ext uri="{BB962C8B-B14F-4D97-AF65-F5344CB8AC3E}">
+        <p14:creationId xmlns:p14="http://schemas.microsoft.com/office/powerpoint/2010/main" val="585304384"/>
+      </p:ext>
+    </p:extLst>
+  </p:cSld>
+  <p:clrMapOvr>
+    <a:masterClrMapping/>
+  </p:clrMapOvr>
+</p:notes>
+</file>
+
+<file path=ppt/notesSlides/notesSlide21.xml><?xml version="1.0" encoding="utf-8"?>
+<p:notes xmlns:a="http://schemas.openxmlformats.org/drawingml/2006/main" xmlns:r="http://schemas.openxmlformats.org/officeDocument/2006/relationships" xmlns:p="http://schemas.openxmlformats.org/presentationml/2006/main">
+  <p:cSld>
+    <p:spTree>
+      <p:nvGrpSpPr>
+        <p:cNvPr id="1" name=""/>
+        <p:cNvGrpSpPr/>
+        <p:nvPr/>
+      </p:nvGrpSpPr>
+      <p:grpSpPr>
+        <a:xfrm>
+          <a:off x="0" y="0"/>
+          <a:ext cx="0" cy="0"/>
+          <a:chOff x="0" y="0"/>
+          <a:chExt cx="0" cy="0"/>
+        </a:xfrm>
+      </p:grpSpPr>
+      <p:sp>
+        <p:nvSpPr>
+          <p:cNvPr id="2" name="Espaço Reservado para Imagem de Slide 1"/>
+          <p:cNvSpPr>
+            <a:spLocks noGrp="1" noRot="1" noChangeAspect="1"/>
+          </p:cNvSpPr>
+          <p:nvPr>
+            <p:ph type="sldImg"/>
+          </p:nvPr>
+        </p:nvSpPr>
+        <p:spPr>
+          <a:xfrm>
+            <a:off x="381000" y="685800"/>
+            <a:ext cx="6096000" cy="3429000"/>
+          </a:xfrm>
+        </p:spPr>
+      </p:sp>
+      <p:sp>
+        <p:nvSpPr>
+          <p:cNvPr id="3" name="Espaço Reservado para Anotações 2"/>
+          <p:cNvSpPr>
+            <a:spLocks noGrp="1"/>
+          </p:cNvSpPr>
+          <p:nvPr>
+            <p:ph type="body" idx="1"/>
+          </p:nvPr>
+        </p:nvSpPr>
+        <p:spPr/>
+        <p:txBody>
+          <a:bodyPr/>
+          <a:lstStyle/>
+          <a:p>
+            <a:endParaRPr lang="pt-BR" dirty="0"/>
+          </a:p>
+        </p:txBody>
+      </p:sp>
+    </p:spTree>
+    <p:extLst>
+      <p:ext uri="{BB962C8B-B14F-4D97-AF65-F5344CB8AC3E}">
+        <p14:creationId xmlns:p14="http://schemas.microsoft.com/office/powerpoint/2010/main" val="2709569597"/>
+      </p:ext>
+    </p:extLst>
+  </p:cSld>
+  <p:clrMapOvr>
+    <a:masterClrMapping/>
+  </p:clrMapOvr>
+</p:notes>
+</file>
+
+<file path=ppt/notesSlides/notesSlide22.xml><?xml version="1.0" encoding="utf-8"?>
+<p:notes xmlns:a="http://schemas.openxmlformats.org/drawingml/2006/main" xmlns:r="http://schemas.openxmlformats.org/officeDocument/2006/relationships" xmlns:p="http://schemas.openxmlformats.org/presentationml/2006/main">
+  <p:cSld>
+    <p:spTree>
+      <p:nvGrpSpPr>
+        <p:cNvPr id="1" name=""/>
+        <p:cNvGrpSpPr/>
+        <p:nvPr/>
+      </p:nvGrpSpPr>
+      <p:grpSpPr>
+        <a:xfrm>
+          <a:off x="0" y="0"/>
+          <a:ext cx="0" cy="0"/>
+          <a:chOff x="0" y="0"/>
+          <a:chExt cx="0" cy="0"/>
+        </a:xfrm>
+      </p:grpSpPr>
+      <p:sp>
+        <p:nvSpPr>
+          <p:cNvPr id="2" name="Espaço Reservado para Imagem de Slide 1"/>
+          <p:cNvSpPr>
+            <a:spLocks noGrp="1" noRot="1" noChangeAspect="1"/>
+          </p:cNvSpPr>
+          <p:nvPr>
+            <p:ph type="sldImg"/>
+          </p:nvPr>
+        </p:nvSpPr>
+        <p:spPr>
+          <a:xfrm>
+            <a:off x="381000" y="685800"/>
+            <a:ext cx="6096000" cy="3429000"/>
+          </a:xfrm>
+        </p:spPr>
+      </p:sp>
+      <p:sp>
+        <p:nvSpPr>
+          <p:cNvPr id="3" name="Espaço Reservado para Anotações 2"/>
+          <p:cNvSpPr>
+            <a:spLocks noGrp="1"/>
+          </p:cNvSpPr>
+          <p:nvPr>
+            <p:ph type="body" idx="1"/>
+          </p:nvPr>
+        </p:nvSpPr>
+        <p:spPr/>
+        <p:txBody>
+          <a:bodyPr/>
+          <a:lstStyle/>
+          <a:p>
+            <a:endParaRPr lang="pt-BR" dirty="0"/>
+          </a:p>
+        </p:txBody>
+      </p:sp>
+    </p:spTree>
+    <p:extLst>
+      <p:ext uri="{BB962C8B-B14F-4D97-AF65-F5344CB8AC3E}">
+        <p14:creationId xmlns:p14="http://schemas.microsoft.com/office/powerpoint/2010/main" val="3863516043"/>
+      </p:ext>
+    </p:extLst>
+  </p:cSld>
+  <p:clrMapOvr>
+    <a:masterClrMapping/>
+  </p:clrMapOvr>
+</p:notes>
+</file>
+
+<file path=ppt/notesSlides/notesSlide23.xml><?xml version="1.0" encoding="utf-8"?>
+<p:notes xmlns:a="http://schemas.openxmlformats.org/drawingml/2006/main" xmlns:r="http://schemas.openxmlformats.org/officeDocument/2006/relationships" xmlns:p="http://schemas.openxmlformats.org/presentationml/2006/main">
+  <p:cSld>
+    <p:spTree>
+      <p:nvGrpSpPr>
+        <p:cNvPr id="1" name=""/>
+        <p:cNvGrpSpPr/>
+        <p:nvPr/>
+      </p:nvGrpSpPr>
+      <p:grpSpPr>
+        <a:xfrm>
+          <a:off x="0" y="0"/>
+          <a:ext cx="0" cy="0"/>
+          <a:chOff x="0" y="0"/>
+          <a:chExt cx="0" cy="0"/>
+        </a:xfrm>
+      </p:grpSpPr>
+      <p:sp>
+        <p:nvSpPr>
+          <p:cNvPr id="2" name="Espaço Reservado para Imagem de Slide 1"/>
+          <p:cNvSpPr>
+            <a:spLocks noGrp="1" noRot="1" noChangeAspect="1"/>
+          </p:cNvSpPr>
+          <p:nvPr>
+            <p:ph type="sldImg"/>
+          </p:nvPr>
+        </p:nvSpPr>
+        <p:spPr>
+          <a:xfrm>
+            <a:off x="381000" y="685800"/>
+            <a:ext cx="6096000" cy="3429000"/>
+          </a:xfrm>
+        </p:spPr>
+      </p:sp>
+      <p:sp>
+        <p:nvSpPr>
+          <p:cNvPr id="3" name="Espaço Reservado para Anotações 2"/>
+          <p:cNvSpPr>
+            <a:spLocks noGrp="1"/>
+          </p:cNvSpPr>
+          <p:nvPr>
+            <p:ph type="body" idx="1"/>
+          </p:nvPr>
+        </p:nvSpPr>
+        <p:spPr/>
+        <p:txBody>
+          <a:bodyPr/>
+          <a:lstStyle/>
+          <a:p>
+            <a:endParaRPr lang="pt-BR" dirty="0"/>
+          </a:p>
+        </p:txBody>
+      </p:sp>
+    </p:spTree>
+    <p:extLst>
+      <p:ext uri="{BB962C8B-B14F-4D97-AF65-F5344CB8AC3E}">
+        <p14:creationId xmlns:p14="http://schemas.microsoft.com/office/powerpoint/2010/main" val="4290351292"/>
       </p:ext>
     </p:extLst>
   </p:cSld>
@@ -685,7 +1625,7 @@
     </p:spTree>
     <p:extLst>
       <p:ext uri="{BB962C8B-B14F-4D97-AF65-F5344CB8AC3E}">
-        <p14:creationId xmlns:p14="http://schemas.microsoft.com/office/powerpoint/2010/main" val="1389161843"/>
+        <p14:creationId xmlns:p14="http://schemas.microsoft.com/office/powerpoint/2010/main" val="1775405388"/>
       </p:ext>
     </p:extLst>
   </p:cSld>
@@ -751,7 +1691,7 @@
     </p:spTree>
     <p:extLst>
       <p:ext uri="{BB962C8B-B14F-4D97-AF65-F5344CB8AC3E}">
-        <p14:creationId xmlns:p14="http://schemas.microsoft.com/office/powerpoint/2010/main" val="585304384"/>
+        <p14:creationId xmlns:p14="http://schemas.microsoft.com/office/powerpoint/2010/main" val="951316167"/>
       </p:ext>
     </p:extLst>
   </p:cSld>
@@ -817,7 +1757,7 @@
     </p:spTree>
     <p:extLst>
       <p:ext uri="{BB962C8B-B14F-4D97-AF65-F5344CB8AC3E}">
-        <p14:creationId xmlns:p14="http://schemas.microsoft.com/office/powerpoint/2010/main" val="2709569597"/>
+        <p14:creationId xmlns:p14="http://schemas.microsoft.com/office/powerpoint/2010/main" val="619609068"/>
       </p:ext>
     </p:extLst>
   </p:cSld>
@@ -883,7 +1823,7 @@
     </p:spTree>
     <p:extLst>
       <p:ext uri="{BB962C8B-B14F-4D97-AF65-F5344CB8AC3E}">
-        <p14:creationId xmlns:p14="http://schemas.microsoft.com/office/powerpoint/2010/main" val="3863516043"/>
+        <p14:creationId xmlns:p14="http://schemas.microsoft.com/office/powerpoint/2010/main" val="2935766261"/>
       </p:ext>
     </p:extLst>
   </p:cSld>
@@ -949,7 +1889,139 @@
     </p:spTree>
     <p:extLst>
       <p:ext uri="{BB962C8B-B14F-4D97-AF65-F5344CB8AC3E}">
-        <p14:creationId xmlns:p14="http://schemas.microsoft.com/office/powerpoint/2010/main" val="4290351292"/>
+        <p14:creationId xmlns:p14="http://schemas.microsoft.com/office/powerpoint/2010/main" val="777802503"/>
+      </p:ext>
+    </p:extLst>
+  </p:cSld>
+  <p:clrMapOvr>
+    <a:masterClrMapping/>
+  </p:clrMapOvr>
+</p:notes>
+</file>
+
+<file path=ppt/notesSlides/notesSlide8.xml><?xml version="1.0" encoding="utf-8"?>
+<p:notes xmlns:a="http://schemas.openxmlformats.org/drawingml/2006/main" xmlns:r="http://schemas.openxmlformats.org/officeDocument/2006/relationships" xmlns:p="http://schemas.openxmlformats.org/presentationml/2006/main">
+  <p:cSld>
+    <p:spTree>
+      <p:nvGrpSpPr>
+        <p:cNvPr id="1" name=""/>
+        <p:cNvGrpSpPr/>
+        <p:nvPr/>
+      </p:nvGrpSpPr>
+      <p:grpSpPr>
+        <a:xfrm>
+          <a:off x="0" y="0"/>
+          <a:ext cx="0" cy="0"/>
+          <a:chOff x="0" y="0"/>
+          <a:chExt cx="0" cy="0"/>
+        </a:xfrm>
+      </p:grpSpPr>
+      <p:sp>
+        <p:nvSpPr>
+          <p:cNvPr id="2" name="Espaço Reservado para Imagem de Slide 1"/>
+          <p:cNvSpPr>
+            <a:spLocks noGrp="1" noRot="1" noChangeAspect="1"/>
+          </p:cNvSpPr>
+          <p:nvPr>
+            <p:ph type="sldImg"/>
+          </p:nvPr>
+        </p:nvSpPr>
+        <p:spPr>
+          <a:xfrm>
+            <a:off x="381000" y="685800"/>
+            <a:ext cx="6096000" cy="3429000"/>
+          </a:xfrm>
+        </p:spPr>
+      </p:sp>
+      <p:sp>
+        <p:nvSpPr>
+          <p:cNvPr id="3" name="Espaço Reservado para Anotações 2"/>
+          <p:cNvSpPr>
+            <a:spLocks noGrp="1"/>
+          </p:cNvSpPr>
+          <p:nvPr>
+            <p:ph type="body" idx="1"/>
+          </p:nvPr>
+        </p:nvSpPr>
+        <p:spPr/>
+        <p:txBody>
+          <a:bodyPr/>
+          <a:lstStyle/>
+          <a:p>
+            <a:endParaRPr lang="pt-BR" dirty="0"/>
+          </a:p>
+        </p:txBody>
+      </p:sp>
+    </p:spTree>
+    <p:extLst>
+      <p:ext uri="{BB962C8B-B14F-4D97-AF65-F5344CB8AC3E}">
+        <p14:creationId xmlns:p14="http://schemas.microsoft.com/office/powerpoint/2010/main" val="3721332784"/>
+      </p:ext>
+    </p:extLst>
+  </p:cSld>
+  <p:clrMapOvr>
+    <a:masterClrMapping/>
+  </p:clrMapOvr>
+</p:notes>
+</file>
+
+<file path=ppt/notesSlides/notesSlide9.xml><?xml version="1.0" encoding="utf-8"?>
+<p:notes xmlns:a="http://schemas.openxmlformats.org/drawingml/2006/main" xmlns:r="http://schemas.openxmlformats.org/officeDocument/2006/relationships" xmlns:p="http://schemas.openxmlformats.org/presentationml/2006/main">
+  <p:cSld>
+    <p:spTree>
+      <p:nvGrpSpPr>
+        <p:cNvPr id="1" name=""/>
+        <p:cNvGrpSpPr/>
+        <p:nvPr/>
+      </p:nvGrpSpPr>
+      <p:grpSpPr>
+        <a:xfrm>
+          <a:off x="0" y="0"/>
+          <a:ext cx="0" cy="0"/>
+          <a:chOff x="0" y="0"/>
+          <a:chExt cx="0" cy="0"/>
+        </a:xfrm>
+      </p:grpSpPr>
+      <p:sp>
+        <p:nvSpPr>
+          <p:cNvPr id="2" name="Espaço Reservado para Imagem de Slide 1"/>
+          <p:cNvSpPr>
+            <a:spLocks noGrp="1" noRot="1" noChangeAspect="1"/>
+          </p:cNvSpPr>
+          <p:nvPr>
+            <p:ph type="sldImg"/>
+          </p:nvPr>
+        </p:nvSpPr>
+        <p:spPr>
+          <a:xfrm>
+            <a:off x="381000" y="685800"/>
+            <a:ext cx="6096000" cy="3429000"/>
+          </a:xfrm>
+        </p:spPr>
+      </p:sp>
+      <p:sp>
+        <p:nvSpPr>
+          <p:cNvPr id="3" name="Espaço Reservado para Anotações 2"/>
+          <p:cNvSpPr>
+            <a:spLocks noGrp="1"/>
+          </p:cNvSpPr>
+          <p:nvPr>
+            <p:ph type="body" idx="1"/>
+          </p:nvPr>
+        </p:nvSpPr>
+        <p:spPr/>
+        <p:txBody>
+          <a:bodyPr/>
+          <a:lstStyle/>
+          <a:p>
+            <a:endParaRPr lang="pt-BR" dirty="0"/>
+          </a:p>
+        </p:txBody>
+      </p:sp>
+    </p:spTree>
+    <p:extLst>
+      <p:ext uri="{BB962C8B-B14F-4D97-AF65-F5344CB8AC3E}">
+        <p14:creationId xmlns:p14="http://schemas.microsoft.com/office/powerpoint/2010/main" val="613135819"/>
       </p:ext>
     </p:extLst>
   </p:cSld>
@@ -3896,6 +4968,2880 @@
 </p:sld>
 </file>
 
+<file path=ppt/slides/slide10.xml><?xml version="1.0" encoding="utf-8"?>
+<p:sld xmlns:a="http://schemas.openxmlformats.org/drawingml/2006/main" xmlns:r="http://schemas.openxmlformats.org/officeDocument/2006/relationships" xmlns:p="http://schemas.openxmlformats.org/presentationml/2006/main">
+  <p:cSld>
+    <p:spTree>
+      <p:nvGrpSpPr>
+        <p:cNvPr id="1" name=""/>
+        <p:cNvGrpSpPr/>
+        <p:nvPr/>
+      </p:nvGrpSpPr>
+      <p:grpSpPr>
+        <a:xfrm>
+          <a:off x="0" y="0"/>
+          <a:ext cx="0" cy="0"/>
+          <a:chOff x="0" y="0"/>
+          <a:chExt cx="0" cy="0"/>
+        </a:xfrm>
+      </p:grpSpPr>
+      <p:sp>
+        <p:nvSpPr>
+          <p:cNvPr id="6" name="Title 1"/>
+          <p:cNvSpPr>
+            <a:spLocks noGrp="1"/>
+          </p:cNvSpPr>
+          <p:nvPr>
+            <p:ph type="title"/>
+          </p:nvPr>
+        </p:nvSpPr>
+        <p:spPr>
+          <a:xfrm>
+            <a:off x="457200" y="205980"/>
+            <a:ext cx="8229600" cy="857251"/>
+          </a:xfrm>
+        </p:spPr>
+        <p:txBody>
+          <a:bodyPr>
+            <a:normAutofit/>
+          </a:bodyPr>
+          <a:lstStyle/>
+          <a:p>
+            <a:r>
+              <a:rPr lang="pt-BR" b="1" dirty="0">
+                <a:solidFill>
+                  <a:srgbClr val="0070C0"/>
+                </a:solidFill>
+              </a:rPr>
+              <a:t>Plataforma Arduíno Prototipagem</a:t>
+            </a:r>
+            <a:endParaRPr lang="en-US" b="1" dirty="0">
+              <a:solidFill>
+                <a:srgbClr val="0070C0"/>
+              </a:solidFill>
+            </a:endParaRPr>
+          </a:p>
+        </p:txBody>
+      </p:sp>
+      <p:sp>
+        <p:nvSpPr>
+          <p:cNvPr id="8" name="Text Placeholder 2"/>
+          <p:cNvSpPr>
+            <a:spLocks noGrp="1"/>
+          </p:cNvSpPr>
+          <p:nvPr>
+            <p:ph type="body" sz="half" idx="1"/>
+          </p:nvPr>
+        </p:nvSpPr>
+        <p:spPr>
+          <a:xfrm>
+            <a:off x="142865" y="1200150"/>
+            <a:ext cx="8865056" cy="3737370"/>
+          </a:xfrm>
+        </p:spPr>
+        <p:txBody>
+          <a:bodyPr>
+            <a:noAutofit/>
+          </a:bodyPr>
+          <a:lstStyle/>
+          <a:p>
+            <a:pPr marL="0" indent="0" algn="just">
+              <a:buNone/>
+            </a:pPr>
+            <a:r>
+              <a:rPr lang="pt-BR" sz="2000" dirty="0">
+                <a:solidFill>
+                  <a:schemeClr val="tx1"/>
+                </a:solidFill>
+                <a:latin typeface="Times New Roman" panose="02020603050405020304" pitchFamily="18" charset="0"/>
+                <a:cs typeface="Times New Roman" panose="02020603050405020304" pitchFamily="18" charset="0"/>
+              </a:rPr>
+              <a:t>Vamos focar no </a:t>
+            </a:r>
+            <a:r>
+              <a:rPr lang="pt-BR" sz="2000" b="1" dirty="0">
+                <a:solidFill>
+                  <a:schemeClr val="tx1"/>
+                </a:solidFill>
+                <a:latin typeface="Times New Roman" panose="02020603050405020304" pitchFamily="18" charset="0"/>
+                <a:cs typeface="Times New Roman" panose="02020603050405020304" pitchFamily="18" charset="0"/>
+              </a:rPr>
+              <a:t>Arduino UNO R3</a:t>
+            </a:r>
+            <a:r>
+              <a:rPr lang="pt-BR" sz="2000" dirty="0">
+                <a:solidFill>
+                  <a:schemeClr val="tx1"/>
+                </a:solidFill>
+                <a:latin typeface="Times New Roman" panose="02020603050405020304" pitchFamily="18" charset="0"/>
+                <a:cs typeface="Times New Roman" panose="02020603050405020304" pitchFamily="18" charset="0"/>
+              </a:rPr>
+              <a:t>, uma </a:t>
+            </a:r>
+            <a:r>
+              <a:rPr lang="pt-BR" sz="2000" b="1" dirty="0">
+                <a:solidFill>
+                  <a:srgbClr val="FF0000"/>
+                </a:solidFill>
+                <a:latin typeface="Times New Roman" panose="02020603050405020304" pitchFamily="18" charset="0"/>
+                <a:cs typeface="Times New Roman" panose="02020603050405020304" pitchFamily="18" charset="0"/>
+              </a:rPr>
+              <a:t>placa </a:t>
+            </a:r>
+            <a:r>
+              <a:rPr lang="pt-BR" sz="2000" b="1" dirty="0" err="1">
+                <a:solidFill>
+                  <a:srgbClr val="FF0000"/>
+                </a:solidFill>
+                <a:latin typeface="Times New Roman" panose="02020603050405020304" pitchFamily="18" charset="0"/>
+                <a:cs typeface="Times New Roman" panose="02020603050405020304" pitchFamily="18" charset="0"/>
+              </a:rPr>
+              <a:t>entry-level</a:t>
+            </a:r>
+            <a:r>
+              <a:rPr lang="pt-BR" sz="2000" dirty="0">
+                <a:solidFill>
+                  <a:schemeClr val="tx1"/>
+                </a:solidFill>
+                <a:latin typeface="Times New Roman" panose="02020603050405020304" pitchFamily="18" charset="0"/>
+                <a:cs typeface="Times New Roman" panose="02020603050405020304" pitchFamily="18" charset="0"/>
+              </a:rPr>
+              <a:t> e um dos modelos mais populares e de custo mais acessível.</a:t>
+            </a:r>
+          </a:p>
+          <a:p>
+            <a:pPr marL="0" indent="0" algn="just">
+              <a:buNone/>
+            </a:pPr>
+            <a:endParaRPr lang="pt-BR" sz="2000" dirty="0">
+              <a:solidFill>
+                <a:schemeClr val="tx1"/>
+              </a:solidFill>
+              <a:latin typeface="Times New Roman" panose="02020603050405020304" pitchFamily="18" charset="0"/>
+              <a:cs typeface="Times New Roman" panose="02020603050405020304" pitchFamily="18" charset="0"/>
+            </a:endParaRPr>
+          </a:p>
+          <a:p>
+            <a:pPr marL="0" indent="0" algn="just">
+              <a:buNone/>
+            </a:pPr>
+            <a:r>
+              <a:rPr lang="pt-BR" sz="2000" dirty="0">
+                <a:solidFill>
+                  <a:schemeClr val="tx1"/>
+                </a:solidFill>
+                <a:latin typeface="Times New Roman" panose="02020603050405020304" pitchFamily="18" charset="0"/>
+                <a:cs typeface="Times New Roman" panose="02020603050405020304" pitchFamily="18" charset="0"/>
+              </a:rPr>
+              <a:t>É uma placa ideal para quem está dando os primeiros passos na eletrônica e querendo descobrir o que é </a:t>
+            </a:r>
+            <a:r>
+              <a:rPr lang="pt-BR" sz="2000" b="1" dirty="0">
+                <a:solidFill>
+                  <a:schemeClr val="tx1"/>
+                </a:solidFill>
+                <a:latin typeface="Times New Roman" panose="02020603050405020304" pitchFamily="18" charset="0"/>
+                <a:cs typeface="Times New Roman" panose="02020603050405020304" pitchFamily="18" charset="0"/>
+              </a:rPr>
+              <a:t>Arduino</a:t>
+            </a:r>
+            <a:r>
+              <a:rPr lang="pt-BR" sz="2000" dirty="0">
+                <a:solidFill>
+                  <a:schemeClr val="tx1"/>
+                </a:solidFill>
+                <a:latin typeface="Times New Roman" panose="02020603050405020304" pitchFamily="18" charset="0"/>
+                <a:cs typeface="Times New Roman" panose="02020603050405020304" pitchFamily="18" charset="0"/>
+              </a:rPr>
+              <a:t>.</a:t>
+            </a:r>
+          </a:p>
+          <a:p>
+            <a:pPr marL="0" indent="0" algn="just">
+              <a:buNone/>
+            </a:pPr>
+            <a:endParaRPr lang="pt-BR" sz="2000" dirty="0">
+              <a:solidFill>
+                <a:schemeClr val="tx1"/>
+              </a:solidFill>
+              <a:latin typeface="Times New Roman" panose="02020603050405020304" pitchFamily="18" charset="0"/>
+              <a:cs typeface="Times New Roman" panose="02020603050405020304" pitchFamily="18" charset="0"/>
+            </a:endParaRPr>
+          </a:p>
+          <a:p>
+            <a:pPr marL="0" indent="0" algn="just">
+              <a:buNone/>
+            </a:pPr>
+            <a:r>
+              <a:rPr lang="pt-BR" sz="2000" dirty="0">
+                <a:solidFill>
+                  <a:schemeClr val="tx1"/>
+                </a:solidFill>
+                <a:latin typeface="Times New Roman" panose="02020603050405020304" pitchFamily="18" charset="0"/>
+                <a:cs typeface="Times New Roman" panose="02020603050405020304" pitchFamily="18" charset="0"/>
+              </a:rPr>
+              <a:t>A placa possui uma série de pinos disponíveis para ligação e conectores para </a:t>
+            </a:r>
+            <a:r>
+              <a:rPr lang="pt-BR" sz="2000" dirty="0" err="1">
+                <a:solidFill>
+                  <a:schemeClr val="tx1"/>
+                </a:solidFill>
+                <a:latin typeface="Times New Roman" panose="02020603050405020304" pitchFamily="18" charset="0"/>
+                <a:cs typeface="Times New Roman" panose="02020603050405020304" pitchFamily="18" charset="0"/>
+              </a:rPr>
+              <a:t>interfacear</a:t>
+            </a:r>
+            <a:r>
+              <a:rPr lang="pt-BR" sz="2000" dirty="0">
+                <a:solidFill>
+                  <a:schemeClr val="tx1"/>
+                </a:solidFill>
+                <a:latin typeface="Times New Roman" panose="02020603050405020304" pitchFamily="18" charset="0"/>
+                <a:cs typeface="Times New Roman" panose="02020603050405020304" pitchFamily="18" charset="0"/>
+              </a:rPr>
+              <a:t> com o mundo externo. O </a:t>
+            </a:r>
+            <a:r>
+              <a:rPr lang="pt-BR" sz="2000" b="1" dirty="0">
+                <a:solidFill>
+                  <a:schemeClr val="tx1"/>
+                </a:solidFill>
+                <a:latin typeface="Times New Roman" panose="02020603050405020304" pitchFamily="18" charset="0"/>
+                <a:cs typeface="Times New Roman" panose="02020603050405020304" pitchFamily="18" charset="0"/>
+              </a:rPr>
+              <a:t>MCU é um  Atmega328p</a:t>
+            </a:r>
+            <a:r>
+              <a:rPr lang="pt-BR" sz="2000" dirty="0">
+                <a:solidFill>
+                  <a:schemeClr val="tx1"/>
+                </a:solidFill>
+                <a:latin typeface="Times New Roman" panose="02020603050405020304" pitchFamily="18" charset="0"/>
+                <a:cs typeface="Times New Roman" panose="02020603050405020304" pitchFamily="18" charset="0"/>
+              </a:rPr>
+              <a:t>.</a:t>
+            </a:r>
+          </a:p>
+          <a:p>
+            <a:pPr marL="0" indent="0" algn="just">
+              <a:buNone/>
+            </a:pPr>
+            <a:endParaRPr lang="pt-BR" sz="2000" dirty="0">
+              <a:solidFill>
+                <a:schemeClr val="tx1"/>
+              </a:solidFill>
+              <a:latin typeface="Times New Roman" panose="02020603050405020304" pitchFamily="18" charset="0"/>
+              <a:cs typeface="Times New Roman" panose="02020603050405020304" pitchFamily="18" charset="0"/>
+            </a:endParaRPr>
+          </a:p>
+        </p:txBody>
+      </p:sp>
+    </p:spTree>
+    <p:extLst>
+      <p:ext uri="{BB962C8B-B14F-4D97-AF65-F5344CB8AC3E}">
+        <p14:creationId xmlns:p14="http://schemas.microsoft.com/office/powerpoint/2010/main" val="2205944170"/>
+      </p:ext>
+    </p:extLst>
+  </p:cSld>
+  <p:clrMapOvr>
+    <a:masterClrMapping/>
+  </p:clrMapOvr>
+  <p:transition spd="med"/>
+</p:sld>
+</file>
+
+<file path=ppt/slides/slide11.xml><?xml version="1.0" encoding="utf-8"?>
+<p:sld xmlns:a="http://schemas.openxmlformats.org/drawingml/2006/main" xmlns:r="http://schemas.openxmlformats.org/officeDocument/2006/relationships" xmlns:p="http://schemas.openxmlformats.org/presentationml/2006/main">
+  <p:cSld>
+    <p:spTree>
+      <p:nvGrpSpPr>
+        <p:cNvPr id="1" name=""/>
+        <p:cNvGrpSpPr/>
+        <p:nvPr/>
+      </p:nvGrpSpPr>
+      <p:grpSpPr>
+        <a:xfrm>
+          <a:off x="0" y="0"/>
+          <a:ext cx="0" cy="0"/>
+          <a:chOff x="0" y="0"/>
+          <a:chExt cx="0" cy="0"/>
+        </a:xfrm>
+      </p:grpSpPr>
+      <p:sp>
+        <p:nvSpPr>
+          <p:cNvPr id="6" name="Title 1"/>
+          <p:cNvSpPr>
+            <a:spLocks noGrp="1"/>
+          </p:cNvSpPr>
+          <p:nvPr>
+            <p:ph type="title"/>
+          </p:nvPr>
+        </p:nvSpPr>
+        <p:spPr>
+          <a:xfrm>
+            <a:off x="457200" y="205980"/>
+            <a:ext cx="8229600" cy="857251"/>
+          </a:xfrm>
+        </p:spPr>
+        <p:txBody>
+          <a:bodyPr>
+            <a:normAutofit/>
+          </a:bodyPr>
+          <a:lstStyle/>
+          <a:p>
+            <a:r>
+              <a:rPr lang="pt-BR" b="1" dirty="0">
+                <a:solidFill>
+                  <a:srgbClr val="0070C0"/>
+                </a:solidFill>
+              </a:rPr>
+              <a:t>Características Placa Arduíno Uno</a:t>
+            </a:r>
+            <a:endParaRPr lang="en-US" b="1" dirty="0">
+              <a:solidFill>
+                <a:srgbClr val="0070C0"/>
+              </a:solidFill>
+            </a:endParaRPr>
+          </a:p>
+        </p:txBody>
+      </p:sp>
+      <p:sp>
+        <p:nvSpPr>
+          <p:cNvPr id="8" name="Text Placeholder 2"/>
+          <p:cNvSpPr>
+            <a:spLocks noGrp="1"/>
+          </p:cNvSpPr>
+          <p:nvPr>
+            <p:ph type="body" sz="half" idx="1"/>
+          </p:nvPr>
+        </p:nvSpPr>
+        <p:spPr>
+          <a:xfrm>
+            <a:off x="142865" y="1200150"/>
+            <a:ext cx="8865056" cy="3737370"/>
+          </a:xfrm>
+        </p:spPr>
+        <p:txBody>
+          <a:bodyPr>
+            <a:noAutofit/>
+          </a:bodyPr>
+          <a:lstStyle/>
+          <a:p>
+            <a:pPr marL="0" indent="0" algn="just">
+              <a:buNone/>
+            </a:pPr>
+            <a:r>
+              <a:rPr lang="pt-BR" sz="2000" dirty="0">
+                <a:solidFill>
+                  <a:schemeClr val="tx1"/>
+                </a:solidFill>
+                <a:latin typeface="Times New Roman" panose="02020603050405020304" pitchFamily="18" charset="0"/>
+                <a:cs typeface="Times New Roman" panose="02020603050405020304" pitchFamily="18" charset="0"/>
+              </a:rPr>
+              <a:t>A placa possui uma série de pinos disponíveis para ligação e conectores para </a:t>
+            </a:r>
+            <a:r>
+              <a:rPr lang="pt-BR" sz="2000" dirty="0" err="1">
+                <a:solidFill>
+                  <a:schemeClr val="tx1"/>
+                </a:solidFill>
+                <a:latin typeface="Times New Roman" panose="02020603050405020304" pitchFamily="18" charset="0"/>
+                <a:cs typeface="Times New Roman" panose="02020603050405020304" pitchFamily="18" charset="0"/>
+              </a:rPr>
+              <a:t>interfacear</a:t>
+            </a:r>
+            <a:r>
+              <a:rPr lang="pt-BR" sz="2000" dirty="0">
+                <a:solidFill>
+                  <a:schemeClr val="tx1"/>
+                </a:solidFill>
+                <a:latin typeface="Times New Roman" panose="02020603050405020304" pitchFamily="18" charset="0"/>
+                <a:cs typeface="Times New Roman" panose="02020603050405020304" pitchFamily="18" charset="0"/>
+              </a:rPr>
+              <a:t> com o mundo externo. O </a:t>
+            </a:r>
+            <a:r>
+              <a:rPr lang="pt-BR" sz="2000" b="1" dirty="0">
+                <a:solidFill>
+                  <a:schemeClr val="tx1"/>
+                </a:solidFill>
+                <a:latin typeface="Times New Roman" panose="02020603050405020304" pitchFamily="18" charset="0"/>
+                <a:cs typeface="Times New Roman" panose="02020603050405020304" pitchFamily="18" charset="0"/>
+              </a:rPr>
+              <a:t>MCU é um  Atmega328p</a:t>
+            </a:r>
+            <a:r>
+              <a:rPr lang="pt-BR" sz="2000" dirty="0">
+                <a:solidFill>
+                  <a:schemeClr val="tx1"/>
+                </a:solidFill>
+                <a:latin typeface="Times New Roman" panose="02020603050405020304" pitchFamily="18" charset="0"/>
+                <a:cs typeface="Times New Roman" panose="02020603050405020304" pitchFamily="18" charset="0"/>
+              </a:rPr>
+              <a:t>.</a:t>
+            </a:r>
+          </a:p>
+          <a:p>
+            <a:pPr marL="0" indent="0" algn="just">
+              <a:buNone/>
+            </a:pPr>
+            <a:endParaRPr lang="pt-BR" sz="2000" dirty="0">
+              <a:solidFill>
+                <a:schemeClr val="tx1"/>
+              </a:solidFill>
+              <a:latin typeface="Times New Roman" panose="02020603050405020304" pitchFamily="18" charset="0"/>
+              <a:cs typeface="Times New Roman" panose="02020603050405020304" pitchFamily="18" charset="0"/>
+            </a:endParaRPr>
+          </a:p>
+          <a:p>
+            <a:pPr algn="just">
+              <a:buFont typeface="Wingdings" panose="05000000000000000000" pitchFamily="2" charset="2"/>
+              <a:buChar char="§"/>
+            </a:pPr>
+            <a:r>
+              <a:rPr lang="pt-BR" sz="2000" dirty="0">
+                <a:solidFill>
+                  <a:schemeClr val="tx1"/>
+                </a:solidFill>
+                <a:latin typeface="Times New Roman" panose="02020603050405020304" pitchFamily="18" charset="0"/>
+                <a:cs typeface="Times New Roman" panose="02020603050405020304" pitchFamily="18" charset="0"/>
+              </a:rPr>
+              <a:t>14 I/Os digitais, dos quais 6 podem ser usados como PWM</a:t>
+            </a:r>
+          </a:p>
+          <a:p>
+            <a:pPr algn="just">
+              <a:buFont typeface="Wingdings" panose="05000000000000000000" pitchFamily="2" charset="2"/>
+              <a:buChar char="§"/>
+            </a:pPr>
+            <a:r>
+              <a:rPr lang="pt-BR" sz="2000" dirty="0">
+                <a:solidFill>
+                  <a:schemeClr val="tx1"/>
+                </a:solidFill>
+                <a:latin typeface="Times New Roman" panose="02020603050405020304" pitchFamily="18" charset="0"/>
+                <a:cs typeface="Times New Roman" panose="02020603050405020304" pitchFamily="18" charset="0"/>
+              </a:rPr>
+              <a:t>6 Inputs analógicos</a:t>
+            </a:r>
+          </a:p>
+          <a:p>
+            <a:pPr algn="just">
+              <a:buFont typeface="Wingdings" panose="05000000000000000000" pitchFamily="2" charset="2"/>
+              <a:buChar char="§"/>
+            </a:pPr>
+            <a:r>
+              <a:rPr lang="pt-BR" sz="2000" dirty="0">
+                <a:solidFill>
+                  <a:schemeClr val="tx1"/>
+                </a:solidFill>
+                <a:latin typeface="Times New Roman" panose="02020603050405020304" pitchFamily="18" charset="0"/>
+                <a:cs typeface="Times New Roman" panose="02020603050405020304" pitchFamily="18" charset="0"/>
+              </a:rPr>
+              <a:t>Oscilador de 16MHz</a:t>
+            </a:r>
+          </a:p>
+          <a:p>
+            <a:pPr algn="just">
+              <a:buFont typeface="Wingdings" panose="05000000000000000000" pitchFamily="2" charset="2"/>
+              <a:buChar char="§"/>
+            </a:pPr>
+            <a:r>
+              <a:rPr lang="pt-BR" sz="2000" dirty="0">
+                <a:solidFill>
+                  <a:schemeClr val="tx1"/>
+                </a:solidFill>
+                <a:latin typeface="Times New Roman" panose="02020603050405020304" pitchFamily="18" charset="0"/>
+                <a:cs typeface="Times New Roman" panose="02020603050405020304" pitchFamily="18" charset="0"/>
+              </a:rPr>
+              <a:t>Conector USB</a:t>
+            </a:r>
+          </a:p>
+          <a:p>
+            <a:pPr algn="just">
+              <a:buFont typeface="Wingdings" panose="05000000000000000000" pitchFamily="2" charset="2"/>
+              <a:buChar char="§"/>
+            </a:pPr>
+            <a:r>
+              <a:rPr lang="pt-BR" sz="2000" dirty="0">
+                <a:solidFill>
+                  <a:schemeClr val="tx1"/>
+                </a:solidFill>
+                <a:latin typeface="Times New Roman" panose="02020603050405020304" pitchFamily="18" charset="0"/>
+                <a:cs typeface="Times New Roman" panose="02020603050405020304" pitchFamily="18" charset="0"/>
+              </a:rPr>
+              <a:t>Conector de alimentação</a:t>
+            </a:r>
+          </a:p>
+          <a:p>
+            <a:pPr algn="just">
+              <a:buFont typeface="Wingdings" panose="05000000000000000000" pitchFamily="2" charset="2"/>
+              <a:buChar char="§"/>
+            </a:pPr>
+            <a:r>
+              <a:rPr lang="pt-BR" sz="2000" dirty="0">
+                <a:solidFill>
+                  <a:schemeClr val="tx1"/>
+                </a:solidFill>
+                <a:latin typeface="Times New Roman" panose="02020603050405020304" pitchFamily="18" charset="0"/>
+                <a:cs typeface="Times New Roman" panose="02020603050405020304" pitchFamily="18" charset="0"/>
+              </a:rPr>
+              <a:t>ICSP header</a:t>
+            </a:r>
+          </a:p>
+          <a:p>
+            <a:pPr algn="just">
+              <a:buFont typeface="Wingdings" panose="05000000000000000000" pitchFamily="2" charset="2"/>
+              <a:buChar char="§"/>
+            </a:pPr>
+            <a:r>
+              <a:rPr lang="pt-BR" sz="2000" dirty="0">
+                <a:solidFill>
+                  <a:schemeClr val="tx1"/>
+                </a:solidFill>
+                <a:latin typeface="Times New Roman" panose="02020603050405020304" pitchFamily="18" charset="0"/>
+                <a:cs typeface="Times New Roman" panose="02020603050405020304" pitchFamily="18" charset="0"/>
+              </a:rPr>
+              <a:t>Botão de reset</a:t>
+            </a:r>
+          </a:p>
+          <a:p>
+            <a:pPr marL="0" indent="0" algn="just">
+              <a:buNone/>
+            </a:pPr>
+            <a:endParaRPr lang="pt-BR" sz="2000" dirty="0">
+              <a:solidFill>
+                <a:schemeClr val="tx1"/>
+              </a:solidFill>
+              <a:latin typeface="Times New Roman" panose="02020603050405020304" pitchFamily="18" charset="0"/>
+              <a:cs typeface="Times New Roman" panose="02020603050405020304" pitchFamily="18" charset="0"/>
+            </a:endParaRPr>
+          </a:p>
+        </p:txBody>
+      </p:sp>
+    </p:spTree>
+    <p:extLst>
+      <p:ext uri="{BB962C8B-B14F-4D97-AF65-F5344CB8AC3E}">
+        <p14:creationId xmlns:p14="http://schemas.microsoft.com/office/powerpoint/2010/main" val="3989562613"/>
+      </p:ext>
+    </p:extLst>
+  </p:cSld>
+  <p:clrMapOvr>
+    <a:masterClrMapping/>
+  </p:clrMapOvr>
+  <p:transition spd="med"/>
+</p:sld>
+</file>
+
+<file path=ppt/slides/slide12.xml><?xml version="1.0" encoding="utf-8"?>
+<p:sld xmlns:a="http://schemas.openxmlformats.org/drawingml/2006/main" xmlns:r="http://schemas.openxmlformats.org/officeDocument/2006/relationships" xmlns:p="http://schemas.openxmlformats.org/presentationml/2006/main">
+  <p:cSld>
+    <p:spTree>
+      <p:nvGrpSpPr>
+        <p:cNvPr id="1" name=""/>
+        <p:cNvGrpSpPr/>
+        <p:nvPr/>
+      </p:nvGrpSpPr>
+      <p:grpSpPr>
+        <a:xfrm>
+          <a:off x="0" y="0"/>
+          <a:ext cx="0" cy="0"/>
+          <a:chOff x="0" y="0"/>
+          <a:chExt cx="0" cy="0"/>
+        </a:xfrm>
+      </p:grpSpPr>
+      <p:sp>
+        <p:nvSpPr>
+          <p:cNvPr id="6" name="Title 1"/>
+          <p:cNvSpPr>
+            <a:spLocks noGrp="1"/>
+          </p:cNvSpPr>
+          <p:nvPr>
+            <p:ph type="title"/>
+          </p:nvPr>
+        </p:nvSpPr>
+        <p:spPr>
+          <a:xfrm>
+            <a:off x="457200" y="205980"/>
+            <a:ext cx="8229600" cy="857251"/>
+          </a:xfrm>
+        </p:spPr>
+        <p:txBody>
+          <a:bodyPr>
+            <a:normAutofit/>
+          </a:bodyPr>
+          <a:lstStyle/>
+          <a:p>
+            <a:r>
+              <a:rPr lang="pt-BR" b="1" dirty="0">
+                <a:solidFill>
+                  <a:srgbClr val="0070C0"/>
+                </a:solidFill>
+              </a:rPr>
+              <a:t>Características Placa Arduíno Uno</a:t>
+            </a:r>
+            <a:endParaRPr lang="en-US" b="1" dirty="0">
+              <a:solidFill>
+                <a:srgbClr val="0070C0"/>
+              </a:solidFill>
+            </a:endParaRPr>
+          </a:p>
+        </p:txBody>
+      </p:sp>
+      <p:sp>
+        <p:nvSpPr>
+          <p:cNvPr id="8" name="Text Placeholder 2"/>
+          <p:cNvSpPr>
+            <a:spLocks noGrp="1"/>
+          </p:cNvSpPr>
+          <p:nvPr>
+            <p:ph type="body" sz="half" idx="1"/>
+          </p:nvPr>
+        </p:nvSpPr>
+        <p:spPr>
+          <a:xfrm>
+            <a:off x="142865" y="1200150"/>
+            <a:ext cx="8865056" cy="3737370"/>
+          </a:xfrm>
+        </p:spPr>
+        <p:txBody>
+          <a:bodyPr>
+            <a:noAutofit/>
+          </a:bodyPr>
+          <a:lstStyle/>
+          <a:p>
+            <a:pPr marL="0" indent="0" algn="just">
+              <a:buNone/>
+            </a:pPr>
+            <a:r>
+              <a:rPr lang="pt-BR" sz="2000" dirty="0">
+                <a:solidFill>
+                  <a:schemeClr val="tx1"/>
+                </a:solidFill>
+                <a:latin typeface="Times New Roman" panose="02020603050405020304" pitchFamily="18" charset="0"/>
+                <a:cs typeface="Times New Roman" panose="02020603050405020304" pitchFamily="18" charset="0"/>
+              </a:rPr>
+              <a:t>A placa pode ser </a:t>
+            </a:r>
+            <a:r>
+              <a:rPr lang="pt-BR" sz="2000" b="1" dirty="0">
+                <a:solidFill>
+                  <a:schemeClr val="tx1"/>
+                </a:solidFill>
+                <a:latin typeface="Times New Roman" panose="02020603050405020304" pitchFamily="18" charset="0"/>
+                <a:cs typeface="Times New Roman" panose="02020603050405020304" pitchFamily="18" charset="0"/>
+              </a:rPr>
+              <a:t>alimentada</a:t>
+            </a:r>
+            <a:r>
+              <a:rPr lang="pt-BR" sz="2000" dirty="0">
+                <a:solidFill>
+                  <a:schemeClr val="tx1"/>
+                </a:solidFill>
+                <a:latin typeface="Times New Roman" panose="02020603050405020304" pitchFamily="18" charset="0"/>
+                <a:cs typeface="Times New Roman" panose="02020603050405020304" pitchFamily="18" charset="0"/>
+              </a:rPr>
+              <a:t> tanto pelo </a:t>
+            </a:r>
+            <a:r>
+              <a:rPr lang="pt-BR" sz="2000" b="1" dirty="0">
+                <a:solidFill>
+                  <a:srgbClr val="FF0000"/>
+                </a:solidFill>
+                <a:latin typeface="Times New Roman" panose="02020603050405020304" pitchFamily="18" charset="0"/>
+                <a:cs typeface="Times New Roman" panose="02020603050405020304" pitchFamily="18" charset="0"/>
+              </a:rPr>
+              <a:t>cabo USB como por adaptador AC/DC</a:t>
+            </a:r>
+            <a:r>
+              <a:rPr lang="pt-BR" sz="2000" dirty="0">
+                <a:solidFill>
+                  <a:schemeClr val="tx1"/>
+                </a:solidFill>
+                <a:latin typeface="Times New Roman" panose="02020603050405020304" pitchFamily="18" charset="0"/>
+                <a:cs typeface="Times New Roman" panose="02020603050405020304" pitchFamily="18" charset="0"/>
+              </a:rPr>
+              <a:t>. Todos os </a:t>
+            </a:r>
+            <a:r>
+              <a:rPr lang="pt-BR" sz="2000" dirty="0" err="1">
+                <a:solidFill>
+                  <a:schemeClr val="tx1"/>
+                </a:solidFill>
+                <a:latin typeface="Times New Roman" panose="02020603050405020304" pitchFamily="18" charset="0"/>
+                <a:cs typeface="Times New Roman" panose="02020603050405020304" pitchFamily="18" charset="0"/>
+              </a:rPr>
+              <a:t>features</a:t>
+            </a:r>
+            <a:r>
+              <a:rPr lang="pt-BR" sz="2000" dirty="0">
+                <a:solidFill>
+                  <a:schemeClr val="tx1"/>
+                </a:solidFill>
+                <a:latin typeface="Times New Roman" panose="02020603050405020304" pitchFamily="18" charset="0"/>
+                <a:cs typeface="Times New Roman" panose="02020603050405020304" pitchFamily="18" charset="0"/>
+              </a:rPr>
+              <a:t> do microcontrolador estão disponibilizados para </a:t>
+            </a:r>
+            <a:r>
+              <a:rPr lang="pt-BR" sz="2000" dirty="0" err="1">
+                <a:solidFill>
+                  <a:schemeClr val="tx1"/>
+                </a:solidFill>
+                <a:latin typeface="Times New Roman" panose="02020603050405020304" pitchFamily="18" charset="0"/>
+                <a:cs typeface="Times New Roman" panose="02020603050405020304" pitchFamily="18" charset="0"/>
+              </a:rPr>
+              <a:t>interfacear</a:t>
+            </a:r>
+            <a:r>
+              <a:rPr lang="pt-BR" sz="2000" dirty="0">
+                <a:solidFill>
+                  <a:schemeClr val="tx1"/>
+                </a:solidFill>
+                <a:latin typeface="Times New Roman" panose="02020603050405020304" pitchFamily="18" charset="0"/>
+                <a:cs typeface="Times New Roman" panose="02020603050405020304" pitchFamily="18" charset="0"/>
+              </a:rPr>
+              <a:t> com o mundo externo.</a:t>
+            </a:r>
+          </a:p>
+          <a:p>
+            <a:pPr marL="0" indent="0" algn="just">
+              <a:buNone/>
+            </a:pPr>
+            <a:endParaRPr lang="pt-BR" sz="2000" dirty="0">
+              <a:solidFill>
+                <a:schemeClr val="tx1"/>
+              </a:solidFill>
+              <a:latin typeface="Times New Roman" panose="02020603050405020304" pitchFamily="18" charset="0"/>
+              <a:cs typeface="Times New Roman" panose="02020603050405020304" pitchFamily="18" charset="0"/>
+            </a:endParaRPr>
+          </a:p>
+          <a:p>
+            <a:pPr marL="0" indent="0" algn="just">
+              <a:buNone/>
+            </a:pPr>
+            <a:r>
+              <a:rPr lang="pt-BR" sz="2000" dirty="0">
+                <a:solidFill>
+                  <a:schemeClr val="tx1"/>
+                </a:solidFill>
+                <a:latin typeface="Times New Roman" panose="02020603050405020304" pitchFamily="18" charset="0"/>
+                <a:cs typeface="Times New Roman" panose="02020603050405020304" pitchFamily="18" charset="0"/>
+              </a:rPr>
+              <a:t>Em geral, </a:t>
+            </a:r>
+            <a:r>
+              <a:rPr lang="pt-BR" sz="2000" b="1" dirty="0">
+                <a:solidFill>
+                  <a:schemeClr val="tx1"/>
+                </a:solidFill>
+                <a:latin typeface="Times New Roman" panose="02020603050405020304" pitchFamily="18" charset="0"/>
+                <a:cs typeface="Times New Roman" panose="02020603050405020304" pitchFamily="18" charset="0"/>
+              </a:rPr>
+              <a:t>as entradas analógicas </a:t>
+            </a:r>
+            <a:r>
+              <a:rPr lang="pt-BR" sz="2000" dirty="0">
+                <a:solidFill>
+                  <a:schemeClr val="tx1"/>
+                </a:solidFill>
+                <a:latin typeface="Times New Roman" panose="02020603050405020304" pitchFamily="18" charset="0"/>
+                <a:cs typeface="Times New Roman" panose="02020603050405020304" pitchFamily="18" charset="0"/>
+              </a:rPr>
+              <a:t>são utilizadas para </a:t>
+            </a:r>
+            <a:r>
+              <a:rPr lang="pt-BR" sz="2000" b="1" dirty="0">
+                <a:solidFill>
+                  <a:srgbClr val="FF0000"/>
+                </a:solidFill>
+                <a:latin typeface="Times New Roman" panose="02020603050405020304" pitchFamily="18" charset="0"/>
+                <a:cs typeface="Times New Roman" panose="02020603050405020304" pitchFamily="18" charset="0"/>
+              </a:rPr>
+              <a:t>ler sensores externos e as saídas PWM e outputs digitais </a:t>
+            </a:r>
+            <a:r>
+              <a:rPr lang="pt-BR" sz="2000" dirty="0">
+                <a:solidFill>
+                  <a:schemeClr val="tx1"/>
+                </a:solidFill>
+                <a:latin typeface="Times New Roman" panose="02020603050405020304" pitchFamily="18" charset="0"/>
+                <a:cs typeface="Times New Roman" panose="02020603050405020304" pitchFamily="18" charset="0"/>
+              </a:rPr>
+              <a:t>são utilizadas para controlar </a:t>
+            </a:r>
+            <a:r>
+              <a:rPr lang="pt-BR" sz="2000" b="1" dirty="0">
+                <a:solidFill>
+                  <a:schemeClr val="tx1"/>
+                </a:solidFill>
+                <a:latin typeface="Times New Roman" panose="02020603050405020304" pitchFamily="18" charset="0"/>
+                <a:cs typeface="Times New Roman" panose="02020603050405020304" pitchFamily="18" charset="0"/>
+              </a:rPr>
+              <a:t>motores e atuadores e acionar drivers </a:t>
+            </a:r>
+            <a:r>
+              <a:rPr lang="pt-BR" sz="2000" dirty="0">
+                <a:solidFill>
+                  <a:schemeClr val="tx1"/>
+                </a:solidFill>
+                <a:latin typeface="Times New Roman" panose="02020603050405020304" pitchFamily="18" charset="0"/>
+                <a:cs typeface="Times New Roman" panose="02020603050405020304" pitchFamily="18" charset="0"/>
+              </a:rPr>
+              <a:t>para cargas externas.</a:t>
+            </a:r>
+          </a:p>
+          <a:p>
+            <a:pPr marL="0" indent="0" algn="just">
+              <a:buNone/>
+            </a:pPr>
+            <a:endParaRPr lang="pt-BR" sz="2000" dirty="0">
+              <a:solidFill>
+                <a:schemeClr val="tx1"/>
+              </a:solidFill>
+              <a:latin typeface="Times New Roman" panose="02020603050405020304" pitchFamily="18" charset="0"/>
+              <a:cs typeface="Times New Roman" panose="02020603050405020304" pitchFamily="18" charset="0"/>
+            </a:endParaRPr>
+          </a:p>
+        </p:txBody>
+      </p:sp>
+    </p:spTree>
+    <p:extLst>
+      <p:ext uri="{BB962C8B-B14F-4D97-AF65-F5344CB8AC3E}">
+        <p14:creationId xmlns:p14="http://schemas.microsoft.com/office/powerpoint/2010/main" val="661308986"/>
+      </p:ext>
+    </p:extLst>
+  </p:cSld>
+  <p:clrMapOvr>
+    <a:masterClrMapping/>
+  </p:clrMapOvr>
+  <p:transition spd="med"/>
+</p:sld>
+</file>
+
+<file path=ppt/slides/slide13.xml><?xml version="1.0" encoding="utf-8"?>
+<p:sld xmlns:a="http://schemas.openxmlformats.org/drawingml/2006/main" xmlns:r="http://schemas.openxmlformats.org/officeDocument/2006/relationships" xmlns:p="http://schemas.openxmlformats.org/presentationml/2006/main">
+  <p:cSld>
+    <p:spTree>
+      <p:nvGrpSpPr>
+        <p:cNvPr id="1" name=""/>
+        <p:cNvGrpSpPr/>
+        <p:nvPr/>
+      </p:nvGrpSpPr>
+      <p:grpSpPr>
+        <a:xfrm>
+          <a:off x="0" y="0"/>
+          <a:ext cx="0" cy="0"/>
+          <a:chOff x="0" y="0"/>
+          <a:chExt cx="0" cy="0"/>
+        </a:xfrm>
+      </p:grpSpPr>
+      <p:sp>
+        <p:nvSpPr>
+          <p:cNvPr id="6" name="Title 1"/>
+          <p:cNvSpPr>
+            <a:spLocks noGrp="1"/>
+          </p:cNvSpPr>
+          <p:nvPr>
+            <p:ph type="title"/>
+          </p:nvPr>
+        </p:nvSpPr>
+        <p:spPr>
+          <a:xfrm>
+            <a:off x="457200" y="205980"/>
+            <a:ext cx="8229600" cy="857251"/>
+          </a:xfrm>
+        </p:spPr>
+        <p:txBody>
+          <a:bodyPr>
+            <a:normAutofit/>
+          </a:bodyPr>
+          <a:lstStyle/>
+          <a:p>
+            <a:r>
+              <a:rPr lang="pt-BR" b="1" dirty="0">
+                <a:solidFill>
+                  <a:srgbClr val="0070C0"/>
+                </a:solidFill>
+              </a:rPr>
+              <a:t>Software Placa Arduíno Uno R3</a:t>
+            </a:r>
+            <a:endParaRPr lang="en-US" b="1" dirty="0">
+              <a:solidFill>
+                <a:srgbClr val="0070C0"/>
+              </a:solidFill>
+            </a:endParaRPr>
+          </a:p>
+        </p:txBody>
+      </p:sp>
+      <p:sp>
+        <p:nvSpPr>
+          <p:cNvPr id="8" name="Text Placeholder 2"/>
+          <p:cNvSpPr>
+            <a:spLocks noGrp="1"/>
+          </p:cNvSpPr>
+          <p:nvPr>
+            <p:ph type="body" sz="half" idx="1"/>
+          </p:nvPr>
+        </p:nvSpPr>
+        <p:spPr>
+          <a:xfrm>
+            <a:off x="142865" y="1200150"/>
+            <a:ext cx="8865056" cy="3737370"/>
+          </a:xfrm>
+        </p:spPr>
+        <p:txBody>
+          <a:bodyPr>
+            <a:noAutofit/>
+          </a:bodyPr>
+          <a:lstStyle/>
+          <a:p>
+            <a:pPr marL="0" indent="0" algn="just">
+              <a:buNone/>
+            </a:pPr>
+            <a:r>
+              <a:rPr lang="pt-BR" sz="2000" dirty="0">
+                <a:solidFill>
+                  <a:schemeClr val="tx1"/>
+                </a:solidFill>
+                <a:latin typeface="Times New Roman" panose="02020603050405020304" pitchFamily="18" charset="0"/>
+                <a:cs typeface="Times New Roman" panose="02020603050405020304" pitchFamily="18" charset="0"/>
+              </a:rPr>
+              <a:t>Possui </a:t>
+            </a:r>
+            <a:r>
+              <a:rPr lang="pt-BR" sz="2000" b="1" dirty="0">
+                <a:solidFill>
+                  <a:srgbClr val="FF0000"/>
+                </a:solidFill>
+                <a:latin typeface="Times New Roman" panose="02020603050405020304" pitchFamily="18" charset="0"/>
+                <a:cs typeface="Times New Roman" panose="02020603050405020304" pitchFamily="18" charset="0"/>
+              </a:rPr>
+              <a:t>duas funções</a:t>
+            </a:r>
+            <a:r>
+              <a:rPr lang="pt-BR" sz="2000" dirty="0">
+                <a:solidFill>
+                  <a:schemeClr val="tx1"/>
+                </a:solidFill>
+                <a:latin typeface="Times New Roman" panose="02020603050405020304" pitchFamily="18" charset="0"/>
+                <a:cs typeface="Times New Roman" panose="02020603050405020304" pitchFamily="18" charset="0"/>
+              </a:rPr>
+              <a:t> estratégicas:</a:t>
+            </a:r>
+          </a:p>
+          <a:p>
+            <a:pPr marL="0" indent="0" algn="just">
+              <a:buNone/>
+            </a:pPr>
+            <a:endParaRPr lang="pt-BR" sz="2000" dirty="0">
+              <a:solidFill>
+                <a:schemeClr val="tx1"/>
+              </a:solidFill>
+              <a:latin typeface="Times New Roman" panose="02020603050405020304" pitchFamily="18" charset="0"/>
+              <a:cs typeface="Times New Roman" panose="02020603050405020304" pitchFamily="18" charset="0"/>
+            </a:endParaRPr>
+          </a:p>
+          <a:p>
+            <a:pPr marL="0" indent="0" algn="just">
+              <a:buNone/>
+            </a:pPr>
+            <a:r>
+              <a:rPr lang="pt-BR" sz="2000" dirty="0" err="1">
+                <a:solidFill>
+                  <a:schemeClr val="tx1"/>
+                </a:solidFill>
+                <a:latin typeface="Times New Roman" panose="02020603050405020304" pitchFamily="18" charset="0"/>
+                <a:cs typeface="Times New Roman" panose="02020603050405020304" pitchFamily="18" charset="0"/>
+              </a:rPr>
+              <a:t>void</a:t>
+            </a:r>
+            <a:r>
+              <a:rPr lang="pt-BR" sz="2000" dirty="0">
+                <a:solidFill>
+                  <a:schemeClr val="tx1"/>
+                </a:solidFill>
+                <a:latin typeface="Times New Roman" panose="02020603050405020304" pitchFamily="18" charset="0"/>
+                <a:cs typeface="Times New Roman" panose="02020603050405020304" pitchFamily="18" charset="0"/>
+              </a:rPr>
+              <a:t> </a:t>
+            </a:r>
+            <a:r>
+              <a:rPr lang="pt-BR" sz="2000" b="1" dirty="0">
+                <a:solidFill>
+                  <a:schemeClr val="tx1"/>
+                </a:solidFill>
+                <a:latin typeface="Times New Roman" panose="02020603050405020304" pitchFamily="18" charset="0"/>
+                <a:cs typeface="Times New Roman" panose="02020603050405020304" pitchFamily="18" charset="0"/>
+              </a:rPr>
+              <a:t>setup</a:t>
+            </a:r>
+            <a:r>
+              <a:rPr lang="pt-BR" sz="2000" dirty="0">
+                <a:solidFill>
+                  <a:schemeClr val="tx1"/>
+                </a:solidFill>
+                <a:latin typeface="Times New Roman" panose="02020603050405020304" pitchFamily="18" charset="0"/>
+                <a:cs typeface="Times New Roman" panose="02020603050405020304" pitchFamily="18" charset="0"/>
+              </a:rPr>
+              <a:t>(){ // As configurações</a:t>
+            </a:r>
+          </a:p>
+          <a:p>
+            <a:pPr marL="0" indent="0" algn="just">
+              <a:buNone/>
+            </a:pPr>
+            <a:r>
+              <a:rPr lang="pt-BR" sz="2000" dirty="0">
+                <a:solidFill>
+                  <a:schemeClr val="tx1"/>
+                </a:solidFill>
+                <a:latin typeface="Times New Roman" panose="02020603050405020304" pitchFamily="18" charset="0"/>
+                <a:cs typeface="Times New Roman" panose="02020603050405020304" pitchFamily="18" charset="0"/>
+              </a:rPr>
+              <a:t>}</a:t>
+            </a:r>
+          </a:p>
+          <a:p>
+            <a:pPr marL="0" indent="0" algn="just">
+              <a:buNone/>
+            </a:pPr>
+            <a:endParaRPr lang="pt-BR" sz="2000" dirty="0">
+              <a:solidFill>
+                <a:schemeClr val="tx1"/>
+              </a:solidFill>
+              <a:latin typeface="Times New Roman" panose="02020603050405020304" pitchFamily="18" charset="0"/>
+              <a:cs typeface="Times New Roman" panose="02020603050405020304" pitchFamily="18" charset="0"/>
+            </a:endParaRPr>
+          </a:p>
+          <a:p>
+            <a:pPr marL="0" indent="0" algn="just">
+              <a:buNone/>
+            </a:pPr>
+            <a:r>
+              <a:rPr lang="pt-BR" sz="2000" dirty="0" err="1">
+                <a:solidFill>
+                  <a:schemeClr val="tx1"/>
+                </a:solidFill>
+                <a:latin typeface="Times New Roman" panose="02020603050405020304" pitchFamily="18" charset="0"/>
+                <a:cs typeface="Times New Roman" panose="02020603050405020304" pitchFamily="18" charset="0"/>
+              </a:rPr>
+              <a:t>void</a:t>
+            </a:r>
+            <a:r>
+              <a:rPr lang="pt-BR" sz="2000" dirty="0">
+                <a:solidFill>
+                  <a:schemeClr val="tx1"/>
+                </a:solidFill>
+                <a:latin typeface="Times New Roman" panose="02020603050405020304" pitchFamily="18" charset="0"/>
+                <a:cs typeface="Times New Roman" panose="02020603050405020304" pitchFamily="18" charset="0"/>
+              </a:rPr>
+              <a:t> </a:t>
+            </a:r>
+            <a:r>
+              <a:rPr lang="pt-BR" sz="2000" b="1" dirty="0">
+                <a:solidFill>
+                  <a:schemeClr val="tx1"/>
+                </a:solidFill>
+                <a:latin typeface="Times New Roman" panose="02020603050405020304" pitchFamily="18" charset="0"/>
+                <a:cs typeface="Times New Roman" panose="02020603050405020304" pitchFamily="18" charset="0"/>
+              </a:rPr>
+              <a:t>loop</a:t>
+            </a:r>
+            <a:r>
+              <a:rPr lang="pt-BR" sz="2000" dirty="0">
+                <a:solidFill>
+                  <a:schemeClr val="tx1"/>
+                </a:solidFill>
+                <a:latin typeface="Times New Roman" panose="02020603050405020304" pitchFamily="18" charset="0"/>
+                <a:cs typeface="Times New Roman" panose="02020603050405020304" pitchFamily="18" charset="0"/>
+              </a:rPr>
+              <a:t>(){ // As funcionalidades</a:t>
+            </a:r>
+          </a:p>
+          <a:p>
+            <a:pPr marL="0" indent="0" algn="just">
+              <a:buNone/>
+            </a:pPr>
+            <a:r>
+              <a:rPr lang="pt-BR" sz="2000" dirty="0">
+                <a:solidFill>
+                  <a:schemeClr val="tx1"/>
+                </a:solidFill>
+                <a:latin typeface="Times New Roman" panose="02020603050405020304" pitchFamily="18" charset="0"/>
+                <a:cs typeface="Times New Roman" panose="02020603050405020304" pitchFamily="18" charset="0"/>
+              </a:rPr>
+              <a:t>}</a:t>
+            </a:r>
+          </a:p>
+          <a:p>
+            <a:pPr marL="0" indent="0" algn="just">
+              <a:buNone/>
+            </a:pPr>
+            <a:endParaRPr lang="pt-BR" sz="2000" dirty="0">
+              <a:solidFill>
+                <a:schemeClr val="tx1"/>
+              </a:solidFill>
+              <a:latin typeface="Times New Roman" panose="02020603050405020304" pitchFamily="18" charset="0"/>
+              <a:cs typeface="Times New Roman" panose="02020603050405020304" pitchFamily="18" charset="0"/>
+            </a:endParaRPr>
+          </a:p>
+          <a:p>
+            <a:pPr marL="0" indent="0" algn="just">
+              <a:buNone/>
+            </a:pPr>
+            <a:r>
+              <a:rPr lang="pt-BR" sz="2000" dirty="0">
+                <a:solidFill>
+                  <a:schemeClr val="tx1"/>
+                </a:solidFill>
+                <a:latin typeface="Times New Roman" panose="02020603050405020304" pitchFamily="18" charset="0"/>
+                <a:cs typeface="Times New Roman" panose="02020603050405020304" pitchFamily="18" charset="0"/>
+              </a:rPr>
+              <a:t>Do </a:t>
+            </a:r>
+            <a:r>
+              <a:rPr lang="pt-BR" sz="2000" b="1" dirty="0">
+                <a:solidFill>
+                  <a:srgbClr val="FF0000"/>
+                </a:solidFill>
+                <a:latin typeface="Times New Roman" panose="02020603050405020304" pitchFamily="18" charset="0"/>
+                <a:cs typeface="Times New Roman" panose="02020603050405020304" pitchFamily="18" charset="0"/>
+              </a:rPr>
+              <a:t>ponto de vista do hardware</a:t>
+            </a:r>
+            <a:r>
+              <a:rPr lang="pt-BR" sz="2000" dirty="0">
+                <a:solidFill>
+                  <a:schemeClr val="tx1"/>
+                </a:solidFill>
+                <a:latin typeface="Times New Roman" panose="02020603050405020304" pitchFamily="18" charset="0"/>
+                <a:cs typeface="Times New Roman" panose="02020603050405020304" pitchFamily="18" charset="0"/>
+              </a:rPr>
+              <a:t>, basta alimentarmos a placa e conectarmos o </a:t>
+            </a:r>
+            <a:r>
+              <a:rPr lang="pt-BR" sz="2000" b="1" dirty="0">
+                <a:solidFill>
+                  <a:schemeClr val="tx1"/>
+                </a:solidFill>
+                <a:latin typeface="Times New Roman" panose="02020603050405020304" pitchFamily="18" charset="0"/>
+                <a:cs typeface="Times New Roman" panose="02020603050405020304" pitchFamily="18" charset="0"/>
+              </a:rPr>
+              <a:t>cabo USB ao computador</a:t>
+            </a:r>
+            <a:r>
+              <a:rPr lang="pt-BR" sz="2000" dirty="0">
+                <a:solidFill>
+                  <a:schemeClr val="tx1"/>
+                </a:solidFill>
+                <a:latin typeface="Times New Roman" panose="02020603050405020304" pitchFamily="18" charset="0"/>
+                <a:cs typeface="Times New Roman" panose="02020603050405020304" pitchFamily="18" charset="0"/>
+              </a:rPr>
+              <a:t>.</a:t>
+            </a:r>
+          </a:p>
+        </p:txBody>
+      </p:sp>
+    </p:spTree>
+    <p:extLst>
+      <p:ext uri="{BB962C8B-B14F-4D97-AF65-F5344CB8AC3E}">
+        <p14:creationId xmlns:p14="http://schemas.microsoft.com/office/powerpoint/2010/main" val="2812960531"/>
+      </p:ext>
+    </p:extLst>
+  </p:cSld>
+  <p:clrMapOvr>
+    <a:masterClrMapping/>
+  </p:clrMapOvr>
+  <p:transition spd="med"/>
+</p:sld>
+</file>
+
+<file path=ppt/slides/slide14.xml><?xml version="1.0" encoding="utf-8"?>
+<p:sld xmlns:a="http://schemas.openxmlformats.org/drawingml/2006/main" xmlns:r="http://schemas.openxmlformats.org/officeDocument/2006/relationships" xmlns:p="http://schemas.openxmlformats.org/presentationml/2006/main">
+  <p:cSld>
+    <p:spTree>
+      <p:nvGrpSpPr>
+        <p:cNvPr id="1" name=""/>
+        <p:cNvGrpSpPr/>
+        <p:nvPr/>
+      </p:nvGrpSpPr>
+      <p:grpSpPr>
+        <a:xfrm>
+          <a:off x="0" y="0"/>
+          <a:ext cx="0" cy="0"/>
+          <a:chOff x="0" y="0"/>
+          <a:chExt cx="0" cy="0"/>
+        </a:xfrm>
+      </p:grpSpPr>
+      <p:sp>
+        <p:nvSpPr>
+          <p:cNvPr id="6" name="Title 1"/>
+          <p:cNvSpPr>
+            <a:spLocks noGrp="1"/>
+          </p:cNvSpPr>
+          <p:nvPr>
+            <p:ph type="title"/>
+          </p:nvPr>
+        </p:nvSpPr>
+        <p:spPr>
+          <a:xfrm>
+            <a:off x="457200" y="205980"/>
+            <a:ext cx="8229600" cy="857251"/>
+          </a:xfrm>
+        </p:spPr>
+        <p:txBody>
+          <a:bodyPr>
+            <a:normAutofit fontScale="90000"/>
+          </a:bodyPr>
+          <a:lstStyle/>
+          <a:p>
+            <a:r>
+              <a:rPr lang="pt-BR" b="1" dirty="0">
+                <a:solidFill>
+                  <a:srgbClr val="0070C0"/>
+                </a:solidFill>
+              </a:rPr>
+              <a:t>Primeiro Programa Arduíno Uno R3</a:t>
+            </a:r>
+            <a:endParaRPr lang="en-US" b="1" dirty="0">
+              <a:solidFill>
+                <a:srgbClr val="0070C0"/>
+              </a:solidFill>
+            </a:endParaRPr>
+          </a:p>
+        </p:txBody>
+      </p:sp>
+      <p:sp>
+        <p:nvSpPr>
+          <p:cNvPr id="8" name="Text Placeholder 2"/>
+          <p:cNvSpPr>
+            <a:spLocks noGrp="1"/>
+          </p:cNvSpPr>
+          <p:nvPr>
+            <p:ph type="body" sz="half" idx="1"/>
+          </p:nvPr>
+        </p:nvSpPr>
+        <p:spPr>
+          <a:xfrm>
+            <a:off x="142865" y="1200150"/>
+            <a:ext cx="8865056" cy="3737370"/>
+          </a:xfrm>
+        </p:spPr>
+        <p:txBody>
+          <a:bodyPr>
+            <a:noAutofit/>
+          </a:bodyPr>
+          <a:lstStyle/>
+          <a:p>
+            <a:pPr marL="0" indent="0" algn="just">
+              <a:buNone/>
+            </a:pPr>
+            <a:r>
+              <a:rPr lang="pt-BR" sz="2000" dirty="0">
+                <a:solidFill>
+                  <a:schemeClr val="tx1"/>
+                </a:solidFill>
+                <a:latin typeface="Times New Roman" panose="02020603050405020304" pitchFamily="18" charset="0"/>
+                <a:cs typeface="Times New Roman" panose="02020603050405020304" pitchFamily="18" charset="0"/>
+              </a:rPr>
+              <a:t>A </a:t>
+            </a:r>
+            <a:r>
+              <a:rPr lang="pt-BR" sz="2000" b="1" dirty="0">
+                <a:solidFill>
+                  <a:schemeClr val="tx1"/>
+                </a:solidFill>
+                <a:latin typeface="Times New Roman" panose="02020603050405020304" pitchFamily="18" charset="0"/>
+                <a:cs typeface="Times New Roman" panose="02020603050405020304" pitchFamily="18" charset="0"/>
+              </a:rPr>
+              <a:t>plataforma Arduino UNO </a:t>
+            </a:r>
+            <a:r>
+              <a:rPr lang="pt-BR" sz="2000" dirty="0">
+                <a:solidFill>
+                  <a:schemeClr val="tx1"/>
+                </a:solidFill>
+                <a:latin typeface="Times New Roman" panose="02020603050405020304" pitchFamily="18" charset="0"/>
+                <a:cs typeface="Times New Roman" panose="02020603050405020304" pitchFamily="18" charset="0"/>
+              </a:rPr>
+              <a:t>possui um </a:t>
+            </a:r>
+            <a:r>
+              <a:rPr lang="pt-BR" sz="2000" b="1" dirty="0">
+                <a:solidFill>
+                  <a:srgbClr val="FF0000"/>
+                </a:solidFill>
+                <a:latin typeface="Times New Roman" panose="02020603050405020304" pitchFamily="18" charset="0"/>
+                <a:cs typeface="Times New Roman" panose="02020603050405020304" pitchFamily="18" charset="0"/>
+              </a:rPr>
+              <a:t>led </a:t>
+            </a:r>
+            <a:r>
+              <a:rPr lang="pt-BR" sz="2000" b="1" dirty="0" err="1">
+                <a:solidFill>
+                  <a:srgbClr val="FF0000"/>
+                </a:solidFill>
+                <a:latin typeface="Times New Roman" panose="02020603050405020304" pitchFamily="18" charset="0"/>
+                <a:cs typeface="Times New Roman" panose="02020603050405020304" pitchFamily="18" charset="0"/>
+              </a:rPr>
+              <a:t>onboard</a:t>
+            </a:r>
+            <a:r>
+              <a:rPr lang="pt-BR" sz="2000" b="1" dirty="0">
+                <a:solidFill>
+                  <a:srgbClr val="FF0000"/>
+                </a:solidFill>
+                <a:latin typeface="Times New Roman" panose="02020603050405020304" pitchFamily="18" charset="0"/>
+                <a:cs typeface="Times New Roman" panose="02020603050405020304" pitchFamily="18" charset="0"/>
+              </a:rPr>
+              <a:t> </a:t>
+            </a:r>
+            <a:r>
+              <a:rPr lang="pt-BR" sz="2000" dirty="0">
+                <a:solidFill>
+                  <a:schemeClr val="tx1"/>
+                </a:solidFill>
+                <a:latin typeface="Times New Roman" panose="02020603050405020304" pitchFamily="18" charset="0"/>
+                <a:cs typeface="Times New Roman" panose="02020603050405020304" pitchFamily="18" charset="0"/>
+              </a:rPr>
+              <a:t>previamente conectado ao estado lógico do </a:t>
+            </a:r>
+            <a:r>
+              <a:rPr lang="pt-BR" sz="2000" b="1" dirty="0">
+                <a:solidFill>
+                  <a:schemeClr val="tx1"/>
+                </a:solidFill>
+                <a:latin typeface="Times New Roman" panose="02020603050405020304" pitchFamily="18" charset="0"/>
+                <a:cs typeface="Times New Roman" panose="02020603050405020304" pitchFamily="18" charset="0"/>
+              </a:rPr>
+              <a:t>pino 13</a:t>
+            </a:r>
+            <a:r>
+              <a:rPr lang="pt-BR" sz="2000" dirty="0">
+                <a:solidFill>
+                  <a:schemeClr val="tx1"/>
+                </a:solidFill>
+                <a:latin typeface="Times New Roman" panose="02020603050405020304" pitchFamily="18" charset="0"/>
+                <a:cs typeface="Times New Roman" panose="02020603050405020304" pitchFamily="18" charset="0"/>
+              </a:rPr>
+              <a:t>. Assim, podemos utilizar esse led para o nosso exemplo.</a:t>
+            </a:r>
+          </a:p>
+          <a:p>
+            <a:pPr marL="0" indent="0" algn="just">
+              <a:buNone/>
+            </a:pPr>
+            <a:endParaRPr lang="pt-BR" sz="2000" dirty="0">
+              <a:solidFill>
+                <a:schemeClr val="tx1"/>
+              </a:solidFill>
+              <a:latin typeface="Times New Roman" panose="02020603050405020304" pitchFamily="18" charset="0"/>
+              <a:cs typeface="Times New Roman" panose="02020603050405020304" pitchFamily="18" charset="0"/>
+            </a:endParaRPr>
+          </a:p>
+          <a:p>
+            <a:pPr marL="0" indent="0" algn="just">
+              <a:buNone/>
+            </a:pPr>
+            <a:r>
+              <a:rPr lang="pt-BR" sz="2000" dirty="0">
+                <a:solidFill>
+                  <a:schemeClr val="tx1"/>
+                </a:solidFill>
+                <a:latin typeface="Times New Roman" panose="02020603050405020304" pitchFamily="18" charset="0"/>
+                <a:cs typeface="Times New Roman" panose="02020603050405020304" pitchFamily="18" charset="0"/>
+              </a:rPr>
+              <a:t> “</a:t>
+            </a:r>
+            <a:r>
+              <a:rPr lang="pt-BR" sz="2000" b="1" dirty="0">
+                <a:solidFill>
+                  <a:srgbClr val="FF0000"/>
+                </a:solidFill>
+                <a:latin typeface="Times New Roman" panose="02020603050405020304" pitchFamily="18" charset="0"/>
+                <a:cs typeface="Times New Roman" panose="02020603050405020304" pitchFamily="18" charset="0"/>
+              </a:rPr>
+              <a:t>Led </a:t>
+            </a:r>
+            <a:r>
+              <a:rPr lang="pt-BR" sz="2000" b="1" dirty="0" err="1">
+                <a:solidFill>
+                  <a:srgbClr val="FF0000"/>
+                </a:solidFill>
+                <a:latin typeface="Times New Roman" panose="02020603050405020304" pitchFamily="18" charset="0"/>
+                <a:cs typeface="Times New Roman" panose="02020603050405020304" pitchFamily="18" charset="0"/>
+              </a:rPr>
+              <a:t>Blink</a:t>
+            </a:r>
+            <a:r>
+              <a:rPr lang="pt-BR" sz="2000" dirty="0">
+                <a:solidFill>
+                  <a:schemeClr val="tx1"/>
+                </a:solidFill>
+                <a:latin typeface="Times New Roman" panose="02020603050405020304" pitchFamily="18" charset="0"/>
+                <a:cs typeface="Times New Roman" panose="02020603050405020304" pitchFamily="18" charset="0"/>
+              </a:rPr>
+              <a:t>”, programa para fazer um led piscar. </a:t>
+            </a:r>
+          </a:p>
+          <a:p>
+            <a:pPr marL="0" indent="0" algn="just">
+              <a:buNone/>
+            </a:pPr>
+            <a:endParaRPr lang="pt-BR" sz="2000" dirty="0">
+              <a:solidFill>
+                <a:schemeClr val="tx1"/>
+              </a:solidFill>
+              <a:latin typeface="Times New Roman" panose="02020603050405020304" pitchFamily="18" charset="0"/>
+              <a:cs typeface="Times New Roman" panose="02020603050405020304" pitchFamily="18" charset="0"/>
+            </a:endParaRPr>
+          </a:p>
+          <a:p>
+            <a:pPr marL="0" indent="0" algn="just">
+              <a:buNone/>
+            </a:pPr>
+            <a:r>
+              <a:rPr lang="pt-BR" sz="2000" dirty="0">
+                <a:solidFill>
+                  <a:schemeClr val="tx1"/>
+                </a:solidFill>
+                <a:latin typeface="Times New Roman" panose="02020603050405020304" pitchFamily="18" charset="0"/>
+                <a:cs typeface="Times New Roman" panose="02020603050405020304" pitchFamily="18" charset="0"/>
+              </a:rPr>
+              <a:t>Sempre que o Arduino for energizado o led do pino 13 ficará piscando em intervalos regulares de um segundo.</a:t>
+            </a:r>
+          </a:p>
+          <a:p>
+            <a:pPr marL="0" indent="0" algn="just">
+              <a:buNone/>
+            </a:pPr>
+            <a:endParaRPr lang="pt-BR" sz="2000" dirty="0">
+              <a:solidFill>
+                <a:schemeClr val="tx1"/>
+              </a:solidFill>
+              <a:latin typeface="Times New Roman" panose="02020603050405020304" pitchFamily="18" charset="0"/>
+              <a:cs typeface="Times New Roman" panose="02020603050405020304" pitchFamily="18" charset="0"/>
+            </a:endParaRPr>
+          </a:p>
+          <a:p>
+            <a:pPr marL="0" indent="0" algn="just">
+              <a:buNone/>
+            </a:pPr>
+            <a:r>
+              <a:rPr lang="pt-BR" sz="2000" dirty="0">
+                <a:solidFill>
+                  <a:schemeClr val="tx1"/>
+                </a:solidFill>
+                <a:latin typeface="Times New Roman" panose="02020603050405020304" pitchFamily="18" charset="0"/>
+                <a:cs typeface="Times New Roman" panose="02020603050405020304" pitchFamily="18" charset="0"/>
+              </a:rPr>
+              <a:t>Vamos ao código ... Iremos testar na </a:t>
+            </a:r>
+            <a:r>
+              <a:rPr lang="pt-BR" sz="2000" b="1" dirty="0">
+                <a:solidFill>
+                  <a:schemeClr val="tx1"/>
+                </a:solidFill>
+                <a:latin typeface="Times New Roman" panose="02020603050405020304" pitchFamily="18" charset="0"/>
+                <a:cs typeface="Times New Roman" panose="02020603050405020304" pitchFamily="18" charset="0"/>
+              </a:rPr>
+              <a:t>plataforma </a:t>
+            </a:r>
+            <a:r>
+              <a:rPr lang="pt-BR" sz="2000" b="1" dirty="0" err="1">
+                <a:solidFill>
+                  <a:schemeClr val="tx1"/>
+                </a:solidFill>
+                <a:latin typeface="Times New Roman" panose="02020603050405020304" pitchFamily="18" charset="0"/>
+                <a:cs typeface="Times New Roman" panose="02020603050405020304" pitchFamily="18" charset="0"/>
+              </a:rPr>
+              <a:t>Tinkercad</a:t>
+            </a:r>
+            <a:r>
+              <a:rPr lang="pt-BR" sz="2000" dirty="0">
+                <a:solidFill>
+                  <a:schemeClr val="tx1"/>
+                </a:solidFill>
+                <a:latin typeface="Times New Roman" panose="02020603050405020304" pitchFamily="18" charset="0"/>
+                <a:cs typeface="Times New Roman" panose="02020603050405020304" pitchFamily="18" charset="0"/>
+              </a:rPr>
+              <a:t>.</a:t>
+            </a:r>
+          </a:p>
+        </p:txBody>
+      </p:sp>
+    </p:spTree>
+    <p:extLst>
+      <p:ext uri="{BB962C8B-B14F-4D97-AF65-F5344CB8AC3E}">
+        <p14:creationId xmlns:p14="http://schemas.microsoft.com/office/powerpoint/2010/main" val="2473209376"/>
+      </p:ext>
+    </p:extLst>
+  </p:cSld>
+  <p:clrMapOvr>
+    <a:masterClrMapping/>
+  </p:clrMapOvr>
+  <p:transition spd="med"/>
+</p:sld>
+</file>
+
+<file path=ppt/slides/slide15.xml><?xml version="1.0" encoding="utf-8"?>
+<p:sld xmlns:a="http://schemas.openxmlformats.org/drawingml/2006/main" xmlns:r="http://schemas.openxmlformats.org/officeDocument/2006/relationships" xmlns:p="http://schemas.openxmlformats.org/presentationml/2006/main">
+  <p:cSld>
+    <p:spTree>
+      <p:nvGrpSpPr>
+        <p:cNvPr id="1" name=""/>
+        <p:cNvGrpSpPr/>
+        <p:nvPr/>
+      </p:nvGrpSpPr>
+      <p:grpSpPr>
+        <a:xfrm>
+          <a:off x="0" y="0"/>
+          <a:ext cx="0" cy="0"/>
+          <a:chOff x="0" y="0"/>
+          <a:chExt cx="0" cy="0"/>
+        </a:xfrm>
+      </p:grpSpPr>
+      <p:sp>
+        <p:nvSpPr>
+          <p:cNvPr id="6" name="Title 1"/>
+          <p:cNvSpPr>
+            <a:spLocks noGrp="1"/>
+          </p:cNvSpPr>
+          <p:nvPr>
+            <p:ph type="title"/>
+          </p:nvPr>
+        </p:nvSpPr>
+        <p:spPr>
+          <a:xfrm>
+            <a:off x="457200" y="205980"/>
+            <a:ext cx="8229600" cy="857251"/>
+          </a:xfrm>
+        </p:spPr>
+        <p:txBody>
+          <a:bodyPr>
+            <a:normAutofit fontScale="90000"/>
+          </a:bodyPr>
+          <a:lstStyle/>
+          <a:p>
+            <a:r>
+              <a:rPr lang="pt-BR" b="1" dirty="0">
+                <a:solidFill>
+                  <a:srgbClr val="0070C0"/>
+                </a:solidFill>
+              </a:rPr>
+              <a:t>Primeiro Programa Arduíno Uno R3</a:t>
+            </a:r>
+            <a:endParaRPr lang="en-US" b="1" dirty="0">
+              <a:solidFill>
+                <a:srgbClr val="0070C0"/>
+              </a:solidFill>
+            </a:endParaRPr>
+          </a:p>
+        </p:txBody>
+      </p:sp>
+      <p:sp>
+        <p:nvSpPr>
+          <p:cNvPr id="8" name="Text Placeholder 2"/>
+          <p:cNvSpPr>
+            <a:spLocks noGrp="1"/>
+          </p:cNvSpPr>
+          <p:nvPr>
+            <p:ph type="body" sz="half" idx="1"/>
+          </p:nvPr>
+        </p:nvSpPr>
+        <p:spPr>
+          <a:xfrm>
+            <a:off x="142865" y="1029462"/>
+            <a:ext cx="8865056" cy="3908058"/>
+          </a:xfrm>
+        </p:spPr>
+        <p:txBody>
+          <a:bodyPr>
+            <a:noAutofit/>
+          </a:bodyPr>
+          <a:lstStyle/>
+          <a:p>
+            <a:pPr marL="0" indent="0" algn="just">
+              <a:buNone/>
+            </a:pPr>
+            <a:r>
+              <a:rPr lang="pt-BR" sz="1800" b="1" dirty="0" err="1">
+                <a:solidFill>
+                  <a:schemeClr val="tx1"/>
+                </a:solidFill>
+                <a:latin typeface="Times New Roman" panose="02020603050405020304" pitchFamily="18" charset="0"/>
+                <a:cs typeface="Times New Roman" panose="02020603050405020304" pitchFamily="18" charset="0"/>
+              </a:rPr>
+              <a:t>int</a:t>
+            </a:r>
+            <a:r>
+              <a:rPr lang="pt-BR" sz="1800" dirty="0">
+                <a:solidFill>
+                  <a:schemeClr val="tx1"/>
+                </a:solidFill>
+                <a:latin typeface="Times New Roman" panose="02020603050405020304" pitchFamily="18" charset="0"/>
+                <a:cs typeface="Times New Roman" panose="02020603050405020304" pitchFamily="18" charset="0"/>
+              </a:rPr>
+              <a:t> led = 13;</a:t>
+            </a:r>
+          </a:p>
+          <a:p>
+            <a:pPr marL="0" indent="0" algn="just">
+              <a:buNone/>
+            </a:pPr>
+            <a:r>
+              <a:rPr lang="pt-BR" sz="1800" dirty="0" err="1">
+                <a:solidFill>
+                  <a:schemeClr val="tx1"/>
+                </a:solidFill>
+                <a:latin typeface="Times New Roman" panose="02020603050405020304" pitchFamily="18" charset="0"/>
+                <a:cs typeface="Times New Roman" panose="02020603050405020304" pitchFamily="18" charset="0"/>
+              </a:rPr>
+              <a:t>void</a:t>
+            </a:r>
+            <a:r>
+              <a:rPr lang="pt-BR" sz="1800" dirty="0">
+                <a:solidFill>
+                  <a:schemeClr val="tx1"/>
+                </a:solidFill>
+                <a:latin typeface="Times New Roman" panose="02020603050405020304" pitchFamily="18" charset="0"/>
+                <a:cs typeface="Times New Roman" panose="02020603050405020304" pitchFamily="18" charset="0"/>
+              </a:rPr>
+              <a:t> </a:t>
+            </a:r>
+            <a:r>
+              <a:rPr lang="pt-BR" sz="1800" b="1" dirty="0">
+                <a:solidFill>
+                  <a:schemeClr val="tx1"/>
+                </a:solidFill>
+                <a:latin typeface="Times New Roman" panose="02020603050405020304" pitchFamily="18" charset="0"/>
+                <a:cs typeface="Times New Roman" panose="02020603050405020304" pitchFamily="18" charset="0"/>
+              </a:rPr>
+              <a:t>setup</a:t>
+            </a:r>
+            <a:r>
+              <a:rPr lang="pt-BR" sz="1800" dirty="0">
+                <a:solidFill>
+                  <a:schemeClr val="tx1"/>
+                </a:solidFill>
+                <a:latin typeface="Times New Roman" panose="02020603050405020304" pitchFamily="18" charset="0"/>
+                <a:cs typeface="Times New Roman" panose="02020603050405020304" pitchFamily="18" charset="0"/>
+              </a:rPr>
+              <a:t>(){ // As configurações</a:t>
+            </a:r>
+          </a:p>
+          <a:p>
+            <a:pPr marL="0" indent="0" algn="just">
+              <a:buNone/>
+            </a:pPr>
+            <a:r>
+              <a:rPr lang="pt-BR" sz="1800" dirty="0">
+                <a:solidFill>
+                  <a:schemeClr val="tx1"/>
+                </a:solidFill>
+                <a:latin typeface="Times New Roman" panose="02020603050405020304" pitchFamily="18" charset="0"/>
+                <a:cs typeface="Times New Roman" panose="02020603050405020304" pitchFamily="18" charset="0"/>
+              </a:rPr>
+              <a:t>   </a:t>
+            </a:r>
+            <a:r>
+              <a:rPr lang="pt-BR" sz="1800" b="1" dirty="0" err="1">
+                <a:solidFill>
+                  <a:schemeClr val="tx1"/>
+                </a:solidFill>
+                <a:latin typeface="Times New Roman" panose="02020603050405020304" pitchFamily="18" charset="0"/>
+                <a:cs typeface="Times New Roman" panose="02020603050405020304" pitchFamily="18" charset="0"/>
+              </a:rPr>
+              <a:t>pinMode</a:t>
+            </a:r>
+            <a:r>
+              <a:rPr lang="pt-BR" sz="1800" dirty="0">
+                <a:solidFill>
+                  <a:schemeClr val="tx1"/>
+                </a:solidFill>
+                <a:latin typeface="Times New Roman" panose="02020603050405020304" pitchFamily="18" charset="0"/>
+                <a:cs typeface="Times New Roman" panose="02020603050405020304" pitchFamily="18" charset="0"/>
+              </a:rPr>
+              <a:t>(led, OUTPUT); // Inicializa o pino digital na saída 13</a:t>
+            </a:r>
+          </a:p>
+          <a:p>
+            <a:pPr marL="0" indent="0" algn="just">
+              <a:buNone/>
+            </a:pPr>
+            <a:r>
+              <a:rPr lang="pt-BR" sz="1800" dirty="0">
+                <a:solidFill>
+                  <a:schemeClr val="tx1"/>
+                </a:solidFill>
+                <a:latin typeface="Times New Roman" panose="02020603050405020304" pitchFamily="18" charset="0"/>
+                <a:cs typeface="Times New Roman" panose="02020603050405020304" pitchFamily="18" charset="0"/>
+              </a:rPr>
+              <a:t>}</a:t>
+            </a:r>
+          </a:p>
+          <a:p>
+            <a:pPr marL="0" indent="0" algn="just">
+              <a:buNone/>
+            </a:pPr>
+            <a:endParaRPr lang="pt-BR" sz="1800" dirty="0">
+              <a:solidFill>
+                <a:schemeClr val="tx1"/>
+              </a:solidFill>
+              <a:latin typeface="Times New Roman" panose="02020603050405020304" pitchFamily="18" charset="0"/>
+              <a:cs typeface="Times New Roman" panose="02020603050405020304" pitchFamily="18" charset="0"/>
+            </a:endParaRPr>
+          </a:p>
+          <a:p>
+            <a:pPr marL="0" indent="0" algn="just">
+              <a:buNone/>
+            </a:pPr>
+            <a:r>
+              <a:rPr lang="pt-BR" sz="1800" dirty="0" err="1">
+                <a:solidFill>
+                  <a:schemeClr val="tx1"/>
+                </a:solidFill>
+                <a:latin typeface="Times New Roman" panose="02020603050405020304" pitchFamily="18" charset="0"/>
+                <a:cs typeface="Times New Roman" panose="02020603050405020304" pitchFamily="18" charset="0"/>
+              </a:rPr>
+              <a:t>void</a:t>
+            </a:r>
+            <a:r>
+              <a:rPr lang="pt-BR" sz="1800" dirty="0">
+                <a:solidFill>
+                  <a:schemeClr val="tx1"/>
+                </a:solidFill>
+                <a:latin typeface="Times New Roman" panose="02020603050405020304" pitchFamily="18" charset="0"/>
+                <a:cs typeface="Times New Roman" panose="02020603050405020304" pitchFamily="18" charset="0"/>
+              </a:rPr>
+              <a:t> </a:t>
+            </a:r>
+            <a:r>
+              <a:rPr lang="pt-BR" sz="1800" b="1" dirty="0">
+                <a:solidFill>
+                  <a:schemeClr val="tx1"/>
+                </a:solidFill>
+                <a:latin typeface="Times New Roman" panose="02020603050405020304" pitchFamily="18" charset="0"/>
+                <a:cs typeface="Times New Roman" panose="02020603050405020304" pitchFamily="18" charset="0"/>
+              </a:rPr>
+              <a:t>loop</a:t>
+            </a:r>
+            <a:r>
+              <a:rPr lang="pt-BR" sz="1800" dirty="0">
+                <a:solidFill>
+                  <a:schemeClr val="tx1"/>
+                </a:solidFill>
+                <a:latin typeface="Times New Roman" panose="02020603050405020304" pitchFamily="18" charset="0"/>
+                <a:cs typeface="Times New Roman" panose="02020603050405020304" pitchFamily="18" charset="0"/>
+              </a:rPr>
+              <a:t>(){ // As funcionalidades</a:t>
+            </a:r>
+          </a:p>
+          <a:p>
+            <a:pPr marL="0" indent="0" algn="just">
+              <a:buNone/>
+            </a:pPr>
+            <a:r>
+              <a:rPr lang="pt-BR" sz="1800" dirty="0">
+                <a:solidFill>
+                  <a:schemeClr val="tx1"/>
+                </a:solidFill>
+                <a:latin typeface="Times New Roman" panose="02020603050405020304" pitchFamily="18" charset="0"/>
+                <a:cs typeface="Times New Roman" panose="02020603050405020304" pitchFamily="18" charset="0"/>
+              </a:rPr>
+              <a:t>   </a:t>
+            </a:r>
+            <a:r>
+              <a:rPr lang="pt-BR" sz="1800" b="1" dirty="0" err="1">
+                <a:solidFill>
+                  <a:schemeClr val="tx1"/>
+                </a:solidFill>
+                <a:latin typeface="Times New Roman" panose="02020603050405020304" pitchFamily="18" charset="0"/>
+                <a:cs typeface="Times New Roman" panose="02020603050405020304" pitchFamily="18" charset="0"/>
+              </a:rPr>
+              <a:t>digitalWrite</a:t>
+            </a:r>
+            <a:r>
+              <a:rPr lang="pt-BR" sz="1800" dirty="0">
+                <a:solidFill>
+                  <a:schemeClr val="tx1"/>
+                </a:solidFill>
+                <a:latin typeface="Times New Roman" panose="02020603050405020304" pitchFamily="18" charset="0"/>
+                <a:cs typeface="Times New Roman" panose="02020603050405020304" pitchFamily="18" charset="0"/>
+              </a:rPr>
+              <a:t>(</a:t>
+            </a:r>
+            <a:r>
+              <a:rPr lang="pt-BR" sz="1800" dirty="0" err="1">
+                <a:solidFill>
+                  <a:schemeClr val="tx1"/>
+                </a:solidFill>
+                <a:latin typeface="Times New Roman" panose="02020603050405020304" pitchFamily="18" charset="0"/>
+                <a:cs typeface="Times New Roman" panose="02020603050405020304" pitchFamily="18" charset="0"/>
+              </a:rPr>
+              <a:t>leg</a:t>
+            </a:r>
+            <a:r>
+              <a:rPr lang="pt-BR" sz="1800" dirty="0">
+                <a:solidFill>
+                  <a:schemeClr val="tx1"/>
+                </a:solidFill>
+                <a:latin typeface="Times New Roman" panose="02020603050405020304" pitchFamily="18" charset="0"/>
+                <a:cs typeface="Times New Roman" panose="02020603050405020304" pitchFamily="18" charset="0"/>
+              </a:rPr>
+              <a:t>, HIGH); // Led </a:t>
+            </a:r>
+            <a:r>
+              <a:rPr lang="pt-BR" sz="1800" dirty="0" err="1">
+                <a:solidFill>
+                  <a:schemeClr val="tx1"/>
+                </a:solidFill>
+                <a:latin typeface="Times New Roman" panose="02020603050405020304" pitchFamily="18" charset="0"/>
+                <a:cs typeface="Times New Roman" panose="02020603050405020304" pitchFamily="18" charset="0"/>
+              </a:rPr>
+              <a:t>On</a:t>
+            </a:r>
+            <a:endParaRPr lang="pt-BR" sz="1800" dirty="0">
+              <a:solidFill>
+                <a:schemeClr val="tx1"/>
+              </a:solidFill>
+              <a:latin typeface="Times New Roman" panose="02020603050405020304" pitchFamily="18" charset="0"/>
+              <a:cs typeface="Times New Roman" panose="02020603050405020304" pitchFamily="18" charset="0"/>
+            </a:endParaRPr>
+          </a:p>
+          <a:p>
+            <a:pPr marL="0" indent="0" algn="just">
+              <a:buNone/>
+            </a:pPr>
+            <a:r>
+              <a:rPr lang="pt-BR" sz="1800" dirty="0">
+                <a:solidFill>
+                  <a:schemeClr val="tx1"/>
+                </a:solidFill>
+                <a:latin typeface="Times New Roman" panose="02020603050405020304" pitchFamily="18" charset="0"/>
+                <a:cs typeface="Times New Roman" panose="02020603050405020304" pitchFamily="18" charset="0"/>
+              </a:rPr>
+              <a:t>   </a:t>
+            </a:r>
+            <a:r>
+              <a:rPr lang="pt-BR" sz="1800" b="1" dirty="0">
+                <a:solidFill>
+                  <a:schemeClr val="tx1"/>
+                </a:solidFill>
+                <a:latin typeface="Times New Roman" panose="02020603050405020304" pitchFamily="18" charset="0"/>
+                <a:cs typeface="Times New Roman" panose="02020603050405020304" pitchFamily="18" charset="0"/>
+              </a:rPr>
+              <a:t>delay</a:t>
+            </a:r>
+            <a:r>
+              <a:rPr lang="pt-BR" sz="1800" dirty="0">
+                <a:solidFill>
+                  <a:schemeClr val="tx1"/>
+                </a:solidFill>
+                <a:latin typeface="Times New Roman" panose="02020603050405020304" pitchFamily="18" charset="0"/>
+                <a:cs typeface="Times New Roman" panose="02020603050405020304" pitchFamily="18" charset="0"/>
+              </a:rPr>
+              <a:t>(1000); // Espera 1s</a:t>
+            </a:r>
+          </a:p>
+          <a:p>
+            <a:pPr marL="0" indent="0" algn="just">
+              <a:buNone/>
+            </a:pPr>
+            <a:r>
+              <a:rPr lang="pt-BR" sz="1800" dirty="0">
+                <a:solidFill>
+                  <a:schemeClr val="tx1"/>
+                </a:solidFill>
+                <a:latin typeface="Times New Roman" panose="02020603050405020304" pitchFamily="18" charset="0"/>
+                <a:cs typeface="Times New Roman" panose="02020603050405020304" pitchFamily="18" charset="0"/>
+              </a:rPr>
+              <a:t>   </a:t>
+            </a:r>
+            <a:r>
+              <a:rPr lang="pt-BR" sz="1800" b="1" dirty="0" err="1">
+                <a:solidFill>
+                  <a:schemeClr val="tx1"/>
+                </a:solidFill>
+                <a:latin typeface="Times New Roman" panose="02020603050405020304" pitchFamily="18" charset="0"/>
+                <a:cs typeface="Times New Roman" panose="02020603050405020304" pitchFamily="18" charset="0"/>
+              </a:rPr>
+              <a:t>digitalWrite</a:t>
+            </a:r>
+            <a:r>
+              <a:rPr lang="pt-BR" sz="1800" dirty="0">
+                <a:solidFill>
+                  <a:schemeClr val="tx1"/>
+                </a:solidFill>
+                <a:latin typeface="Times New Roman" panose="02020603050405020304" pitchFamily="18" charset="0"/>
+                <a:cs typeface="Times New Roman" panose="02020603050405020304" pitchFamily="18" charset="0"/>
+              </a:rPr>
+              <a:t>(</a:t>
+            </a:r>
+            <a:r>
+              <a:rPr lang="pt-BR" sz="1800" dirty="0" err="1">
+                <a:solidFill>
+                  <a:schemeClr val="tx1"/>
+                </a:solidFill>
+                <a:latin typeface="Times New Roman" panose="02020603050405020304" pitchFamily="18" charset="0"/>
+                <a:cs typeface="Times New Roman" panose="02020603050405020304" pitchFamily="18" charset="0"/>
+              </a:rPr>
+              <a:t>leg</a:t>
+            </a:r>
+            <a:r>
+              <a:rPr lang="pt-BR" sz="1800" dirty="0">
+                <a:solidFill>
+                  <a:schemeClr val="tx1"/>
+                </a:solidFill>
+                <a:latin typeface="Times New Roman" panose="02020603050405020304" pitchFamily="18" charset="0"/>
+                <a:cs typeface="Times New Roman" panose="02020603050405020304" pitchFamily="18" charset="0"/>
+              </a:rPr>
+              <a:t>, LOW); // Led Off</a:t>
+            </a:r>
+          </a:p>
+          <a:p>
+            <a:pPr marL="0" indent="0" algn="just">
+              <a:buNone/>
+            </a:pPr>
+            <a:r>
+              <a:rPr lang="pt-BR" sz="1800" dirty="0">
+                <a:solidFill>
+                  <a:schemeClr val="tx1"/>
+                </a:solidFill>
+                <a:latin typeface="Times New Roman" panose="02020603050405020304" pitchFamily="18" charset="0"/>
+                <a:cs typeface="Times New Roman" panose="02020603050405020304" pitchFamily="18" charset="0"/>
+              </a:rPr>
+              <a:t>   </a:t>
+            </a:r>
+            <a:r>
+              <a:rPr lang="pt-BR" sz="1800" b="1" dirty="0">
+                <a:solidFill>
+                  <a:schemeClr val="tx1"/>
+                </a:solidFill>
+                <a:latin typeface="Times New Roman" panose="02020603050405020304" pitchFamily="18" charset="0"/>
+                <a:cs typeface="Times New Roman" panose="02020603050405020304" pitchFamily="18" charset="0"/>
+              </a:rPr>
+              <a:t>delay</a:t>
+            </a:r>
+            <a:r>
+              <a:rPr lang="pt-BR" sz="1800" dirty="0">
+                <a:solidFill>
+                  <a:schemeClr val="tx1"/>
+                </a:solidFill>
+                <a:latin typeface="Times New Roman" panose="02020603050405020304" pitchFamily="18" charset="0"/>
+                <a:cs typeface="Times New Roman" panose="02020603050405020304" pitchFamily="18" charset="0"/>
+              </a:rPr>
+              <a:t>(1000); // Espera 1s</a:t>
+            </a:r>
+          </a:p>
+          <a:p>
+            <a:pPr marL="0" indent="0" algn="just">
+              <a:buNone/>
+            </a:pPr>
+            <a:r>
+              <a:rPr lang="pt-BR" sz="1800" dirty="0">
+                <a:solidFill>
+                  <a:schemeClr val="tx1"/>
+                </a:solidFill>
+                <a:latin typeface="Times New Roman" panose="02020603050405020304" pitchFamily="18" charset="0"/>
+                <a:cs typeface="Times New Roman" panose="02020603050405020304" pitchFamily="18" charset="0"/>
+              </a:rPr>
+              <a:t>}</a:t>
+            </a:r>
+          </a:p>
+        </p:txBody>
+      </p:sp>
+    </p:spTree>
+    <p:extLst>
+      <p:ext uri="{BB962C8B-B14F-4D97-AF65-F5344CB8AC3E}">
+        <p14:creationId xmlns:p14="http://schemas.microsoft.com/office/powerpoint/2010/main" val="3808310954"/>
+      </p:ext>
+    </p:extLst>
+  </p:cSld>
+  <p:clrMapOvr>
+    <a:masterClrMapping/>
+  </p:clrMapOvr>
+  <p:transition spd="med"/>
+</p:sld>
+</file>
+
+<file path=ppt/slides/slide16.xml><?xml version="1.0" encoding="utf-8"?>
+<p:sld xmlns:a="http://schemas.openxmlformats.org/drawingml/2006/main" xmlns:r="http://schemas.openxmlformats.org/officeDocument/2006/relationships" xmlns:p="http://schemas.openxmlformats.org/presentationml/2006/main">
+  <p:cSld>
+    <p:spTree>
+      <p:nvGrpSpPr>
+        <p:cNvPr id="1" name=""/>
+        <p:cNvGrpSpPr/>
+        <p:nvPr/>
+      </p:nvGrpSpPr>
+      <p:grpSpPr>
+        <a:xfrm>
+          <a:off x="0" y="0"/>
+          <a:ext cx="0" cy="0"/>
+          <a:chOff x="0" y="0"/>
+          <a:chExt cx="0" cy="0"/>
+        </a:xfrm>
+      </p:grpSpPr>
+      <p:sp>
+        <p:nvSpPr>
+          <p:cNvPr id="6" name="Title 1"/>
+          <p:cNvSpPr>
+            <a:spLocks noGrp="1"/>
+          </p:cNvSpPr>
+          <p:nvPr>
+            <p:ph type="title"/>
+          </p:nvPr>
+        </p:nvSpPr>
+        <p:spPr>
+          <a:xfrm>
+            <a:off x="457200" y="205980"/>
+            <a:ext cx="8229600" cy="857251"/>
+          </a:xfrm>
+        </p:spPr>
+        <p:txBody>
+          <a:bodyPr>
+            <a:normAutofit fontScale="90000"/>
+          </a:bodyPr>
+          <a:lstStyle/>
+          <a:p>
+            <a:r>
+              <a:rPr lang="pt-BR" b="1" dirty="0">
+                <a:solidFill>
+                  <a:srgbClr val="0070C0"/>
+                </a:solidFill>
+              </a:rPr>
+              <a:t>Primeiro Programa Arduíno Uno R3</a:t>
+            </a:r>
+            <a:endParaRPr lang="en-US" b="1" dirty="0">
+              <a:solidFill>
+                <a:srgbClr val="0070C0"/>
+              </a:solidFill>
+            </a:endParaRPr>
+          </a:p>
+        </p:txBody>
+      </p:sp>
+      <p:sp>
+        <p:nvSpPr>
+          <p:cNvPr id="8" name="Text Placeholder 2"/>
+          <p:cNvSpPr>
+            <a:spLocks noGrp="1"/>
+          </p:cNvSpPr>
+          <p:nvPr>
+            <p:ph type="body" sz="half" idx="1"/>
+          </p:nvPr>
+        </p:nvSpPr>
+        <p:spPr>
+          <a:xfrm>
+            <a:off x="142865" y="1029462"/>
+            <a:ext cx="8865056" cy="3908058"/>
+          </a:xfrm>
+        </p:spPr>
+        <p:txBody>
+          <a:bodyPr>
+            <a:noAutofit/>
+          </a:bodyPr>
+          <a:lstStyle/>
+          <a:p>
+            <a:pPr marL="0" indent="0" algn="just">
+              <a:buNone/>
+            </a:pPr>
+            <a:r>
+              <a:rPr lang="pt-BR" sz="2400" dirty="0">
+                <a:solidFill>
+                  <a:schemeClr val="tx1"/>
+                </a:solidFill>
+                <a:latin typeface="Times New Roman" panose="02020603050405020304" pitchFamily="18" charset="0"/>
+                <a:cs typeface="Times New Roman" panose="02020603050405020304" pitchFamily="18" charset="0"/>
+              </a:rPr>
+              <a:t>Para carregar o código na placa basta clicar no ícone de Upload. </a:t>
+            </a:r>
+          </a:p>
+          <a:p>
+            <a:pPr marL="0" indent="0" algn="just">
+              <a:buNone/>
+            </a:pPr>
+            <a:endParaRPr lang="pt-BR" sz="2400" dirty="0">
+              <a:solidFill>
+                <a:schemeClr val="tx1"/>
+              </a:solidFill>
+              <a:latin typeface="Times New Roman" panose="02020603050405020304" pitchFamily="18" charset="0"/>
+              <a:cs typeface="Times New Roman" panose="02020603050405020304" pitchFamily="18" charset="0"/>
+            </a:endParaRPr>
+          </a:p>
+          <a:p>
+            <a:pPr marL="0" indent="0" algn="just">
+              <a:buNone/>
+            </a:pPr>
+            <a:r>
+              <a:rPr lang="pt-BR" sz="2400" dirty="0">
+                <a:solidFill>
+                  <a:schemeClr val="tx1"/>
+                </a:solidFill>
+                <a:latin typeface="Times New Roman" panose="02020603050405020304" pitchFamily="18" charset="0"/>
+                <a:cs typeface="Times New Roman" panose="02020603050405020304" pitchFamily="18" charset="0"/>
+              </a:rPr>
+              <a:t>O </a:t>
+            </a:r>
+            <a:r>
+              <a:rPr lang="pt-BR" sz="2400" b="1" dirty="0">
+                <a:solidFill>
+                  <a:srgbClr val="FF0000"/>
+                </a:solidFill>
+                <a:latin typeface="Times New Roman" panose="02020603050405020304" pitchFamily="18" charset="0"/>
+                <a:cs typeface="Times New Roman" panose="02020603050405020304" pitchFamily="18" charset="0"/>
+              </a:rPr>
+              <a:t>firmware</a:t>
+            </a:r>
+            <a:r>
+              <a:rPr lang="pt-BR" sz="2400" dirty="0">
+                <a:solidFill>
+                  <a:schemeClr val="tx1"/>
+                </a:solidFill>
+                <a:latin typeface="Times New Roman" panose="02020603050405020304" pitchFamily="18" charset="0"/>
+                <a:cs typeface="Times New Roman" panose="02020603050405020304" pitchFamily="18" charset="0"/>
+              </a:rPr>
+              <a:t> será gravado no </a:t>
+            </a:r>
+            <a:r>
+              <a:rPr lang="pt-BR" sz="2400" b="1" dirty="0">
+                <a:solidFill>
+                  <a:schemeClr val="tx1"/>
+                </a:solidFill>
+                <a:latin typeface="Times New Roman" panose="02020603050405020304" pitchFamily="18" charset="0"/>
+                <a:cs typeface="Times New Roman" panose="02020603050405020304" pitchFamily="18" charset="0"/>
+              </a:rPr>
+              <a:t>microcontrolador Atmel da placa </a:t>
+            </a:r>
+            <a:r>
+              <a:rPr lang="pt-BR" sz="2400" dirty="0">
+                <a:solidFill>
+                  <a:schemeClr val="tx1"/>
+                </a:solidFill>
+                <a:latin typeface="Times New Roman" panose="02020603050405020304" pitchFamily="18" charset="0"/>
+                <a:cs typeface="Times New Roman" panose="02020603050405020304" pitchFamily="18" charset="0"/>
+              </a:rPr>
+              <a:t>e a primeira aplicação para fazer o led piscar estará pronta.</a:t>
+            </a:r>
+          </a:p>
+        </p:txBody>
+      </p:sp>
+    </p:spTree>
+    <p:extLst>
+      <p:ext uri="{BB962C8B-B14F-4D97-AF65-F5344CB8AC3E}">
+        <p14:creationId xmlns:p14="http://schemas.microsoft.com/office/powerpoint/2010/main" val="1831335570"/>
+      </p:ext>
+    </p:extLst>
+  </p:cSld>
+  <p:clrMapOvr>
+    <a:masterClrMapping/>
+  </p:clrMapOvr>
+  <p:transition spd="med"/>
+</p:sld>
+</file>
+
+<file path=ppt/slides/slide17.xml><?xml version="1.0" encoding="utf-8"?>
+<p:sld xmlns:a="http://schemas.openxmlformats.org/drawingml/2006/main" xmlns:r="http://schemas.openxmlformats.org/officeDocument/2006/relationships" xmlns:p="http://schemas.openxmlformats.org/presentationml/2006/main">
+  <p:cSld>
+    <p:spTree>
+      <p:nvGrpSpPr>
+        <p:cNvPr id="1" name=""/>
+        <p:cNvGrpSpPr/>
+        <p:nvPr/>
+      </p:nvGrpSpPr>
+      <p:grpSpPr>
+        <a:xfrm>
+          <a:off x="0" y="0"/>
+          <a:ext cx="0" cy="0"/>
+          <a:chOff x="0" y="0"/>
+          <a:chExt cx="0" cy="0"/>
+        </a:xfrm>
+      </p:grpSpPr>
+      <p:sp>
+        <p:nvSpPr>
+          <p:cNvPr id="6" name="Title 1"/>
+          <p:cNvSpPr>
+            <a:spLocks noGrp="1"/>
+          </p:cNvSpPr>
+          <p:nvPr>
+            <p:ph type="title"/>
+          </p:nvPr>
+        </p:nvSpPr>
+        <p:spPr>
+          <a:xfrm>
+            <a:off x="457200" y="205980"/>
+            <a:ext cx="8229600" cy="857251"/>
+          </a:xfrm>
+        </p:spPr>
+        <p:txBody>
+          <a:bodyPr>
+            <a:normAutofit/>
+          </a:bodyPr>
+          <a:lstStyle/>
+          <a:p>
+            <a:r>
+              <a:rPr lang="pt-BR" b="1" dirty="0">
+                <a:solidFill>
+                  <a:srgbClr val="0070C0"/>
+                </a:solidFill>
+              </a:rPr>
+              <a:t>Microcontroladores</a:t>
+            </a:r>
+            <a:endParaRPr lang="en-US" b="1" dirty="0">
+              <a:solidFill>
+                <a:srgbClr val="0070C0"/>
+              </a:solidFill>
+            </a:endParaRPr>
+          </a:p>
+        </p:txBody>
+      </p:sp>
+      <p:sp>
+        <p:nvSpPr>
+          <p:cNvPr id="8" name="Text Placeholder 2"/>
+          <p:cNvSpPr>
+            <a:spLocks noGrp="1"/>
+          </p:cNvSpPr>
+          <p:nvPr>
+            <p:ph type="body" sz="half" idx="1"/>
+          </p:nvPr>
+        </p:nvSpPr>
+        <p:spPr>
+          <a:xfrm>
+            <a:off x="142865" y="1029462"/>
+            <a:ext cx="8865056" cy="3908058"/>
+          </a:xfrm>
+        </p:spPr>
+        <p:txBody>
+          <a:bodyPr>
+            <a:noAutofit/>
+          </a:bodyPr>
+          <a:lstStyle/>
+          <a:p>
+            <a:pPr marL="0" indent="0" algn="just">
+              <a:buNone/>
+            </a:pPr>
+            <a:endParaRPr lang="pt-BR" sz="2400" dirty="0">
+              <a:solidFill>
+                <a:schemeClr val="tx1"/>
+              </a:solidFill>
+              <a:latin typeface="Times New Roman" panose="02020603050405020304" pitchFamily="18" charset="0"/>
+              <a:cs typeface="Times New Roman" panose="02020603050405020304" pitchFamily="18" charset="0"/>
+            </a:endParaRPr>
+          </a:p>
+        </p:txBody>
+      </p:sp>
+      <p:pic>
+        <p:nvPicPr>
+          <p:cNvPr id="3" name="Imagem 2">
+            <a:extLst>
+              <a:ext uri="{FF2B5EF4-FFF2-40B4-BE49-F238E27FC236}">
+                <a16:creationId xmlns:a16="http://schemas.microsoft.com/office/drawing/2014/main" id="{6685EB0E-20FB-2344-8956-3561A31602C6}"/>
+              </a:ext>
+            </a:extLst>
+          </p:cNvPr>
+          <p:cNvPicPr>
+            <a:picLocks noChangeAspect="1"/>
+          </p:cNvPicPr>
+          <p:nvPr/>
+        </p:nvPicPr>
+        <p:blipFill>
+          <a:blip r:embed="rId3"/>
+          <a:stretch>
+            <a:fillRect/>
+          </a:stretch>
+        </p:blipFill>
+        <p:spPr>
+          <a:xfrm>
+            <a:off x="537108" y="1741787"/>
+            <a:ext cx="8149692" cy="2251369"/>
+          </a:xfrm>
+          <a:prstGeom prst="rect">
+            <a:avLst/>
+          </a:prstGeom>
+        </p:spPr>
+      </p:pic>
+    </p:spTree>
+    <p:extLst>
+      <p:ext uri="{BB962C8B-B14F-4D97-AF65-F5344CB8AC3E}">
+        <p14:creationId xmlns:p14="http://schemas.microsoft.com/office/powerpoint/2010/main" val="776654255"/>
+      </p:ext>
+    </p:extLst>
+  </p:cSld>
+  <p:clrMapOvr>
+    <a:masterClrMapping/>
+  </p:clrMapOvr>
+  <p:transition spd="med"/>
+</p:sld>
+</file>
+
+<file path=ppt/slides/slide18.xml><?xml version="1.0" encoding="utf-8"?>
+<p:sld xmlns:a="http://schemas.openxmlformats.org/drawingml/2006/main" xmlns:r="http://schemas.openxmlformats.org/officeDocument/2006/relationships" xmlns:p="http://schemas.openxmlformats.org/presentationml/2006/main">
+  <p:cSld>
+    <p:spTree>
+      <p:nvGrpSpPr>
+        <p:cNvPr id="1" name=""/>
+        <p:cNvGrpSpPr/>
+        <p:nvPr/>
+      </p:nvGrpSpPr>
+      <p:grpSpPr>
+        <a:xfrm>
+          <a:off x="0" y="0"/>
+          <a:ext cx="0" cy="0"/>
+          <a:chOff x="0" y="0"/>
+          <a:chExt cx="0" cy="0"/>
+        </a:xfrm>
+      </p:grpSpPr>
+      <p:sp>
+        <p:nvSpPr>
+          <p:cNvPr id="6" name="Title 1"/>
+          <p:cNvSpPr>
+            <a:spLocks noGrp="1"/>
+          </p:cNvSpPr>
+          <p:nvPr>
+            <p:ph type="title"/>
+          </p:nvPr>
+        </p:nvSpPr>
+        <p:spPr>
+          <a:xfrm>
+            <a:off x="457200" y="205980"/>
+            <a:ext cx="8229600" cy="857251"/>
+          </a:xfrm>
+        </p:spPr>
+        <p:txBody>
+          <a:bodyPr>
+            <a:normAutofit/>
+          </a:bodyPr>
+          <a:lstStyle/>
+          <a:p>
+            <a:r>
+              <a:rPr lang="pt-BR" b="1" dirty="0">
+                <a:solidFill>
+                  <a:srgbClr val="0070C0"/>
+                </a:solidFill>
+              </a:rPr>
+              <a:t>Plataforma Arduíno </a:t>
+            </a:r>
+            <a:r>
+              <a:rPr lang="pt-BR" b="1" dirty="0" err="1">
+                <a:solidFill>
+                  <a:srgbClr val="0070C0"/>
+                </a:solidFill>
+              </a:rPr>
+              <a:t>Tinkercad</a:t>
+            </a:r>
+            <a:endParaRPr lang="en-US" b="1" dirty="0">
+              <a:solidFill>
+                <a:srgbClr val="0070C0"/>
+              </a:solidFill>
+            </a:endParaRPr>
+          </a:p>
+        </p:txBody>
+      </p:sp>
+      <p:sp>
+        <p:nvSpPr>
+          <p:cNvPr id="8" name="Text Placeholder 2"/>
+          <p:cNvSpPr>
+            <a:spLocks noGrp="1"/>
+          </p:cNvSpPr>
+          <p:nvPr>
+            <p:ph type="body" sz="half" idx="1"/>
+          </p:nvPr>
+        </p:nvSpPr>
+        <p:spPr>
+          <a:xfrm>
+            <a:off x="142865" y="1200150"/>
+            <a:ext cx="8865056" cy="3737370"/>
+          </a:xfrm>
+        </p:spPr>
+        <p:txBody>
+          <a:bodyPr>
+            <a:noAutofit/>
+          </a:bodyPr>
+          <a:lstStyle/>
+          <a:p>
+            <a:pPr marL="0" indent="0" algn="just">
+              <a:buNone/>
+            </a:pPr>
+            <a:r>
+              <a:rPr lang="pt-BR" sz="2000" dirty="0">
+                <a:solidFill>
+                  <a:schemeClr val="tx1"/>
+                </a:solidFill>
+                <a:latin typeface="Times New Roman" panose="02020603050405020304" pitchFamily="18" charset="0"/>
+                <a:cs typeface="Times New Roman" panose="02020603050405020304" pitchFamily="18" charset="0"/>
+              </a:rPr>
+              <a:t>É um </a:t>
+            </a:r>
+            <a:r>
+              <a:rPr lang="pt-BR" sz="2000" b="1" dirty="0">
+                <a:solidFill>
+                  <a:schemeClr val="tx1"/>
+                </a:solidFill>
+                <a:latin typeface="Times New Roman" panose="02020603050405020304" pitchFamily="18" charset="0"/>
+                <a:cs typeface="Times New Roman" panose="02020603050405020304" pitchFamily="18" charset="0"/>
+              </a:rPr>
+              <a:t>programa de modelagem 3D e para elaborar projetos de circuitos eletrônicos </a:t>
+            </a:r>
+            <a:r>
+              <a:rPr lang="pt-BR" sz="2000" dirty="0">
+                <a:solidFill>
+                  <a:schemeClr val="tx1"/>
+                </a:solidFill>
+                <a:latin typeface="Times New Roman" panose="02020603050405020304" pitchFamily="18" charset="0"/>
+                <a:cs typeface="Times New Roman" panose="02020603050405020304" pitchFamily="18" charset="0"/>
+              </a:rPr>
+              <a:t>acessível para qualquer pessoa. </a:t>
+            </a:r>
+            <a:r>
+              <a:rPr lang="pt-BR" sz="2000" b="1" dirty="0" err="1">
+                <a:solidFill>
+                  <a:schemeClr val="tx1"/>
+                </a:solidFill>
+                <a:latin typeface="Times New Roman" panose="02020603050405020304" pitchFamily="18" charset="0"/>
+                <a:cs typeface="Times New Roman" panose="02020603050405020304" pitchFamily="18" charset="0"/>
+              </a:rPr>
+              <a:t>Opensource</a:t>
+            </a:r>
+            <a:r>
+              <a:rPr lang="pt-BR" sz="2000" dirty="0">
+                <a:solidFill>
+                  <a:schemeClr val="tx1"/>
+                </a:solidFill>
+                <a:latin typeface="Times New Roman" panose="02020603050405020304" pitchFamily="18" charset="0"/>
+                <a:cs typeface="Times New Roman" panose="02020603050405020304" pitchFamily="18" charset="0"/>
+              </a:rPr>
+              <a:t> e que roda diretamente em seu navegador de internet, ou seja, nada de instalações no computador.</a:t>
+            </a:r>
+          </a:p>
+          <a:p>
+            <a:pPr marL="0" indent="0" algn="just">
+              <a:buNone/>
+            </a:pPr>
+            <a:endParaRPr lang="pt-BR" sz="2000" dirty="0">
+              <a:solidFill>
+                <a:schemeClr val="tx1"/>
+              </a:solidFill>
+              <a:latin typeface="Times New Roman" panose="02020603050405020304" pitchFamily="18" charset="0"/>
+              <a:cs typeface="Times New Roman" panose="02020603050405020304" pitchFamily="18" charset="0"/>
+            </a:endParaRPr>
+          </a:p>
+          <a:p>
+            <a:pPr marL="0" indent="0" algn="just">
+              <a:buNone/>
+            </a:pPr>
+            <a:r>
+              <a:rPr lang="pt-BR" sz="2000" b="1" dirty="0">
+                <a:solidFill>
+                  <a:schemeClr val="tx1"/>
+                </a:solidFill>
+                <a:latin typeface="Times New Roman" panose="02020603050405020304" pitchFamily="18" charset="0"/>
+                <a:cs typeface="Times New Roman" panose="02020603050405020304" pitchFamily="18" charset="0"/>
+              </a:rPr>
+              <a:t>Fabricante</a:t>
+            </a:r>
+            <a:r>
+              <a:rPr lang="pt-BR" sz="2000" dirty="0">
+                <a:solidFill>
+                  <a:schemeClr val="tx1"/>
+                </a:solidFill>
+                <a:latin typeface="Times New Roman" panose="02020603050405020304" pitchFamily="18" charset="0"/>
+                <a:cs typeface="Times New Roman" panose="02020603050405020304" pitchFamily="18" charset="0"/>
+              </a:rPr>
+              <a:t>: Autodesk. </a:t>
+            </a:r>
+            <a:r>
+              <a:rPr lang="pt-BR" sz="2000" dirty="0">
+                <a:solidFill>
+                  <a:schemeClr val="tx1"/>
+                </a:solidFill>
+                <a:latin typeface="Times New Roman" panose="02020603050405020304" pitchFamily="18" charset="0"/>
+                <a:cs typeface="Times New Roman" panose="02020603050405020304" pitchFamily="18" charset="0"/>
+                <a:hlinkClick r:id="rId3"/>
+              </a:rPr>
+              <a:t>www.tinkercard.com</a:t>
+            </a:r>
+            <a:endParaRPr lang="pt-BR" sz="2000" dirty="0">
+              <a:solidFill>
+                <a:schemeClr val="tx1"/>
+              </a:solidFill>
+              <a:latin typeface="Times New Roman" panose="02020603050405020304" pitchFamily="18" charset="0"/>
+              <a:cs typeface="Times New Roman" panose="02020603050405020304" pitchFamily="18" charset="0"/>
+            </a:endParaRPr>
+          </a:p>
+          <a:p>
+            <a:pPr marL="0" indent="0" algn="just">
+              <a:buNone/>
+            </a:pPr>
+            <a:endParaRPr lang="pt-BR" sz="2000" dirty="0">
+              <a:solidFill>
+                <a:schemeClr val="tx1"/>
+              </a:solidFill>
+              <a:latin typeface="Times New Roman" panose="02020603050405020304" pitchFamily="18" charset="0"/>
+              <a:cs typeface="Times New Roman" panose="02020603050405020304" pitchFamily="18" charset="0"/>
+            </a:endParaRPr>
+          </a:p>
+          <a:p>
+            <a:pPr marL="0" indent="0" algn="just">
+              <a:buNone/>
+            </a:pPr>
+            <a:r>
+              <a:rPr lang="pt-BR" sz="2000" dirty="0">
+                <a:solidFill>
+                  <a:schemeClr val="tx1"/>
+                </a:solidFill>
+                <a:latin typeface="Times New Roman" panose="02020603050405020304" pitchFamily="18" charset="0"/>
+                <a:cs typeface="Times New Roman" panose="02020603050405020304" pitchFamily="18" charset="0"/>
+              </a:rPr>
+              <a:t>Fundada em 2010, criada pelos engenheiros do Google Kai </a:t>
+            </a:r>
+            <a:r>
+              <a:rPr lang="pt-BR" sz="2000" dirty="0" err="1">
+                <a:solidFill>
+                  <a:schemeClr val="tx1"/>
+                </a:solidFill>
+                <a:latin typeface="Times New Roman" panose="02020603050405020304" pitchFamily="18" charset="0"/>
+                <a:cs typeface="Times New Roman" panose="02020603050405020304" pitchFamily="18" charset="0"/>
+              </a:rPr>
+              <a:t>Backman</a:t>
+            </a:r>
+            <a:r>
+              <a:rPr lang="pt-BR" sz="2000" dirty="0">
+                <a:solidFill>
+                  <a:schemeClr val="tx1"/>
+                </a:solidFill>
+                <a:latin typeface="Times New Roman" panose="02020603050405020304" pitchFamily="18" charset="0"/>
+                <a:cs typeface="Times New Roman" panose="02020603050405020304" pitchFamily="18" charset="0"/>
+              </a:rPr>
+              <a:t> e </a:t>
+            </a:r>
+            <a:r>
+              <a:rPr lang="pt-BR" sz="2000" dirty="0" err="1">
+                <a:solidFill>
+                  <a:schemeClr val="tx1"/>
+                </a:solidFill>
+                <a:latin typeface="Times New Roman" panose="02020603050405020304" pitchFamily="18" charset="0"/>
+                <a:cs typeface="Times New Roman" panose="02020603050405020304" pitchFamily="18" charset="0"/>
+              </a:rPr>
+              <a:t>Mikko</a:t>
+            </a:r>
+            <a:r>
+              <a:rPr lang="pt-BR" sz="2000" dirty="0">
+                <a:solidFill>
+                  <a:schemeClr val="tx1"/>
+                </a:solidFill>
+                <a:latin typeface="Times New Roman" panose="02020603050405020304" pitchFamily="18" charset="0"/>
+                <a:cs typeface="Times New Roman" panose="02020603050405020304" pitchFamily="18" charset="0"/>
+              </a:rPr>
+              <a:t> </a:t>
+            </a:r>
+            <a:r>
+              <a:rPr lang="pt-BR" sz="2000" dirty="0" err="1">
+                <a:solidFill>
+                  <a:schemeClr val="tx1"/>
+                </a:solidFill>
+                <a:latin typeface="Times New Roman" panose="02020603050405020304" pitchFamily="18" charset="0"/>
+                <a:cs typeface="Times New Roman" panose="02020603050405020304" pitchFamily="18" charset="0"/>
+              </a:rPr>
+              <a:t>Mononen</a:t>
+            </a:r>
+            <a:r>
+              <a:rPr lang="pt-BR" sz="2000" dirty="0">
+                <a:solidFill>
+                  <a:schemeClr val="tx1"/>
+                </a:solidFill>
+                <a:latin typeface="Times New Roman" panose="02020603050405020304" pitchFamily="18" charset="0"/>
+                <a:cs typeface="Times New Roman" panose="02020603050405020304" pitchFamily="18" charset="0"/>
+              </a:rPr>
+              <a:t>, teve seu lançamento em 2011, e em 2013 comprada pela </a:t>
+            </a:r>
+            <a:r>
+              <a:rPr lang="pt-BR" sz="2000" b="1" dirty="0">
+                <a:solidFill>
+                  <a:schemeClr val="tx1"/>
+                </a:solidFill>
+                <a:latin typeface="Times New Roman" panose="02020603050405020304" pitchFamily="18" charset="0"/>
+                <a:cs typeface="Times New Roman" panose="02020603050405020304" pitchFamily="18" charset="0"/>
+              </a:rPr>
+              <a:t>Autodesk</a:t>
+            </a:r>
+            <a:r>
+              <a:rPr lang="pt-BR" sz="2000" dirty="0">
+                <a:solidFill>
+                  <a:schemeClr val="tx1"/>
+                </a:solidFill>
+                <a:latin typeface="Times New Roman" panose="02020603050405020304" pitchFamily="18" charset="0"/>
+                <a:cs typeface="Times New Roman" panose="02020603050405020304" pitchFamily="18" charset="0"/>
+              </a:rPr>
+              <a:t>. </a:t>
+            </a:r>
+          </a:p>
+        </p:txBody>
+      </p:sp>
+    </p:spTree>
+    <p:extLst>
+      <p:ext uri="{BB962C8B-B14F-4D97-AF65-F5344CB8AC3E}">
+        <p14:creationId xmlns:p14="http://schemas.microsoft.com/office/powerpoint/2010/main" val="937806996"/>
+      </p:ext>
+    </p:extLst>
+  </p:cSld>
+  <p:clrMapOvr>
+    <a:masterClrMapping/>
+  </p:clrMapOvr>
+  <p:transition spd="med"/>
+</p:sld>
+</file>
+
+<file path=ppt/slides/slide19.xml><?xml version="1.0" encoding="utf-8"?>
+<p:sld xmlns:a="http://schemas.openxmlformats.org/drawingml/2006/main" xmlns:r="http://schemas.openxmlformats.org/officeDocument/2006/relationships" xmlns:p="http://schemas.openxmlformats.org/presentationml/2006/main">
+  <p:cSld>
+    <p:spTree>
+      <p:nvGrpSpPr>
+        <p:cNvPr id="1" name=""/>
+        <p:cNvGrpSpPr/>
+        <p:nvPr/>
+      </p:nvGrpSpPr>
+      <p:grpSpPr>
+        <a:xfrm>
+          <a:off x="0" y="0"/>
+          <a:ext cx="0" cy="0"/>
+          <a:chOff x="0" y="0"/>
+          <a:chExt cx="0" cy="0"/>
+        </a:xfrm>
+      </p:grpSpPr>
+      <p:sp>
+        <p:nvSpPr>
+          <p:cNvPr id="6" name="Title 1"/>
+          <p:cNvSpPr>
+            <a:spLocks noGrp="1"/>
+          </p:cNvSpPr>
+          <p:nvPr>
+            <p:ph type="title"/>
+          </p:nvPr>
+        </p:nvSpPr>
+        <p:spPr>
+          <a:xfrm>
+            <a:off x="457200" y="205980"/>
+            <a:ext cx="8229600" cy="857251"/>
+          </a:xfrm>
+        </p:spPr>
+        <p:txBody>
+          <a:bodyPr>
+            <a:normAutofit/>
+          </a:bodyPr>
+          <a:lstStyle/>
+          <a:p>
+            <a:r>
+              <a:rPr lang="pt-BR" b="1" dirty="0">
+                <a:solidFill>
+                  <a:srgbClr val="0070C0"/>
+                </a:solidFill>
+              </a:rPr>
+              <a:t>Plataforma Arduíno </a:t>
+            </a:r>
+            <a:r>
+              <a:rPr lang="pt-BR" b="1" dirty="0" err="1">
+                <a:solidFill>
+                  <a:srgbClr val="0070C0"/>
+                </a:solidFill>
+              </a:rPr>
+              <a:t>Tinkercad</a:t>
+            </a:r>
+            <a:endParaRPr lang="en-US" b="1" dirty="0">
+              <a:solidFill>
+                <a:srgbClr val="0070C0"/>
+              </a:solidFill>
+            </a:endParaRPr>
+          </a:p>
+        </p:txBody>
+      </p:sp>
+      <p:sp>
+        <p:nvSpPr>
+          <p:cNvPr id="8" name="Text Placeholder 2"/>
+          <p:cNvSpPr>
+            <a:spLocks noGrp="1"/>
+          </p:cNvSpPr>
+          <p:nvPr>
+            <p:ph type="body" sz="half" idx="1"/>
+          </p:nvPr>
+        </p:nvSpPr>
+        <p:spPr>
+          <a:xfrm>
+            <a:off x="142865" y="1200150"/>
+            <a:ext cx="8865056" cy="3737370"/>
+          </a:xfrm>
+        </p:spPr>
+        <p:txBody>
+          <a:bodyPr>
+            <a:noAutofit/>
+          </a:bodyPr>
+          <a:lstStyle/>
+          <a:p>
+            <a:pPr marL="0" indent="0" algn="just">
+              <a:buNone/>
+            </a:pPr>
+            <a:r>
+              <a:rPr lang="pt-BR" sz="2000" dirty="0">
+                <a:solidFill>
+                  <a:schemeClr val="tx1"/>
+                </a:solidFill>
+                <a:latin typeface="Times New Roman" panose="02020603050405020304" pitchFamily="18" charset="0"/>
+                <a:cs typeface="Times New Roman" panose="02020603050405020304" pitchFamily="18" charset="0"/>
+              </a:rPr>
+              <a:t>Criar conta no site do </a:t>
+            </a:r>
+            <a:r>
+              <a:rPr lang="pt-BR" sz="2000" dirty="0" err="1">
+                <a:solidFill>
+                  <a:schemeClr val="tx1"/>
+                </a:solidFill>
+                <a:latin typeface="Times New Roman" panose="02020603050405020304" pitchFamily="18" charset="0"/>
+                <a:cs typeface="Times New Roman" panose="02020603050405020304" pitchFamily="18" charset="0"/>
+              </a:rPr>
+              <a:t>tinkercad</a:t>
+            </a:r>
+            <a:r>
+              <a:rPr lang="pt-BR" sz="2000" dirty="0">
+                <a:solidFill>
+                  <a:schemeClr val="tx1"/>
+                </a:solidFill>
+                <a:latin typeface="Times New Roman" panose="02020603050405020304" pitchFamily="18" charset="0"/>
+                <a:cs typeface="Times New Roman" panose="02020603050405020304" pitchFamily="18" charset="0"/>
+              </a:rPr>
+              <a:t> na opção </a:t>
+            </a:r>
+            <a:r>
+              <a:rPr lang="pt-BR" sz="2000" dirty="0" err="1">
+                <a:solidFill>
+                  <a:schemeClr val="tx1"/>
+                </a:solidFill>
+                <a:latin typeface="Times New Roman" panose="02020603050405020304" pitchFamily="18" charset="0"/>
+                <a:cs typeface="Times New Roman" panose="02020603050405020304" pitchFamily="18" charset="0"/>
+              </a:rPr>
+              <a:t>circuits</a:t>
+            </a:r>
+            <a:r>
+              <a:rPr lang="pt-BR" sz="2000" dirty="0">
+                <a:solidFill>
+                  <a:schemeClr val="tx1"/>
+                </a:solidFill>
+                <a:latin typeface="Times New Roman" panose="02020603050405020304" pitchFamily="18" charset="0"/>
+                <a:cs typeface="Times New Roman" panose="02020603050405020304" pitchFamily="18" charset="0"/>
+              </a:rPr>
+              <a:t>, criar um novo projeto </a:t>
+            </a:r>
+            <a:r>
+              <a:rPr lang="pt-BR" sz="2000" dirty="0" err="1">
+                <a:solidFill>
+                  <a:schemeClr val="tx1"/>
+                </a:solidFill>
+                <a:latin typeface="Times New Roman" panose="02020603050405020304" pitchFamily="18" charset="0"/>
+                <a:cs typeface="Times New Roman" panose="02020603050405020304" pitchFamily="18" charset="0"/>
+              </a:rPr>
+              <a:t>circuits</a:t>
+            </a:r>
+            <a:r>
+              <a:rPr lang="pt-BR" sz="2000" dirty="0">
+                <a:solidFill>
+                  <a:schemeClr val="tx1"/>
+                </a:solidFill>
+                <a:latin typeface="Times New Roman" panose="02020603050405020304" pitchFamily="18" charset="0"/>
+                <a:cs typeface="Times New Roman" panose="02020603050405020304" pitchFamily="18" charset="0"/>
+              </a:rPr>
+              <a:t>. </a:t>
+            </a:r>
+          </a:p>
+          <a:p>
+            <a:pPr marL="0" indent="0" algn="just">
+              <a:buNone/>
+            </a:pPr>
+            <a:endParaRPr lang="pt-BR" sz="2000" dirty="0">
+              <a:solidFill>
+                <a:schemeClr val="tx1"/>
+              </a:solidFill>
+              <a:latin typeface="Times New Roman" panose="02020603050405020304" pitchFamily="18" charset="0"/>
+              <a:cs typeface="Times New Roman" panose="02020603050405020304" pitchFamily="18" charset="0"/>
+            </a:endParaRPr>
+          </a:p>
+          <a:p>
+            <a:pPr marL="0" indent="0" algn="just">
+              <a:buNone/>
+            </a:pPr>
+            <a:r>
+              <a:rPr lang="pt-BR" sz="2000" dirty="0">
+                <a:solidFill>
+                  <a:schemeClr val="tx1"/>
+                </a:solidFill>
+                <a:latin typeface="Times New Roman" panose="02020603050405020304" pitchFamily="18" charset="0"/>
+                <a:cs typeface="Times New Roman" panose="02020603050405020304" pitchFamily="18" charset="0"/>
+              </a:rPr>
+              <a:t>Você será redirecionado para a área de desenvolvimento de circuitos.</a:t>
+            </a:r>
+          </a:p>
+          <a:p>
+            <a:pPr marL="0" indent="0" algn="just">
+              <a:buNone/>
+            </a:pPr>
+            <a:endParaRPr lang="pt-BR" sz="2000" dirty="0">
+              <a:solidFill>
+                <a:schemeClr val="tx1"/>
+              </a:solidFill>
+              <a:latin typeface="Times New Roman" panose="02020603050405020304" pitchFamily="18" charset="0"/>
+              <a:cs typeface="Times New Roman" panose="02020603050405020304" pitchFamily="18" charset="0"/>
+            </a:endParaRPr>
+          </a:p>
+          <a:p>
+            <a:pPr marL="0" indent="0" algn="just">
+              <a:buNone/>
+            </a:pPr>
+            <a:endParaRPr lang="pt-BR" sz="2000" dirty="0">
+              <a:solidFill>
+                <a:schemeClr val="tx1"/>
+              </a:solidFill>
+              <a:latin typeface="Times New Roman" panose="02020603050405020304" pitchFamily="18" charset="0"/>
+              <a:cs typeface="Times New Roman" panose="02020603050405020304" pitchFamily="18" charset="0"/>
+            </a:endParaRPr>
+          </a:p>
+          <a:p>
+            <a:pPr marL="0" indent="0" algn="just">
+              <a:buNone/>
+            </a:pPr>
+            <a:endParaRPr lang="pt-BR" sz="2000" dirty="0">
+              <a:solidFill>
+                <a:schemeClr val="tx1"/>
+              </a:solidFill>
+              <a:latin typeface="Times New Roman" panose="02020603050405020304" pitchFamily="18" charset="0"/>
+              <a:cs typeface="Times New Roman" panose="02020603050405020304" pitchFamily="18" charset="0"/>
+            </a:endParaRPr>
+          </a:p>
+          <a:p>
+            <a:pPr marL="0" indent="0" algn="just">
+              <a:buNone/>
+            </a:pPr>
+            <a:endParaRPr lang="pt-BR" sz="2000" dirty="0">
+              <a:solidFill>
+                <a:schemeClr val="tx1"/>
+              </a:solidFill>
+              <a:latin typeface="Times New Roman" panose="02020603050405020304" pitchFamily="18" charset="0"/>
+              <a:cs typeface="Times New Roman" panose="02020603050405020304" pitchFamily="18" charset="0"/>
+            </a:endParaRPr>
+          </a:p>
+        </p:txBody>
+      </p:sp>
+    </p:spTree>
+    <p:extLst>
+      <p:ext uri="{BB962C8B-B14F-4D97-AF65-F5344CB8AC3E}">
+        <p14:creationId xmlns:p14="http://schemas.microsoft.com/office/powerpoint/2010/main" val="2532060538"/>
+      </p:ext>
+    </p:extLst>
+  </p:cSld>
+  <p:clrMapOvr>
+    <a:masterClrMapping/>
+  </p:clrMapOvr>
+  <p:transition spd="med"/>
+</p:sld>
+</file>
+
 <file path=ppt/slides/slide2.xml><?xml version="1.0" encoding="utf-8"?>
 <p:sld xmlns:a="http://schemas.openxmlformats.org/drawingml/2006/main" xmlns:r="http://schemas.openxmlformats.org/officeDocument/2006/relationships" xmlns:p="http://schemas.openxmlformats.org/presentationml/2006/main">
   <p:cSld>
@@ -4398,7 +8344,7 @@
 </p:sld>
 </file>
 
-<file path=ppt/slides/slide3.xml><?xml version="1.0" encoding="utf-8"?>
+<file path=ppt/slides/slide20.xml><?xml version="1.0" encoding="utf-8"?>
 <p:sld xmlns:a="http://schemas.openxmlformats.org/drawingml/2006/main" xmlns:r="http://schemas.openxmlformats.org/officeDocument/2006/relationships" xmlns:p="http://schemas.openxmlformats.org/presentationml/2006/main">
   <p:cSld>
     <p:spTree>
@@ -4443,7 +8389,15 @@
                   <a:srgbClr val="0070C0"/>
                 </a:solidFill>
               </a:rPr>
-              <a:t>Aplicação na Plataforma Arduíno</a:t>
+              <a:t>Plataforma Arduíno </a:t>
+            </a:r>
+            <a:r>
+              <a:rPr lang="pt-BR" b="1" dirty="0" err="1">
+                <a:solidFill>
+                  <a:srgbClr val="0070C0"/>
+                </a:solidFill>
+              </a:rPr>
+              <a:t>Tinkercad</a:t>
             </a:r>
             <a:endParaRPr lang="en-US" b="1" dirty="0">
               <a:solidFill>
@@ -4465,8 +8419,8 @@
         </p:nvSpPr>
         <p:spPr>
           <a:xfrm>
-            <a:off x="142865" y="1200150"/>
-            <a:ext cx="8865056" cy="3737370"/>
+            <a:off x="142865" y="980694"/>
+            <a:ext cx="8865056" cy="4005834"/>
           </a:xfrm>
         </p:spPr>
         <p:txBody>
@@ -4478,10 +8432,6 @@
             <a:pPr marL="0" indent="0" algn="just">
               <a:buNone/>
             </a:pPr>
-            <a:r>
-              <a:rPr lang="pt-BR" sz="1400" dirty="0"/>
-              <a:t>ETAPAS</a:t>
-            </a:r>
             <a:endParaRPr lang="pt-BR" sz="2000" dirty="0">
               <a:solidFill>
                 <a:schemeClr val="tx1"/>
@@ -4492,10 +8442,40 @@
           </a:p>
         </p:txBody>
       </p:sp>
+      <p:pic>
+        <p:nvPicPr>
+          <p:cNvPr id="3" name="Imagem 2">
+            <a:extLst>
+              <a:ext uri="{FF2B5EF4-FFF2-40B4-BE49-F238E27FC236}">
+                <a16:creationId xmlns:a16="http://schemas.microsoft.com/office/drawing/2014/main" id="{0CFFAC65-3B47-B23C-E534-25F0F929A7B3}"/>
+              </a:ext>
+            </a:extLst>
+          </p:cNvPr>
+          <p:cNvPicPr>
+            <a:picLocks noChangeAspect="1"/>
+          </p:cNvPicPr>
+          <p:nvPr/>
+        </p:nvPicPr>
+        <p:blipFill>
+          <a:blip r:embed="rId3"/>
+          <a:stretch>
+            <a:fillRect/>
+          </a:stretch>
+        </p:blipFill>
+        <p:spPr>
+          <a:xfrm>
+            <a:off x="184847" y="1102875"/>
+            <a:ext cx="6819900" cy="3810000"/>
+          </a:xfrm>
+          <a:prstGeom prst="rect">
+            <a:avLst/>
+          </a:prstGeom>
+        </p:spPr>
+      </p:pic>
     </p:spTree>
     <p:extLst>
       <p:ext uri="{BB962C8B-B14F-4D97-AF65-F5344CB8AC3E}">
-        <p14:creationId xmlns:p14="http://schemas.microsoft.com/office/powerpoint/2010/main" val="1362980025"/>
+        <p14:creationId xmlns:p14="http://schemas.microsoft.com/office/powerpoint/2010/main" val="502807998"/>
       </p:ext>
     </p:extLst>
   </p:cSld>
@@ -4506,7 +8486,7 @@
 </p:sld>
 </file>
 
-<file path=ppt/slides/slide4.xml><?xml version="1.0" encoding="utf-8"?>
+<file path=ppt/slides/slide21.xml><?xml version="1.0" encoding="utf-8"?>
 <p:sld xmlns:a="http://schemas.openxmlformats.org/drawingml/2006/main" xmlns:r="http://schemas.openxmlformats.org/officeDocument/2006/relationships" xmlns:p="http://schemas.openxmlformats.org/presentationml/2006/main">
   <p:cSld>
     <p:spTree>
@@ -4546,20 +8526,28 @@
           <a:lstStyle/>
           <a:p>
             <a:r>
-              <a:rPr lang="pt-BR" b="1" dirty="0">
+              <a:rPr lang="en-US" b="1" dirty="0" err="1">
                 <a:solidFill>
                   <a:srgbClr val="0070C0"/>
                 </a:solidFill>
               </a:rPr>
-              <a:t>Plataforma Arduíno </a:t>
-            </a:r>
-            <a:r>
-              <a:rPr lang="pt-BR" b="1" dirty="0" err="1">
+              <a:t>Leitura</a:t>
+            </a:r>
+            <a:r>
+              <a:rPr lang="en-US" b="1" dirty="0">
                 <a:solidFill>
                   <a:srgbClr val="0070C0"/>
                 </a:solidFill>
               </a:rPr>
-              <a:t>Tinkercad</a:t>
+              <a:t> </a:t>
+            </a:r>
+            <a:r>
+              <a:rPr lang="en-US" b="1" dirty="0" err="1">
+                <a:solidFill>
+                  <a:srgbClr val="0070C0"/>
+                </a:solidFill>
+              </a:rPr>
+              <a:t>Específica</a:t>
             </a:r>
             <a:endParaRPr lang="en-US" b="1" dirty="0">
               <a:solidFill>
@@ -4581,8 +8569,8 @@
         </p:nvSpPr>
         <p:spPr>
           <a:xfrm>
-            <a:off x="142865" y="1200150"/>
-            <a:ext cx="8865056" cy="3737370"/>
+            <a:off x="142865" y="1200151"/>
+            <a:ext cx="8865056" cy="3394472"/>
           </a:xfrm>
         </p:spPr>
         <p:txBody>
@@ -4595,15 +8583,104 @@
               <a:buNone/>
             </a:pPr>
             <a:r>
-              <a:rPr lang="pt-BR" sz="1400" dirty="0"/>
-              <a:t>ETAPAS</a:t>
-            </a:r>
-            <a:endParaRPr lang="pt-BR" sz="2000" dirty="0">
-              <a:solidFill>
-                <a:schemeClr val="tx1"/>
-              </a:solidFill>
+              <a:rPr lang="pt-BR" sz="2400" dirty="0">
+                <a:latin typeface="Times New Roman" panose="02020603050405020304" pitchFamily="18" charset="0"/>
+                <a:cs typeface="Times New Roman" panose="02020603050405020304" pitchFamily="18" charset="0"/>
+              </a:rPr>
+              <a:t>[1] Plataformas Arduíno. </a:t>
+            </a:r>
+          </a:p>
+          <a:p>
+            <a:pPr marL="0" indent="0" algn="just">
+              <a:buNone/>
+            </a:pPr>
+            <a:r>
+              <a:rPr lang="pt-BR" sz="2400" b="1" dirty="0">
+                <a:solidFill>
+                  <a:srgbClr val="FF0000"/>
+                </a:solidFill>
+                <a:latin typeface="Times New Roman" panose="02020603050405020304" pitchFamily="18" charset="0"/>
+                <a:cs typeface="Times New Roman" panose="02020603050405020304" pitchFamily="18" charset="0"/>
+              </a:rPr>
+              <a:t>Disponível em: </a:t>
+            </a:r>
+            <a:r>
+              <a:rPr lang="pt-BR" sz="2400" dirty="0">
+                <a:latin typeface="Times New Roman" panose="02020603050405020304" pitchFamily="18" charset="0"/>
+                <a:cs typeface="Times New Roman" panose="02020603050405020304" pitchFamily="18" charset="0"/>
+                <a:hlinkClick r:id="rId3"/>
+              </a:rPr>
+              <a:t>https://revistas.rcaap.pt/uiips/article/view/14354</a:t>
+            </a:r>
+            <a:endParaRPr lang="pt-BR" sz="2400" dirty="0">
               <a:latin typeface="Times New Roman" panose="02020603050405020304" pitchFamily="18" charset="0"/>
               <a:cs typeface="Times New Roman" panose="02020603050405020304" pitchFamily="18" charset="0"/>
+            </a:endParaRPr>
+          </a:p>
+          <a:p>
+            <a:pPr marL="0" indent="0" algn="just">
+              <a:buNone/>
+            </a:pPr>
+            <a:endParaRPr lang="pt-BR" sz="2400" dirty="0">
+              <a:latin typeface="Times New Roman" panose="02020603050405020304" pitchFamily="18" charset="0"/>
+              <a:cs typeface="Times New Roman" panose="02020603050405020304" pitchFamily="18" charset="0"/>
+            </a:endParaRPr>
+          </a:p>
+          <a:p>
+            <a:pPr marL="0" indent="0" algn="just">
+              <a:buNone/>
+            </a:pPr>
+            <a:r>
+              <a:rPr lang="pt-BR" sz="2400" dirty="0">
+                <a:latin typeface="Times New Roman" panose="02020603050405020304" pitchFamily="18" charset="0"/>
+                <a:cs typeface="Times New Roman" panose="02020603050405020304" pitchFamily="18" charset="0"/>
+              </a:rPr>
+              <a:t>[2] Plataformas Arduíno </a:t>
+            </a:r>
+            <a:r>
+              <a:rPr lang="pt-BR" sz="2400" dirty="0" err="1">
+                <a:latin typeface="Times New Roman" panose="02020603050405020304" pitchFamily="18" charset="0"/>
+                <a:cs typeface="Times New Roman" panose="02020603050405020304" pitchFamily="18" charset="0"/>
+              </a:rPr>
+              <a:t>Tinkercad</a:t>
+            </a:r>
+            <a:r>
+              <a:rPr lang="pt-BR" sz="2400" dirty="0">
+                <a:latin typeface="Times New Roman" panose="02020603050405020304" pitchFamily="18" charset="0"/>
+                <a:cs typeface="Times New Roman" panose="02020603050405020304" pitchFamily="18" charset="0"/>
+              </a:rPr>
+              <a:t>.</a:t>
+            </a:r>
+          </a:p>
+          <a:p>
+            <a:pPr marL="0" indent="0" algn="just">
+              <a:buNone/>
+            </a:pPr>
+            <a:r>
+              <a:rPr lang="pt-BR" sz="2400" b="1" dirty="0">
+                <a:solidFill>
+                  <a:srgbClr val="FF0000"/>
+                </a:solidFill>
+                <a:latin typeface="Times New Roman" panose="02020603050405020304" pitchFamily="18" charset="0"/>
+                <a:cs typeface="Times New Roman" panose="02020603050405020304" pitchFamily="18" charset="0"/>
+              </a:rPr>
+              <a:t>Disponível em: </a:t>
+            </a:r>
+          </a:p>
+          <a:p>
+            <a:pPr marL="0" indent="0" algn="just">
+              <a:buNone/>
+            </a:pPr>
+            <a:r>
+              <a:rPr lang="pt-BR" sz="2400" dirty="0">
+                <a:latin typeface="Times New Roman" panose="02020603050405020304" pitchFamily="18" charset="0"/>
+                <a:cs typeface="Times New Roman" panose="02020603050405020304" pitchFamily="18" charset="0"/>
+                <a:hlinkClick r:id="rId4"/>
+              </a:rPr>
+              <a:t>https://www.makerzine.com.br/programacao/primeiros-passos-com-tinkercad-circuits-2-exemplos/</a:t>
+            </a:r>
+            <a:endParaRPr lang="pt-BR" sz="2400" dirty="0">
+              <a:latin typeface="Calibri" panose="020F0502020204030204" pitchFamily="34" charset="0"/>
             </a:endParaRPr>
           </a:p>
         </p:txBody>
@@ -4611,7 +8688,7 @@
     </p:spTree>
     <p:extLst>
       <p:ext uri="{BB962C8B-B14F-4D97-AF65-F5344CB8AC3E}">
-        <p14:creationId xmlns:p14="http://schemas.microsoft.com/office/powerpoint/2010/main" val="937806996"/>
+        <p14:creationId xmlns:p14="http://schemas.microsoft.com/office/powerpoint/2010/main" val="3680270425"/>
       </p:ext>
     </p:extLst>
   </p:cSld>
@@ -4622,7 +8699,7 @@
 </p:sld>
 </file>
 
-<file path=ppt/slides/slide5.xml><?xml version="1.0" encoding="utf-8"?>
+<file path=ppt/slides/slide22.xml><?xml version="1.0" encoding="utf-8"?>
 <p:sld xmlns:a="http://schemas.openxmlformats.org/drawingml/2006/main" xmlns:r="http://schemas.openxmlformats.org/officeDocument/2006/relationships" xmlns:p="http://schemas.openxmlformats.org/presentationml/2006/main">
   <p:cSld>
     <p:spTree>
@@ -4667,7 +8744,7 @@
                   <a:srgbClr val="0070C0"/>
                 </a:solidFill>
               </a:rPr>
-              <a:t>Leitura</a:t>
+              <a:t>Aprenda</a:t>
             </a:r>
             <a:r>
               <a:rPr lang="en-US" b="1" dirty="0">
@@ -4675,21 +8752,8 @@
                   <a:srgbClr val="0070C0"/>
                 </a:solidFill>
               </a:rPr>
-              <a:t> </a:t>
-            </a:r>
-            <a:r>
-              <a:rPr lang="en-US" b="1" dirty="0" err="1">
-                <a:solidFill>
-                  <a:srgbClr val="0070C0"/>
-                </a:solidFill>
-              </a:rPr>
-              <a:t>Específica</a:t>
-            </a:r>
-            <a:endParaRPr lang="en-US" b="1" dirty="0">
-              <a:solidFill>
-                <a:srgbClr val="0070C0"/>
-              </a:solidFill>
-            </a:endParaRPr>
+              <a:t>+</a:t>
+            </a:r>
           </a:p>
         </p:txBody>
       </p:sp>
@@ -4705,8 +8769,8 @@
         </p:nvSpPr>
         <p:spPr>
           <a:xfrm>
-            <a:off x="142865" y="1200151"/>
-            <a:ext cx="8865056" cy="3394472"/>
+            <a:off x="142865" y="1200150"/>
+            <a:ext cx="8865056" cy="3737370"/>
           </a:xfrm>
         </p:spPr>
         <p:txBody>
@@ -4723,44 +8787,30 @@
                 <a:latin typeface="Times New Roman" panose="02020603050405020304" pitchFamily="18" charset="0"/>
                 <a:cs typeface="Times New Roman" panose="02020603050405020304" pitchFamily="18" charset="0"/>
               </a:rPr>
-              <a:t>[1] </a:t>
-            </a:r>
-            <a:r>
-              <a:rPr lang="pt-BR" sz="2400" dirty="0" err="1">
-                <a:latin typeface="Times New Roman" panose="02020603050405020304" pitchFamily="18" charset="0"/>
-                <a:cs typeface="Times New Roman" panose="02020603050405020304" pitchFamily="18" charset="0"/>
-              </a:rPr>
-              <a:t>Desenv</a:t>
+              <a:t>[1] Plataformas Arduíno.</a:t>
+            </a:r>
+          </a:p>
+          <a:p>
+            <a:pPr marL="0" indent="0" algn="just">
+              <a:buNone/>
+            </a:pPr>
+            <a:r>
+              <a:rPr lang="pt-BR" sz="2400" b="1" dirty="0">
+                <a:solidFill>
+                  <a:srgbClr val="FF0000"/>
+                </a:solidFill>
+                <a:latin typeface="Times New Roman" panose="02020603050405020304" pitchFamily="18" charset="0"/>
+                <a:cs typeface="Times New Roman" panose="02020603050405020304" pitchFamily="18" charset="0"/>
+              </a:rPr>
+              <a:t>Disponível em: </a:t>
             </a:r>
             <a:r>
               <a:rPr lang="pt-BR" sz="2400" dirty="0">
                 <a:latin typeface="Times New Roman" panose="02020603050405020304" pitchFamily="18" charset="0"/>
                 <a:cs typeface="Times New Roman" panose="02020603050405020304" pitchFamily="18" charset="0"/>
-              </a:rPr>
-              <a:t>. App Plataformas de Middleware Para IOT em Python.</a:t>
-            </a:r>
-          </a:p>
-          <a:p>
-            <a:pPr marL="0" indent="0" algn="just">
-              <a:buNone/>
-            </a:pPr>
-            <a:r>
-              <a:rPr lang="pt-BR" sz="2400" b="1" dirty="0">
-                <a:solidFill>
-                  <a:srgbClr val="FF0000"/>
-                </a:solidFill>
-                <a:latin typeface="Times New Roman" panose="02020603050405020304" pitchFamily="18" charset="0"/>
-                <a:cs typeface="Times New Roman" panose="02020603050405020304" pitchFamily="18" charset="0"/>
-              </a:rPr>
-              <a:t>Disponível em: </a:t>
-            </a:r>
-            <a:r>
-              <a:rPr lang="pt-BR" sz="2400" dirty="0">
-                <a:latin typeface="Times New Roman" panose="02020603050405020304" pitchFamily="18" charset="0"/>
-                <a:cs typeface="Times New Roman" panose="02020603050405020304" pitchFamily="18" charset="0"/>
                 <a:hlinkClick r:id="rId3"/>
               </a:rPr>
-              <a:t>https://</a:t>
+              <a:t>https://youtu.be/QO3XR_s9rL0</a:t>
             </a:r>
             <a:endParaRPr lang="pt-BR" sz="2400" dirty="0">
               <a:latin typeface="Times New Roman" panose="02020603050405020304" pitchFamily="18" charset="0"/>
@@ -4785,21 +8835,21 @@
                 <a:latin typeface="Times New Roman" panose="02020603050405020304" pitchFamily="18" charset="0"/>
                 <a:cs typeface="Times New Roman" panose="02020603050405020304" pitchFamily="18" charset="0"/>
               </a:rPr>
-              <a:t>[2] </a:t>
+              <a:t>[2] Plataformas Arduíno </a:t>
             </a:r>
             <a:r>
               <a:rPr lang="pt-BR" sz="2400" dirty="0" err="1">
                 <a:latin typeface="Times New Roman" panose="02020603050405020304" pitchFamily="18" charset="0"/>
                 <a:cs typeface="Times New Roman" panose="02020603050405020304" pitchFamily="18" charset="0"/>
               </a:rPr>
-              <a:t>Desenv</a:t>
+              <a:t>Tinkercad</a:t>
             </a:r>
             <a:r>
               <a:rPr lang="pt-BR" sz="2400" dirty="0">
                 <a:latin typeface="Times New Roman" panose="02020603050405020304" pitchFamily="18" charset="0"/>
                 <a:cs typeface="Times New Roman" panose="02020603050405020304" pitchFamily="18" charset="0"/>
               </a:rPr>
-              <a:t>. App Plataformas de Middleware Para IOT em Python. </a:t>
+              <a:t>. </a:t>
             </a:r>
           </a:p>
           <a:p>
@@ -4822,15 +8872,12 @@
                 <a:cs typeface="Times New Roman" panose="02020603050405020304" pitchFamily="18" charset="0"/>
                 <a:hlinkClick r:id="rId4"/>
               </a:rPr>
-              <a:t>https:</a:t>
-            </a:r>
-            <a:r>
-              <a:rPr lang="pt-BR" sz="2400" dirty="0">
-                <a:latin typeface="Times New Roman" panose="02020603050405020304" pitchFamily="18" charset="0"/>
-                <a:cs typeface="Times New Roman" panose="02020603050405020304" pitchFamily="18" charset="0"/>
-              </a:rPr>
-              <a:t>//</a:t>
-            </a:r>
+              <a:t>https://youtu.be/d70gjJgyXSA</a:t>
+            </a:r>
+            <a:endParaRPr lang="pt-BR" sz="2400" dirty="0">
+              <a:latin typeface="Times New Roman" panose="02020603050405020304" pitchFamily="18" charset="0"/>
+              <a:cs typeface="Times New Roman" panose="02020603050405020304" pitchFamily="18" charset="0"/>
+            </a:endParaRPr>
           </a:p>
           <a:p>
             <a:pPr marL="0" indent="0" algn="just">
@@ -4841,38 +8888,12 @@
               <a:cs typeface="Times New Roman" panose="02020603050405020304" pitchFamily="18" charset="0"/>
             </a:endParaRPr>
           </a:p>
-          <a:p>
-            <a:pPr marL="0" indent="0" algn="just">
-              <a:buNone/>
-            </a:pPr>
-            <a:endParaRPr lang="pt-BR" sz="2400" dirty="0">
-              <a:latin typeface="Times New Roman" panose="02020603050405020304" pitchFamily="18" charset="0"/>
-              <a:cs typeface="Times New Roman" panose="02020603050405020304" pitchFamily="18" charset="0"/>
-            </a:endParaRPr>
-          </a:p>
-          <a:p>
-            <a:pPr marL="0" indent="0" algn="just">
-              <a:buNone/>
-            </a:pPr>
-            <a:endParaRPr lang="pt-BR" sz="2400" dirty="0">
-              <a:latin typeface="Times New Roman" panose="02020603050405020304" pitchFamily="18" charset="0"/>
-              <a:cs typeface="Times New Roman" panose="02020603050405020304" pitchFamily="18" charset="0"/>
-            </a:endParaRPr>
-          </a:p>
-          <a:p>
-            <a:pPr marL="0" indent="0" algn="just">
-              <a:buNone/>
-            </a:pPr>
-            <a:endParaRPr lang="pt-BR" sz="2400" dirty="0">
-              <a:latin typeface="Calibri" panose="020F0502020204030204" pitchFamily="34" charset="0"/>
-            </a:endParaRPr>
-          </a:p>
         </p:txBody>
       </p:sp>
     </p:spTree>
     <p:extLst>
       <p:ext uri="{BB962C8B-B14F-4D97-AF65-F5344CB8AC3E}">
-        <p14:creationId xmlns:p14="http://schemas.microsoft.com/office/powerpoint/2010/main" val="3680270425"/>
+        <p14:creationId xmlns:p14="http://schemas.microsoft.com/office/powerpoint/2010/main" val="2747596967"/>
       </p:ext>
     </p:extLst>
   </p:cSld>
@@ -4883,7 +8904,7 @@
 </p:sld>
 </file>
 
-<file path=ppt/slides/slide6.xml><?xml version="1.0" encoding="utf-8"?>
+<file path=ppt/slides/slide23.xml><?xml version="1.0" encoding="utf-8"?>
 <p:sld xmlns:a="http://schemas.openxmlformats.org/drawingml/2006/main" xmlns:r="http://schemas.openxmlformats.org/officeDocument/2006/relationships" xmlns:p="http://schemas.openxmlformats.org/presentationml/2006/main">
   <p:cSld>
     <p:spTree>
@@ -4928,7 +8949,7 @@
                   <a:srgbClr val="0070C0"/>
                 </a:solidFill>
               </a:rPr>
-              <a:t>Aprenda</a:t>
+              <a:t>Dinâmica</a:t>
             </a:r>
             <a:r>
               <a:rPr lang="en-US" b="1" dirty="0">
@@ -4936,8 +8957,21 @@
                   <a:srgbClr val="0070C0"/>
                 </a:solidFill>
               </a:rPr>
-              <a:t>+</a:t>
-            </a:r>
+              <a:t>/</a:t>
+            </a:r>
+            <a:r>
+              <a:rPr lang="en-US" b="1" dirty="0" err="1">
+                <a:solidFill>
+                  <a:srgbClr val="0070C0"/>
+                </a:solidFill>
+              </a:rPr>
+              <a:t>Atividades</a:t>
+            </a:r>
+            <a:endParaRPr lang="en-US" b="1" dirty="0">
+              <a:solidFill>
+                <a:srgbClr val="0070C0"/>
+              </a:solidFill>
+            </a:endParaRPr>
           </a:p>
         </p:txBody>
       </p:sp>
@@ -4953,8 +8987,8 @@
         </p:nvSpPr>
         <p:spPr>
           <a:xfrm>
-            <a:off x="142865" y="1200150"/>
-            <a:ext cx="8865056" cy="3737370"/>
+            <a:off x="139472" y="1063230"/>
+            <a:ext cx="8865056" cy="3606305"/>
           </a:xfrm>
         </p:spPr>
         <p:txBody>
@@ -4971,49 +9005,8 @@
                 <a:latin typeface="Times New Roman" panose="02020603050405020304" pitchFamily="18" charset="0"/>
                 <a:cs typeface="Times New Roman" panose="02020603050405020304" pitchFamily="18" charset="0"/>
               </a:rPr>
-              <a:t>[1] </a:t>
-            </a:r>
-            <a:r>
-              <a:rPr lang="pt-BR" sz="2400" dirty="0" err="1">
-                <a:latin typeface="Times New Roman" panose="02020603050405020304" pitchFamily="18" charset="0"/>
-                <a:cs typeface="Times New Roman" panose="02020603050405020304" pitchFamily="18" charset="0"/>
-              </a:rPr>
-              <a:t>Desenv</a:t>
-            </a:r>
-            <a:r>
-              <a:rPr lang="pt-BR" sz="2400" dirty="0">
-                <a:latin typeface="Times New Roman" panose="02020603050405020304" pitchFamily="18" charset="0"/>
-                <a:cs typeface="Times New Roman" panose="02020603050405020304" pitchFamily="18" charset="0"/>
-              </a:rPr>
-              <a:t>. App Plataformas de Middleware Para IOT em Python.</a:t>
-            </a:r>
-          </a:p>
-          <a:p>
-            <a:pPr marL="0" indent="0" algn="just">
-              <a:buNone/>
-            </a:pPr>
-            <a:r>
-              <a:rPr lang="pt-BR" sz="2400" b="1" dirty="0">
-                <a:solidFill>
-                  <a:srgbClr val="FF0000"/>
-                </a:solidFill>
-                <a:latin typeface="Times New Roman" panose="02020603050405020304" pitchFamily="18" charset="0"/>
-                <a:cs typeface="Times New Roman" panose="02020603050405020304" pitchFamily="18" charset="0"/>
-              </a:rPr>
-              <a:t>Disponível em: </a:t>
-            </a:r>
-            <a:r>
-              <a:rPr lang="pt-BR" sz="2400" dirty="0">
-                <a:latin typeface="Times New Roman" panose="02020603050405020304" pitchFamily="18" charset="0"/>
-                <a:cs typeface="Times New Roman" panose="02020603050405020304" pitchFamily="18" charset="0"/>
-                <a:hlinkClick r:id="rId3"/>
-              </a:rPr>
-              <a:t>https://</a:t>
-            </a:r>
-            <a:endParaRPr lang="pt-BR" sz="2400" dirty="0">
-              <a:latin typeface="Times New Roman" panose="02020603050405020304" pitchFamily="18" charset="0"/>
-              <a:cs typeface="Times New Roman" panose="02020603050405020304" pitchFamily="18" charset="0"/>
-            </a:endParaRPr>
+              <a:t>Exercícios (Atividade Verificadora de Aprendizagem)</a:t>
+            </a:r>
           </a:p>
           <a:p>
             <a:pPr marL="0" indent="0" algn="just">
@@ -5033,49 +9026,8 @@
                 <a:latin typeface="Times New Roman" panose="02020603050405020304" pitchFamily="18" charset="0"/>
                 <a:cs typeface="Times New Roman" panose="02020603050405020304" pitchFamily="18" charset="0"/>
               </a:rPr>
-              <a:t>[2] </a:t>
-            </a:r>
-            <a:r>
-              <a:rPr lang="pt-BR" sz="2400" dirty="0" err="1">
-                <a:latin typeface="Times New Roman" panose="02020603050405020304" pitchFamily="18" charset="0"/>
-                <a:cs typeface="Times New Roman" panose="02020603050405020304" pitchFamily="18" charset="0"/>
-              </a:rPr>
-              <a:t>Desenv</a:t>
-            </a:r>
-            <a:r>
-              <a:rPr lang="pt-BR" sz="2400" dirty="0">
-                <a:latin typeface="Times New Roman" panose="02020603050405020304" pitchFamily="18" charset="0"/>
-                <a:cs typeface="Times New Roman" panose="02020603050405020304" pitchFamily="18" charset="0"/>
-              </a:rPr>
-              <a:t>. App Plataformas de Middleware Para IOT em Python. </a:t>
-            </a:r>
-          </a:p>
-          <a:p>
-            <a:pPr marL="0" indent="0" algn="just">
-              <a:buNone/>
-            </a:pPr>
-            <a:r>
-              <a:rPr lang="pt-BR" sz="2400" b="1" dirty="0">
-                <a:solidFill>
-                  <a:srgbClr val="FF0000"/>
-                </a:solidFill>
-                <a:latin typeface="Times New Roman" panose="02020603050405020304" pitchFamily="18" charset="0"/>
-                <a:cs typeface="Times New Roman" panose="02020603050405020304" pitchFamily="18" charset="0"/>
-              </a:rPr>
-              <a:t>Disponível em: </a:t>
-            </a:r>
-            <a:r>
-              <a:rPr lang="pt-BR" sz="2400" dirty="0">
-                <a:latin typeface="Times New Roman" panose="02020603050405020304" pitchFamily="18" charset="0"/>
-                <a:cs typeface="Times New Roman" panose="02020603050405020304" pitchFamily="18" charset="0"/>
-                <a:hlinkClick r:id="rId4"/>
-              </a:rPr>
-              <a:t>https://</a:t>
-            </a:r>
-            <a:endParaRPr lang="pt-BR" sz="2400" dirty="0">
-              <a:latin typeface="Times New Roman" panose="02020603050405020304" pitchFamily="18" charset="0"/>
-              <a:cs typeface="Times New Roman" panose="02020603050405020304" pitchFamily="18" charset="0"/>
-            </a:endParaRPr>
+              <a:t>Reproduzir o projeto de circuito elétrico do vídeo abaixo:</a:t>
+            </a:r>
           </a:p>
           <a:p>
             <a:pPr marL="0" indent="0" algn="just">
@@ -5086,12 +9038,47 @@
               <a:cs typeface="Times New Roman" panose="02020603050405020304" pitchFamily="18" charset="0"/>
             </a:endParaRPr>
           </a:p>
+          <a:p>
+            <a:pPr marL="0" indent="0" algn="just">
+              <a:buNone/>
+            </a:pPr>
+            <a:r>
+              <a:rPr lang="pt-BR" sz="2400" dirty="0">
+                <a:latin typeface="Times New Roman" panose="02020603050405020304" pitchFamily="18" charset="0"/>
+                <a:cs typeface="Times New Roman" panose="02020603050405020304" pitchFamily="18" charset="0"/>
+                <a:hlinkClick r:id="rId3"/>
+              </a:rPr>
+              <a:t>https://youtu.be/d70gjJgyXSA</a:t>
+            </a:r>
+            <a:endParaRPr lang="pt-BR" sz="2400" dirty="0">
+              <a:latin typeface="Times New Roman" panose="02020603050405020304" pitchFamily="18" charset="0"/>
+              <a:cs typeface="Times New Roman" panose="02020603050405020304" pitchFamily="18" charset="0"/>
+            </a:endParaRPr>
+          </a:p>
+          <a:p>
+            <a:pPr marL="0" indent="0" algn="just">
+              <a:buNone/>
+            </a:pPr>
+            <a:endParaRPr lang="pt-BR" sz="2400" dirty="0">
+              <a:latin typeface="Times New Roman" panose="02020603050405020304" pitchFamily="18" charset="0"/>
+              <a:cs typeface="Times New Roman" panose="02020603050405020304" pitchFamily="18" charset="0"/>
+            </a:endParaRPr>
+          </a:p>
+          <a:p>
+            <a:pPr marL="0" indent="0" algn="just">
+              <a:buNone/>
+            </a:pPr>
+            <a:endParaRPr lang="pt-BR" sz="2400" dirty="0">
+              <a:latin typeface="Times New Roman" panose="02020603050405020304" pitchFamily="18" charset="0"/>
+              <a:cs typeface="Times New Roman" panose="02020603050405020304" pitchFamily="18" charset="0"/>
+            </a:endParaRPr>
+          </a:p>
         </p:txBody>
       </p:sp>
     </p:spTree>
     <p:extLst>
       <p:ext uri="{BB962C8B-B14F-4D97-AF65-F5344CB8AC3E}">
-        <p14:creationId xmlns:p14="http://schemas.microsoft.com/office/powerpoint/2010/main" val="2747596967"/>
+        <p14:creationId xmlns:p14="http://schemas.microsoft.com/office/powerpoint/2010/main" val="1397642976"/>
       </p:ext>
     </p:extLst>
   </p:cSld>
@@ -5102,7 +9089,7 @@
 </p:sld>
 </file>
 
-<file path=ppt/slides/slide7.xml><?xml version="1.0" encoding="utf-8"?>
+<file path=ppt/slides/slide24.xml><?xml version="1.0" encoding="utf-8"?>
 <p:sld xmlns:a="http://schemas.openxmlformats.org/drawingml/2006/main" xmlns:r="http://schemas.openxmlformats.org/officeDocument/2006/relationships" xmlns:p="http://schemas.openxmlformats.org/presentationml/2006/main">
   <p:cSld>
     <p:spTree>
@@ -5147,144 +9134,6 @@
                   <a:srgbClr val="0070C0"/>
                 </a:solidFill>
               </a:rPr>
-              <a:t>Dinâmica</a:t>
-            </a:r>
-            <a:r>
-              <a:rPr lang="en-US" b="1" dirty="0">
-                <a:solidFill>
-                  <a:srgbClr val="0070C0"/>
-                </a:solidFill>
-              </a:rPr>
-              <a:t>/</a:t>
-            </a:r>
-            <a:r>
-              <a:rPr lang="en-US" b="1" dirty="0" err="1">
-                <a:solidFill>
-                  <a:srgbClr val="0070C0"/>
-                </a:solidFill>
-              </a:rPr>
-              <a:t>Atividades</a:t>
-            </a:r>
-            <a:endParaRPr lang="en-US" b="1" dirty="0">
-              <a:solidFill>
-                <a:srgbClr val="0070C0"/>
-              </a:solidFill>
-            </a:endParaRPr>
-          </a:p>
-        </p:txBody>
-      </p:sp>
-      <p:sp>
-        <p:nvSpPr>
-          <p:cNvPr id="8" name="Text Placeholder 2"/>
-          <p:cNvSpPr>
-            <a:spLocks noGrp="1"/>
-          </p:cNvSpPr>
-          <p:nvPr>
-            <p:ph type="body" sz="half" idx="1"/>
-          </p:nvPr>
-        </p:nvSpPr>
-        <p:spPr>
-          <a:xfrm>
-            <a:off x="139472" y="1063230"/>
-            <a:ext cx="8865056" cy="3606305"/>
-          </a:xfrm>
-        </p:spPr>
-        <p:txBody>
-          <a:bodyPr>
-            <a:noAutofit/>
-          </a:bodyPr>
-          <a:lstStyle/>
-          <a:p>
-            <a:pPr marL="0" indent="0" algn="just">
-              <a:buNone/>
-            </a:pPr>
-            <a:r>
-              <a:rPr lang="pt-BR" sz="2400" dirty="0">
-                <a:latin typeface="Times New Roman" panose="02020603050405020304" pitchFamily="18" charset="0"/>
-                <a:cs typeface="Times New Roman" panose="02020603050405020304" pitchFamily="18" charset="0"/>
-              </a:rPr>
-              <a:t>Exercícios (Atividade Verificadora de Aprendizagem)</a:t>
-            </a:r>
-          </a:p>
-          <a:p>
-            <a:pPr marL="0" indent="0" algn="just">
-              <a:buNone/>
-            </a:pPr>
-            <a:endParaRPr lang="pt-BR" sz="2400">
-              <a:latin typeface="Times New Roman" panose="02020603050405020304" pitchFamily="18" charset="0"/>
-              <a:cs typeface="Times New Roman" panose="02020603050405020304" pitchFamily="18" charset="0"/>
-            </a:endParaRPr>
-          </a:p>
-          <a:p>
-            <a:pPr marL="0" indent="0" algn="just">
-              <a:buNone/>
-            </a:pPr>
-            <a:endParaRPr lang="pt-BR" sz="2400" dirty="0">
-              <a:latin typeface="Times New Roman" panose="02020603050405020304" pitchFamily="18" charset="0"/>
-              <a:cs typeface="Times New Roman" panose="02020603050405020304" pitchFamily="18" charset="0"/>
-            </a:endParaRPr>
-          </a:p>
-        </p:txBody>
-      </p:sp>
-    </p:spTree>
-    <p:extLst>
-      <p:ext uri="{BB962C8B-B14F-4D97-AF65-F5344CB8AC3E}">
-        <p14:creationId xmlns:p14="http://schemas.microsoft.com/office/powerpoint/2010/main" val="1397642976"/>
-      </p:ext>
-    </p:extLst>
-  </p:cSld>
-  <p:clrMapOvr>
-    <a:masterClrMapping/>
-  </p:clrMapOvr>
-  <p:transition spd="med"/>
-</p:sld>
-</file>
-
-<file path=ppt/slides/slide8.xml><?xml version="1.0" encoding="utf-8"?>
-<p:sld xmlns:a="http://schemas.openxmlformats.org/drawingml/2006/main" xmlns:r="http://schemas.openxmlformats.org/officeDocument/2006/relationships" xmlns:p="http://schemas.openxmlformats.org/presentationml/2006/main">
-  <p:cSld>
-    <p:spTree>
-      <p:nvGrpSpPr>
-        <p:cNvPr id="1" name=""/>
-        <p:cNvGrpSpPr/>
-        <p:nvPr/>
-      </p:nvGrpSpPr>
-      <p:grpSpPr>
-        <a:xfrm>
-          <a:off x="0" y="0"/>
-          <a:ext cx="0" cy="0"/>
-          <a:chOff x="0" y="0"/>
-          <a:chExt cx="0" cy="0"/>
-        </a:xfrm>
-      </p:grpSpPr>
-      <p:sp>
-        <p:nvSpPr>
-          <p:cNvPr id="6" name="Title 1"/>
-          <p:cNvSpPr>
-            <a:spLocks noGrp="1"/>
-          </p:cNvSpPr>
-          <p:nvPr>
-            <p:ph type="title"/>
-          </p:nvPr>
-        </p:nvSpPr>
-        <p:spPr>
-          <a:xfrm>
-            <a:off x="457200" y="205980"/>
-            <a:ext cx="8229600" cy="857251"/>
-          </a:xfrm>
-        </p:spPr>
-        <p:txBody>
-          <a:bodyPr>
-            <a:normAutofit/>
-          </a:bodyPr>
-          <a:lstStyle/>
-          <a:p>
-            <a:r>
-              <a:rPr lang="en-US" b="1" dirty="0" err="1">
-                <a:solidFill>
-                  <a:srgbClr val="0070C0"/>
-                </a:solidFill>
-              </a:rPr>
               <a:t>Referências</a:t>
             </a:r>
             <a:r>
@@ -5341,7 +9190,38 @@
                 <a:latin typeface="Times New Roman" panose="02020603050405020304" pitchFamily="18" charset="0"/>
                 <a:cs typeface="Times New Roman" panose="02020603050405020304" pitchFamily="18" charset="0"/>
               </a:rPr>
-              <a:t>[1] .</a:t>
+              <a:t>[1] </a:t>
+            </a:r>
+            <a:r>
+              <a:rPr lang="pt-BR" sz="2000" b="1" dirty="0">
+                <a:solidFill>
+                  <a:srgbClr val="FF0000"/>
+                </a:solidFill>
+                <a:latin typeface="Times New Roman" panose="02020603050405020304" pitchFamily="18" charset="0"/>
+                <a:cs typeface="Times New Roman" panose="02020603050405020304" pitchFamily="18" charset="0"/>
+              </a:rPr>
+              <a:t>BANZI, Massimo; SHILOH, Michael.</a:t>
+            </a:r>
+            <a:r>
+              <a:rPr lang="pt-BR" sz="2000" dirty="0">
+                <a:latin typeface="Times New Roman" panose="02020603050405020304" pitchFamily="18" charset="0"/>
+                <a:cs typeface="Times New Roman" panose="02020603050405020304" pitchFamily="18" charset="0"/>
+              </a:rPr>
+              <a:t> Primeiros passos com o Arduino. São Paulo: </a:t>
+            </a:r>
+            <a:r>
+              <a:rPr lang="pt-BR" sz="2000" dirty="0" err="1">
+                <a:latin typeface="Times New Roman" panose="02020603050405020304" pitchFamily="18" charset="0"/>
+                <a:cs typeface="Times New Roman" panose="02020603050405020304" pitchFamily="18" charset="0"/>
+              </a:rPr>
+              <a:t>Novatec</a:t>
+            </a:r>
+            <a:r>
+              <a:rPr lang="pt-BR" sz="2000" dirty="0">
+                <a:latin typeface="Times New Roman" panose="02020603050405020304" pitchFamily="18" charset="0"/>
+                <a:cs typeface="Times New Roman" panose="02020603050405020304" pitchFamily="18" charset="0"/>
+              </a:rPr>
+              <a:t>, p. p1, 2011.</a:t>
             </a:r>
           </a:p>
           <a:p>
@@ -5365,10 +9245,105 @@
               <a:t>[2] </a:t>
             </a:r>
             <a:r>
+              <a:rPr lang="pt-BR" sz="2000" b="1" dirty="0">
+                <a:solidFill>
+                  <a:srgbClr val="FF0000"/>
+                </a:solidFill>
+                <a:latin typeface="Times New Roman" panose="02020603050405020304" pitchFamily="18" charset="0"/>
+                <a:cs typeface="Times New Roman" panose="02020603050405020304" pitchFamily="18" charset="0"/>
+              </a:rPr>
+              <a:t>PEREZ, Anderson Luiz Fernandes et al.</a:t>
+            </a:r>
+            <a:r>
               <a:rPr lang="pt-BR" sz="2000" dirty="0">
-                <a:latin typeface="Calibri" panose="020F0502020204030204" pitchFamily="34" charset="0"/>
-              </a:rPr>
-              <a:t>.</a:t>
+                <a:latin typeface="Times New Roman" panose="02020603050405020304" pitchFamily="18" charset="0"/>
+                <a:cs typeface="Times New Roman" panose="02020603050405020304" pitchFamily="18" charset="0"/>
+              </a:rPr>
+              <a:t> Uso da Plataforma Arduino para o Ensino e o Aprendizado de Robótica. In: </a:t>
+            </a:r>
+            <a:r>
+              <a:rPr lang="pt-BR" sz="2000" dirty="0" err="1">
+                <a:latin typeface="Times New Roman" panose="02020603050405020304" pitchFamily="18" charset="0"/>
+                <a:cs typeface="Times New Roman" panose="02020603050405020304" pitchFamily="18" charset="0"/>
+              </a:rPr>
+              <a:t>International</a:t>
+            </a:r>
+            <a:r>
+              <a:rPr lang="pt-BR" sz="2000" dirty="0">
+                <a:latin typeface="Times New Roman" panose="02020603050405020304" pitchFamily="18" charset="0"/>
+                <a:cs typeface="Times New Roman" panose="02020603050405020304" pitchFamily="18" charset="0"/>
+              </a:rPr>
+              <a:t> </a:t>
+            </a:r>
+            <a:r>
+              <a:rPr lang="pt-BR" sz="2000" dirty="0" err="1">
+                <a:latin typeface="Times New Roman" panose="02020603050405020304" pitchFamily="18" charset="0"/>
+                <a:cs typeface="Times New Roman" panose="02020603050405020304" pitchFamily="18" charset="0"/>
+              </a:rPr>
+              <a:t>Conference</a:t>
+            </a:r>
+            <a:r>
+              <a:rPr lang="pt-BR" sz="2000" dirty="0">
+                <a:latin typeface="Times New Roman" panose="02020603050405020304" pitchFamily="18" charset="0"/>
+                <a:cs typeface="Times New Roman" panose="02020603050405020304" pitchFamily="18" charset="0"/>
+              </a:rPr>
+              <a:t> </a:t>
+            </a:r>
+            <a:r>
+              <a:rPr lang="pt-BR" sz="2000" dirty="0" err="1">
+                <a:latin typeface="Times New Roman" panose="02020603050405020304" pitchFamily="18" charset="0"/>
+                <a:cs typeface="Times New Roman" panose="02020603050405020304" pitchFamily="18" charset="0"/>
+              </a:rPr>
+              <a:t>on</a:t>
+            </a:r>
+            <a:r>
+              <a:rPr lang="pt-BR" sz="2000" dirty="0">
+                <a:latin typeface="Times New Roman" panose="02020603050405020304" pitchFamily="18" charset="0"/>
+                <a:cs typeface="Times New Roman" panose="02020603050405020304" pitchFamily="18" charset="0"/>
+              </a:rPr>
+              <a:t> </a:t>
+            </a:r>
+            <a:r>
+              <a:rPr lang="pt-BR" sz="2000" dirty="0" err="1">
+                <a:latin typeface="Times New Roman" panose="02020603050405020304" pitchFamily="18" charset="0"/>
+                <a:cs typeface="Times New Roman" panose="02020603050405020304" pitchFamily="18" charset="0"/>
+              </a:rPr>
+              <a:t>Interactive</a:t>
+            </a:r>
+            <a:r>
+              <a:rPr lang="pt-BR" sz="2000" dirty="0">
+                <a:latin typeface="Times New Roman" panose="02020603050405020304" pitchFamily="18" charset="0"/>
+                <a:cs typeface="Times New Roman" panose="02020603050405020304" pitchFamily="18" charset="0"/>
+              </a:rPr>
+              <a:t> Computer </a:t>
+            </a:r>
+            <a:r>
+              <a:rPr lang="pt-BR" sz="2000" dirty="0" err="1">
+                <a:latin typeface="Times New Roman" panose="02020603050405020304" pitchFamily="18" charset="0"/>
+                <a:cs typeface="Times New Roman" panose="02020603050405020304" pitchFamily="18" charset="0"/>
+              </a:rPr>
+              <a:t>aided</a:t>
+            </a:r>
+            <a:r>
+              <a:rPr lang="pt-BR" sz="2000" dirty="0">
+                <a:latin typeface="Times New Roman" panose="02020603050405020304" pitchFamily="18" charset="0"/>
+                <a:cs typeface="Times New Roman" panose="02020603050405020304" pitchFamily="18" charset="0"/>
+              </a:rPr>
+              <a:t> </a:t>
+            </a:r>
+            <a:r>
+              <a:rPr lang="pt-BR" sz="2000" dirty="0" err="1">
+                <a:latin typeface="Times New Roman" panose="02020603050405020304" pitchFamily="18" charset="0"/>
+                <a:cs typeface="Times New Roman" panose="02020603050405020304" pitchFamily="18" charset="0"/>
+              </a:rPr>
+              <a:t>Blended</a:t>
+            </a:r>
+            <a:r>
+              <a:rPr lang="pt-BR" sz="2000" dirty="0">
+                <a:latin typeface="Times New Roman" panose="02020603050405020304" pitchFamily="18" charset="0"/>
+                <a:cs typeface="Times New Roman" panose="02020603050405020304" pitchFamily="18" charset="0"/>
+              </a:rPr>
+              <a:t> Learning. 2013.</a:t>
             </a:r>
           </a:p>
           <a:p>
@@ -5376,7 +9351,8 @@
               <a:buNone/>
             </a:pPr>
             <a:endParaRPr lang="pt-BR" sz="2000" dirty="0">
-              <a:latin typeface="Calibri" panose="020F0502020204030204" pitchFamily="34" charset="0"/>
+              <a:latin typeface="Times New Roman" panose="02020603050405020304" pitchFamily="18" charset="0"/>
+              <a:cs typeface="Times New Roman" panose="02020603050405020304" pitchFamily="18" charset="0"/>
             </a:endParaRPr>
           </a:p>
           <a:p>
@@ -5385,9 +9361,55 @@
             </a:pPr>
             <a:r>
               <a:rPr lang="pt-BR" sz="2000" dirty="0">
-                <a:latin typeface="Calibri" panose="020F0502020204030204" pitchFamily="34" charset="0"/>
-              </a:rPr>
-              <a:t>[3] .</a:t>
+                <a:latin typeface="Times New Roman" panose="02020603050405020304" pitchFamily="18" charset="0"/>
+                <a:cs typeface="Times New Roman" panose="02020603050405020304" pitchFamily="18" charset="0"/>
+              </a:rPr>
+              <a:t>[3] </a:t>
+            </a:r>
+            <a:r>
+              <a:rPr lang="pt-BR" sz="2000" b="1" dirty="0">
+                <a:solidFill>
+                  <a:srgbClr val="FF0000"/>
+                </a:solidFill>
+                <a:latin typeface="Times New Roman" panose="02020603050405020304" pitchFamily="18" charset="0"/>
+                <a:cs typeface="Times New Roman" panose="02020603050405020304" pitchFamily="18" charset="0"/>
+              </a:rPr>
+              <a:t>SANCHES, William Ferreira et al.</a:t>
+            </a:r>
+            <a:r>
+              <a:rPr lang="pt-BR" sz="2000" dirty="0">
+                <a:latin typeface="Times New Roman" panose="02020603050405020304" pitchFamily="18" charset="0"/>
+                <a:cs typeface="Times New Roman" panose="02020603050405020304" pitchFamily="18" charset="0"/>
+              </a:rPr>
+              <a:t> A Utilização do emulador de </a:t>
+            </a:r>
+            <a:r>
+              <a:rPr lang="pt-BR" sz="2000" dirty="0" err="1">
+                <a:latin typeface="Times New Roman" panose="02020603050405020304" pitchFamily="18" charset="0"/>
+                <a:cs typeface="Times New Roman" panose="02020603050405020304" pitchFamily="18" charset="0"/>
+              </a:rPr>
+              <a:t>arduino</a:t>
+            </a:r>
+            <a:r>
+              <a:rPr lang="pt-BR" sz="2000" dirty="0">
+                <a:latin typeface="Times New Roman" panose="02020603050405020304" pitchFamily="18" charset="0"/>
+                <a:cs typeface="Times New Roman" panose="02020603050405020304" pitchFamily="18" charset="0"/>
+              </a:rPr>
+              <a:t> </a:t>
+            </a:r>
+            <a:r>
+              <a:rPr lang="pt-BR" sz="2000" dirty="0" err="1">
+                <a:latin typeface="Times New Roman" panose="02020603050405020304" pitchFamily="18" charset="0"/>
+                <a:cs typeface="Times New Roman" panose="02020603050405020304" pitchFamily="18" charset="0"/>
+              </a:rPr>
+              <a:t>tinkercad</a:t>
+            </a:r>
+            <a:r>
+              <a:rPr lang="pt-BR" sz="2000" dirty="0">
+                <a:latin typeface="Times New Roman" panose="02020603050405020304" pitchFamily="18" charset="0"/>
+                <a:cs typeface="Times New Roman" panose="02020603050405020304" pitchFamily="18" charset="0"/>
+              </a:rPr>
+              <a:t> para o ensino de lógica de programação e eletrônica. 2020.</a:t>
             </a:r>
           </a:p>
         </p:txBody>
@@ -5406,7 +9428,7 @@
 </p:sld>
 </file>
 
-<file path=ppt/slides/slide9.xml><?xml version="1.0" encoding="utf-8"?>
+<file path=ppt/slides/slide25.xml><?xml version="1.0" encoding="utf-8"?>
 <p:sld xmlns:a="http://schemas.openxmlformats.org/drawingml/2006/main" xmlns:r="http://schemas.openxmlformats.org/officeDocument/2006/relationships" xmlns:p="http://schemas.openxmlformats.org/presentationml/2006/main">
   <p:cSld>
     <p:spTree>
@@ -5853,6 +9875,1721 @@
         </p:spPr>
       </p:pic>
     </p:spTree>
+  </p:cSld>
+  <p:clrMapOvr>
+    <a:masterClrMapping/>
+  </p:clrMapOvr>
+  <p:transition spd="med"/>
+</p:sld>
+</file>
+
+<file path=ppt/slides/slide3.xml><?xml version="1.0" encoding="utf-8"?>
+<p:sld xmlns:a="http://schemas.openxmlformats.org/drawingml/2006/main" xmlns:r="http://schemas.openxmlformats.org/officeDocument/2006/relationships" xmlns:p="http://schemas.openxmlformats.org/presentationml/2006/main">
+  <p:cSld>
+    <p:spTree>
+      <p:nvGrpSpPr>
+        <p:cNvPr id="1" name=""/>
+        <p:cNvGrpSpPr/>
+        <p:nvPr/>
+      </p:nvGrpSpPr>
+      <p:grpSpPr>
+        <a:xfrm>
+          <a:off x="0" y="0"/>
+          <a:ext cx="0" cy="0"/>
+          <a:chOff x="0" y="0"/>
+          <a:chExt cx="0" cy="0"/>
+        </a:xfrm>
+      </p:grpSpPr>
+      <p:sp>
+        <p:nvSpPr>
+          <p:cNvPr id="6" name="Title 1"/>
+          <p:cNvSpPr>
+            <a:spLocks noGrp="1"/>
+          </p:cNvSpPr>
+          <p:nvPr>
+            <p:ph type="title"/>
+          </p:nvPr>
+        </p:nvSpPr>
+        <p:spPr>
+          <a:xfrm>
+            <a:off x="457200" y="205980"/>
+            <a:ext cx="8229600" cy="857251"/>
+          </a:xfrm>
+        </p:spPr>
+        <p:txBody>
+          <a:bodyPr>
+            <a:normAutofit/>
+          </a:bodyPr>
+          <a:lstStyle/>
+          <a:p>
+            <a:r>
+              <a:rPr lang="pt-BR" b="1" dirty="0">
+                <a:solidFill>
+                  <a:srgbClr val="0070C0"/>
+                </a:solidFill>
+              </a:rPr>
+              <a:t>Plataforma Arduíno</a:t>
+            </a:r>
+            <a:endParaRPr lang="en-US" b="1" dirty="0">
+              <a:solidFill>
+                <a:srgbClr val="0070C0"/>
+              </a:solidFill>
+            </a:endParaRPr>
+          </a:p>
+        </p:txBody>
+      </p:sp>
+      <p:sp>
+        <p:nvSpPr>
+          <p:cNvPr id="8" name="Text Placeholder 2"/>
+          <p:cNvSpPr>
+            <a:spLocks noGrp="1"/>
+          </p:cNvSpPr>
+          <p:nvPr>
+            <p:ph type="body" sz="half" idx="1"/>
+          </p:nvPr>
+        </p:nvSpPr>
+        <p:spPr>
+          <a:xfrm>
+            <a:off x="142865" y="1200150"/>
+            <a:ext cx="8865056" cy="3737370"/>
+          </a:xfrm>
+        </p:spPr>
+        <p:txBody>
+          <a:bodyPr>
+            <a:noAutofit/>
+          </a:bodyPr>
+          <a:lstStyle/>
+          <a:p>
+            <a:pPr marL="0" indent="0" algn="just">
+              <a:buNone/>
+            </a:pPr>
+            <a:r>
+              <a:rPr lang="pt-BR" sz="2000" b="1" dirty="0">
+                <a:latin typeface="Times New Roman" panose="02020603050405020304" pitchFamily="18" charset="0"/>
+                <a:cs typeface="Times New Roman" panose="02020603050405020304" pitchFamily="18" charset="0"/>
+              </a:rPr>
+              <a:t>Arduino</a:t>
+            </a:r>
+            <a:r>
+              <a:rPr lang="pt-BR" sz="2000" dirty="0">
+                <a:latin typeface="Times New Roman" panose="02020603050405020304" pitchFamily="18" charset="0"/>
+                <a:cs typeface="Times New Roman" panose="02020603050405020304" pitchFamily="18" charset="0"/>
+              </a:rPr>
+              <a:t> é uma plataforma de </a:t>
+            </a:r>
+            <a:r>
+              <a:rPr lang="pt-BR" sz="2000" b="1" dirty="0">
+                <a:solidFill>
+                  <a:srgbClr val="FF0000"/>
+                </a:solidFill>
+                <a:latin typeface="Times New Roman" panose="02020603050405020304" pitchFamily="18" charset="0"/>
+                <a:cs typeface="Times New Roman" panose="02020603050405020304" pitchFamily="18" charset="0"/>
+              </a:rPr>
+              <a:t>prototipagem eletrônica de hardware </a:t>
+            </a:r>
+            <a:r>
+              <a:rPr lang="pt-BR" sz="2000" dirty="0">
+                <a:latin typeface="Times New Roman" panose="02020603050405020304" pitchFamily="18" charset="0"/>
+                <a:cs typeface="Times New Roman" panose="02020603050405020304" pitchFamily="18" charset="0"/>
+              </a:rPr>
+              <a:t>livre e de placa única, projetada com um microcontrolador Atmel AVR com suporte de entrada/saída embutido, uma linguagem de programação padrão, a qual tem origem em </a:t>
+            </a:r>
+            <a:r>
+              <a:rPr lang="pt-BR" sz="2000" b="1" dirty="0" err="1">
+                <a:solidFill>
+                  <a:srgbClr val="FF0000"/>
+                </a:solidFill>
+                <a:latin typeface="Times New Roman" panose="02020603050405020304" pitchFamily="18" charset="0"/>
+                <a:cs typeface="Times New Roman" panose="02020603050405020304" pitchFamily="18" charset="0"/>
+              </a:rPr>
+              <a:t>Wiring</a:t>
+            </a:r>
+            <a:r>
+              <a:rPr lang="pt-BR" sz="2000" dirty="0">
+                <a:latin typeface="Times New Roman" panose="02020603050405020304" pitchFamily="18" charset="0"/>
+                <a:cs typeface="Times New Roman" panose="02020603050405020304" pitchFamily="18" charset="0"/>
+              </a:rPr>
+              <a:t>, e é essencialmente C/C++. </a:t>
+            </a:r>
+            <a:r>
+              <a:rPr lang="pt-BR" sz="2000" b="1" dirty="0">
+                <a:latin typeface="Times New Roman" panose="02020603050405020304" pitchFamily="18" charset="0"/>
+                <a:cs typeface="Times New Roman" panose="02020603050405020304" pitchFamily="18" charset="0"/>
+              </a:rPr>
+              <a:t>Plataforma de desenvolvimento de projetos eletrônicos</a:t>
+            </a:r>
+            <a:r>
+              <a:rPr lang="pt-BR" sz="2000" dirty="0">
+                <a:latin typeface="Times New Roman" panose="02020603050405020304" pitchFamily="18" charset="0"/>
+                <a:cs typeface="Times New Roman" panose="02020603050405020304" pitchFamily="18" charset="0"/>
+              </a:rPr>
+              <a:t>.</a:t>
+            </a:r>
+          </a:p>
+          <a:p>
+            <a:pPr marL="0" indent="0" algn="just">
+              <a:buNone/>
+            </a:pPr>
+            <a:endParaRPr lang="pt-BR" sz="2000" dirty="0">
+              <a:solidFill>
+                <a:schemeClr val="tx1"/>
+              </a:solidFill>
+              <a:latin typeface="Times New Roman" panose="02020603050405020304" pitchFamily="18" charset="0"/>
+              <a:cs typeface="Times New Roman" panose="02020603050405020304" pitchFamily="18" charset="0"/>
+            </a:endParaRPr>
+          </a:p>
+          <a:p>
+            <a:pPr marL="0" indent="0" algn="just">
+              <a:buNone/>
+            </a:pPr>
+            <a:r>
+              <a:rPr lang="pt-BR" sz="2000" b="1" dirty="0" err="1">
+                <a:solidFill>
+                  <a:schemeClr val="tx1"/>
+                </a:solidFill>
+                <a:latin typeface="Times New Roman" panose="02020603050405020304" pitchFamily="18" charset="0"/>
+                <a:cs typeface="Times New Roman" panose="02020603050405020304" pitchFamily="18" charset="0"/>
+              </a:rPr>
+              <a:t>Wiring</a:t>
+            </a:r>
+            <a:r>
+              <a:rPr lang="pt-BR" sz="2000" dirty="0">
+                <a:solidFill>
+                  <a:schemeClr val="tx1"/>
+                </a:solidFill>
+                <a:latin typeface="Times New Roman" panose="02020603050405020304" pitchFamily="18" charset="0"/>
+                <a:cs typeface="Times New Roman" panose="02020603050405020304" pitchFamily="18" charset="0"/>
+              </a:rPr>
+              <a:t> é uma </a:t>
+            </a:r>
+            <a:r>
+              <a:rPr lang="pt-BR" sz="2000" b="1" dirty="0">
+                <a:solidFill>
+                  <a:srgbClr val="FF0000"/>
+                </a:solidFill>
+                <a:latin typeface="Times New Roman" panose="02020603050405020304" pitchFamily="18" charset="0"/>
+                <a:cs typeface="Times New Roman" panose="02020603050405020304" pitchFamily="18" charset="0"/>
+              </a:rPr>
+              <a:t>plataforma de prototipagem eletrônica</a:t>
+            </a:r>
+            <a:r>
+              <a:rPr lang="pt-BR" sz="2000" dirty="0">
+                <a:solidFill>
+                  <a:schemeClr val="tx1"/>
+                </a:solidFill>
+                <a:latin typeface="Times New Roman" panose="02020603050405020304" pitchFamily="18" charset="0"/>
+                <a:cs typeface="Times New Roman" panose="02020603050405020304" pitchFamily="18" charset="0"/>
+              </a:rPr>
+              <a:t> de hardware livre composta por uma linguagem de programação, um ambiente de desenvolvimento integrado.</a:t>
+            </a:r>
+          </a:p>
+          <a:p>
+            <a:pPr marL="0" indent="0" algn="just">
+              <a:buNone/>
+            </a:pPr>
+            <a:endParaRPr lang="pt-BR" sz="2000" dirty="0">
+              <a:solidFill>
+                <a:schemeClr val="tx1"/>
+              </a:solidFill>
+              <a:latin typeface="Times New Roman" panose="02020603050405020304" pitchFamily="18" charset="0"/>
+              <a:cs typeface="Times New Roman" panose="02020603050405020304" pitchFamily="18" charset="0"/>
+            </a:endParaRPr>
+          </a:p>
+          <a:p>
+            <a:pPr marL="0" indent="0" algn="just">
+              <a:buNone/>
+            </a:pPr>
+            <a:r>
+              <a:rPr lang="pt-BR" sz="2000" dirty="0">
+                <a:solidFill>
+                  <a:schemeClr val="tx1"/>
+                </a:solidFill>
+                <a:latin typeface="Times New Roman" panose="02020603050405020304" pitchFamily="18" charset="0"/>
+                <a:cs typeface="Times New Roman" panose="02020603050405020304" pitchFamily="18" charset="0"/>
+              </a:rPr>
+              <a:t>Esta </a:t>
+            </a:r>
+            <a:r>
+              <a:rPr lang="pt-BR" sz="2000" b="1" dirty="0">
+                <a:solidFill>
+                  <a:schemeClr val="tx1"/>
+                </a:solidFill>
+                <a:latin typeface="Times New Roman" panose="02020603050405020304" pitchFamily="18" charset="0"/>
+                <a:cs typeface="Times New Roman" panose="02020603050405020304" pitchFamily="18" charset="0"/>
+              </a:rPr>
+              <a:t>plataforma </a:t>
+            </a:r>
+            <a:r>
+              <a:rPr lang="pt-BR" sz="2000" b="1" dirty="0" err="1">
+                <a:solidFill>
+                  <a:schemeClr val="tx1"/>
+                </a:solidFill>
+                <a:latin typeface="Times New Roman" panose="02020603050405020304" pitchFamily="18" charset="0"/>
+                <a:cs typeface="Times New Roman" panose="02020603050405020304" pitchFamily="18" charset="0"/>
+              </a:rPr>
+              <a:t>arduíno</a:t>
+            </a:r>
+            <a:r>
+              <a:rPr lang="pt-BR" sz="2000" dirty="0">
+                <a:solidFill>
+                  <a:schemeClr val="tx1"/>
+                </a:solidFill>
+                <a:latin typeface="Times New Roman" panose="02020603050405020304" pitchFamily="18" charset="0"/>
+                <a:cs typeface="Times New Roman" panose="02020603050405020304" pitchFamily="18" charset="0"/>
+              </a:rPr>
+              <a:t> foi desenvolvida em </a:t>
+            </a:r>
+            <a:r>
+              <a:rPr lang="pt-BR" sz="2000" b="1" dirty="0">
+                <a:solidFill>
+                  <a:schemeClr val="tx1"/>
+                </a:solidFill>
+                <a:latin typeface="Times New Roman" panose="02020603050405020304" pitchFamily="18" charset="0"/>
+                <a:cs typeface="Times New Roman" panose="02020603050405020304" pitchFamily="18" charset="0"/>
+              </a:rPr>
+              <a:t>Java. </a:t>
+            </a:r>
+            <a:r>
+              <a:rPr lang="pt-BR" sz="2000" dirty="0">
+                <a:solidFill>
+                  <a:schemeClr val="tx1"/>
+                </a:solidFill>
+                <a:latin typeface="Times New Roman" panose="02020603050405020304" pitchFamily="18" charset="0"/>
+                <a:cs typeface="Times New Roman" panose="02020603050405020304" pitchFamily="18" charset="0"/>
+              </a:rPr>
+              <a:t>Surgiu na Itália, em 2015.</a:t>
+            </a:r>
+          </a:p>
+        </p:txBody>
+      </p:sp>
+    </p:spTree>
+    <p:extLst>
+      <p:ext uri="{BB962C8B-B14F-4D97-AF65-F5344CB8AC3E}">
+        <p14:creationId xmlns:p14="http://schemas.microsoft.com/office/powerpoint/2010/main" val="1362980025"/>
+      </p:ext>
+    </p:extLst>
+  </p:cSld>
+  <p:clrMapOvr>
+    <a:masterClrMapping/>
+  </p:clrMapOvr>
+  <p:transition spd="med"/>
+</p:sld>
+</file>
+
+<file path=ppt/slides/slide4.xml><?xml version="1.0" encoding="utf-8"?>
+<p:sld xmlns:a="http://schemas.openxmlformats.org/drawingml/2006/main" xmlns:r="http://schemas.openxmlformats.org/officeDocument/2006/relationships" xmlns:p="http://schemas.openxmlformats.org/presentationml/2006/main">
+  <p:cSld>
+    <p:spTree>
+      <p:nvGrpSpPr>
+        <p:cNvPr id="1" name=""/>
+        <p:cNvGrpSpPr/>
+        <p:nvPr/>
+      </p:nvGrpSpPr>
+      <p:grpSpPr>
+        <a:xfrm>
+          <a:off x="0" y="0"/>
+          <a:ext cx="0" cy="0"/>
+          <a:chOff x="0" y="0"/>
+          <a:chExt cx="0" cy="0"/>
+        </a:xfrm>
+      </p:grpSpPr>
+      <p:sp>
+        <p:nvSpPr>
+          <p:cNvPr id="6" name="Title 1"/>
+          <p:cNvSpPr>
+            <a:spLocks noGrp="1"/>
+          </p:cNvSpPr>
+          <p:nvPr>
+            <p:ph type="title"/>
+          </p:nvPr>
+        </p:nvSpPr>
+        <p:spPr>
+          <a:xfrm>
+            <a:off x="457200" y="205980"/>
+            <a:ext cx="8229600" cy="857251"/>
+          </a:xfrm>
+        </p:spPr>
+        <p:txBody>
+          <a:bodyPr>
+            <a:normAutofit/>
+          </a:bodyPr>
+          <a:lstStyle/>
+          <a:p>
+            <a:r>
+              <a:rPr lang="pt-BR" b="1" dirty="0">
+                <a:solidFill>
+                  <a:srgbClr val="0070C0"/>
+                </a:solidFill>
+              </a:rPr>
+              <a:t>Aplicação na Plataforma Arduíno</a:t>
+            </a:r>
+            <a:endParaRPr lang="en-US" b="1" dirty="0">
+              <a:solidFill>
+                <a:srgbClr val="0070C0"/>
+              </a:solidFill>
+            </a:endParaRPr>
+          </a:p>
+        </p:txBody>
+      </p:sp>
+      <p:sp>
+        <p:nvSpPr>
+          <p:cNvPr id="8" name="Text Placeholder 2"/>
+          <p:cNvSpPr>
+            <a:spLocks noGrp="1"/>
+          </p:cNvSpPr>
+          <p:nvPr>
+            <p:ph type="body" sz="half" idx="1"/>
+          </p:nvPr>
+        </p:nvSpPr>
+        <p:spPr>
+          <a:xfrm>
+            <a:off x="142865" y="1200150"/>
+            <a:ext cx="8865056" cy="3737370"/>
+          </a:xfrm>
+        </p:spPr>
+        <p:txBody>
+          <a:bodyPr>
+            <a:noAutofit/>
+          </a:bodyPr>
+          <a:lstStyle/>
+          <a:p>
+            <a:pPr marL="0" indent="0" algn="just">
+              <a:buNone/>
+            </a:pPr>
+            <a:r>
+              <a:rPr lang="pt-BR" sz="2000" b="1" dirty="0">
+                <a:solidFill>
+                  <a:schemeClr val="tx1"/>
+                </a:solidFill>
+                <a:latin typeface="Times New Roman" panose="02020603050405020304" pitchFamily="18" charset="0"/>
+                <a:cs typeface="Times New Roman" panose="02020603050405020304" pitchFamily="18" charset="0"/>
+              </a:rPr>
+              <a:t>Plataformas</a:t>
+            </a:r>
+            <a:r>
+              <a:rPr lang="pt-BR" sz="2000" dirty="0">
+                <a:solidFill>
+                  <a:schemeClr val="tx1"/>
+                </a:solidFill>
+                <a:latin typeface="Times New Roman" panose="02020603050405020304" pitchFamily="18" charset="0"/>
+                <a:cs typeface="Times New Roman" panose="02020603050405020304" pitchFamily="18" charset="0"/>
+              </a:rPr>
+              <a:t>: C; C++; Python, Lua.</a:t>
+            </a:r>
+          </a:p>
+          <a:p>
+            <a:pPr marL="0" indent="0" algn="just">
+              <a:buNone/>
+            </a:pPr>
+            <a:endParaRPr lang="pt-BR" sz="2000" dirty="0">
+              <a:solidFill>
+                <a:schemeClr val="tx1"/>
+              </a:solidFill>
+              <a:latin typeface="Times New Roman" panose="02020603050405020304" pitchFamily="18" charset="0"/>
+              <a:cs typeface="Times New Roman" panose="02020603050405020304" pitchFamily="18" charset="0"/>
+            </a:endParaRPr>
+          </a:p>
+          <a:p>
+            <a:pPr marL="0" indent="0" algn="just">
+              <a:buNone/>
+            </a:pPr>
+            <a:r>
+              <a:rPr lang="pt-BR" sz="2000" b="1" dirty="0">
+                <a:solidFill>
+                  <a:schemeClr val="tx1"/>
+                </a:solidFill>
+                <a:latin typeface="Times New Roman" panose="02020603050405020304" pitchFamily="18" charset="0"/>
+                <a:cs typeface="Times New Roman" panose="02020603050405020304" pitchFamily="18" charset="0"/>
+              </a:rPr>
+              <a:t>Sistemas Operacionais</a:t>
+            </a:r>
+            <a:r>
+              <a:rPr lang="pt-BR" sz="2000" dirty="0">
+                <a:solidFill>
+                  <a:schemeClr val="tx1"/>
+                </a:solidFill>
+                <a:latin typeface="Times New Roman" panose="02020603050405020304" pitchFamily="18" charset="0"/>
+                <a:cs typeface="Times New Roman" panose="02020603050405020304" pitchFamily="18" charset="0"/>
+              </a:rPr>
+              <a:t>: Windows, Linux e Mac OS</a:t>
+            </a:r>
+          </a:p>
+          <a:p>
+            <a:pPr marL="0" indent="0" algn="just">
+              <a:buNone/>
+            </a:pPr>
+            <a:endParaRPr lang="pt-BR" sz="2000" dirty="0">
+              <a:solidFill>
+                <a:schemeClr val="tx1"/>
+              </a:solidFill>
+              <a:latin typeface="Times New Roman" panose="02020603050405020304" pitchFamily="18" charset="0"/>
+              <a:cs typeface="Times New Roman" panose="02020603050405020304" pitchFamily="18" charset="0"/>
+            </a:endParaRPr>
+          </a:p>
+          <a:p>
+            <a:pPr marL="0" indent="0" algn="just">
+              <a:buNone/>
+            </a:pPr>
+            <a:r>
+              <a:rPr lang="pt-BR" sz="2000" b="1" dirty="0">
+                <a:solidFill>
+                  <a:schemeClr val="tx1"/>
+                </a:solidFill>
+                <a:latin typeface="Times New Roman" panose="02020603050405020304" pitchFamily="18" charset="0"/>
+                <a:cs typeface="Times New Roman" panose="02020603050405020304" pitchFamily="18" charset="0"/>
+              </a:rPr>
+              <a:t>Arduíno</a:t>
+            </a:r>
+            <a:r>
+              <a:rPr lang="pt-BR" sz="2000" dirty="0">
+                <a:solidFill>
+                  <a:schemeClr val="tx1"/>
+                </a:solidFill>
+                <a:latin typeface="Times New Roman" panose="02020603050405020304" pitchFamily="18" charset="0"/>
+                <a:cs typeface="Times New Roman" panose="02020603050405020304" pitchFamily="18" charset="0"/>
+              </a:rPr>
+              <a:t> serve para </a:t>
+            </a:r>
+            <a:r>
+              <a:rPr lang="pt-BR" sz="2000" b="1" dirty="0">
+                <a:solidFill>
+                  <a:srgbClr val="FF0000"/>
+                </a:solidFill>
+                <a:latin typeface="Times New Roman" panose="02020603050405020304" pitchFamily="18" charset="0"/>
+                <a:cs typeface="Times New Roman" panose="02020603050405020304" pitchFamily="18" charset="0"/>
+              </a:rPr>
+              <a:t>facilitar o aprendizado de programação</a:t>
+            </a:r>
+            <a:r>
+              <a:rPr lang="pt-BR" sz="2000" dirty="0">
+                <a:solidFill>
+                  <a:schemeClr val="tx1"/>
+                </a:solidFill>
+                <a:latin typeface="Times New Roman" panose="02020603050405020304" pitchFamily="18" charset="0"/>
+                <a:cs typeface="Times New Roman" panose="02020603050405020304" pitchFamily="18" charset="0"/>
+              </a:rPr>
+              <a:t>, ensinando as pessoas a desenvolverem </a:t>
+            </a:r>
+            <a:r>
+              <a:rPr lang="pt-BR" sz="2000" b="1" dirty="0">
+                <a:solidFill>
+                  <a:schemeClr val="tx1"/>
+                </a:solidFill>
+                <a:latin typeface="Times New Roman" panose="02020603050405020304" pitchFamily="18" charset="0"/>
+                <a:cs typeface="Times New Roman" panose="02020603050405020304" pitchFamily="18" charset="0"/>
+              </a:rPr>
+              <a:t>projetos de eletrônica</a:t>
+            </a:r>
+            <a:r>
+              <a:rPr lang="pt-BR" sz="2000" dirty="0">
+                <a:solidFill>
+                  <a:schemeClr val="tx1"/>
+                </a:solidFill>
+                <a:latin typeface="Times New Roman" panose="02020603050405020304" pitchFamily="18" charset="0"/>
+                <a:cs typeface="Times New Roman" panose="02020603050405020304" pitchFamily="18" charset="0"/>
+              </a:rPr>
+              <a:t> e de </a:t>
+            </a:r>
+            <a:r>
+              <a:rPr lang="pt-BR" sz="2000" b="1" dirty="0">
+                <a:solidFill>
+                  <a:srgbClr val="FF0000"/>
+                </a:solidFill>
+                <a:latin typeface="Times New Roman" panose="02020603050405020304" pitchFamily="18" charset="0"/>
+                <a:cs typeface="Times New Roman" panose="02020603050405020304" pitchFamily="18" charset="0"/>
+              </a:rPr>
+              <a:t>robótica, automatizar escritório, criar um novo brinquedo ou jogos</a:t>
+            </a:r>
+            <a:r>
+              <a:rPr lang="pt-BR" sz="2000" dirty="0">
+                <a:solidFill>
+                  <a:schemeClr val="tx1"/>
+                </a:solidFill>
+                <a:latin typeface="Times New Roman" panose="02020603050405020304" pitchFamily="18" charset="0"/>
+                <a:cs typeface="Times New Roman" panose="02020603050405020304" pitchFamily="18" charset="0"/>
+              </a:rPr>
+              <a:t>, </a:t>
+            </a:r>
+            <a:r>
+              <a:rPr lang="pt-BR" sz="2000" dirty="0" err="1">
+                <a:solidFill>
+                  <a:schemeClr val="tx1"/>
+                </a:solidFill>
+                <a:latin typeface="Times New Roman" panose="02020603050405020304" pitchFamily="18" charset="0"/>
+                <a:cs typeface="Times New Roman" panose="02020603050405020304" pitchFamily="18" charset="0"/>
+              </a:rPr>
+              <a:t>etc</a:t>
+            </a:r>
+            <a:endParaRPr lang="pt-BR" sz="2000" dirty="0">
+              <a:solidFill>
+                <a:schemeClr val="tx1"/>
+              </a:solidFill>
+              <a:latin typeface="Times New Roman" panose="02020603050405020304" pitchFamily="18" charset="0"/>
+              <a:cs typeface="Times New Roman" panose="02020603050405020304" pitchFamily="18" charset="0"/>
+            </a:endParaRPr>
+          </a:p>
+          <a:p>
+            <a:pPr marL="0" indent="0" algn="just">
+              <a:buNone/>
+            </a:pPr>
+            <a:endParaRPr lang="pt-BR" sz="2000" dirty="0">
+              <a:solidFill>
+                <a:schemeClr val="tx1"/>
+              </a:solidFill>
+              <a:latin typeface="Times New Roman" panose="02020603050405020304" pitchFamily="18" charset="0"/>
+              <a:cs typeface="Times New Roman" panose="02020603050405020304" pitchFamily="18" charset="0"/>
+            </a:endParaRPr>
+          </a:p>
+          <a:p>
+            <a:pPr marL="0" indent="0" algn="just">
+              <a:buNone/>
+            </a:pPr>
+            <a:endParaRPr lang="pt-BR" sz="2000" dirty="0">
+              <a:solidFill>
+                <a:schemeClr val="tx1"/>
+              </a:solidFill>
+              <a:latin typeface="Times New Roman" panose="02020603050405020304" pitchFamily="18" charset="0"/>
+              <a:cs typeface="Times New Roman" panose="02020603050405020304" pitchFamily="18" charset="0"/>
+            </a:endParaRPr>
+          </a:p>
+        </p:txBody>
+      </p:sp>
+    </p:spTree>
+    <p:extLst>
+      <p:ext uri="{BB962C8B-B14F-4D97-AF65-F5344CB8AC3E}">
+        <p14:creationId xmlns:p14="http://schemas.microsoft.com/office/powerpoint/2010/main" val="3844788390"/>
+      </p:ext>
+    </p:extLst>
+  </p:cSld>
+  <p:clrMapOvr>
+    <a:masterClrMapping/>
+  </p:clrMapOvr>
+  <p:transition spd="med"/>
+</p:sld>
+</file>
+
+<file path=ppt/slides/slide5.xml><?xml version="1.0" encoding="utf-8"?>
+<p:sld xmlns:a="http://schemas.openxmlformats.org/drawingml/2006/main" xmlns:r="http://schemas.openxmlformats.org/officeDocument/2006/relationships" xmlns:p="http://schemas.openxmlformats.org/presentationml/2006/main">
+  <p:cSld>
+    <p:spTree>
+      <p:nvGrpSpPr>
+        <p:cNvPr id="1" name=""/>
+        <p:cNvGrpSpPr/>
+        <p:nvPr/>
+      </p:nvGrpSpPr>
+      <p:grpSpPr>
+        <a:xfrm>
+          <a:off x="0" y="0"/>
+          <a:ext cx="0" cy="0"/>
+          <a:chOff x="0" y="0"/>
+          <a:chExt cx="0" cy="0"/>
+        </a:xfrm>
+      </p:grpSpPr>
+      <p:sp>
+        <p:nvSpPr>
+          <p:cNvPr id="6" name="Title 1"/>
+          <p:cNvSpPr>
+            <a:spLocks noGrp="1"/>
+          </p:cNvSpPr>
+          <p:nvPr>
+            <p:ph type="title"/>
+          </p:nvPr>
+        </p:nvSpPr>
+        <p:spPr>
+          <a:xfrm>
+            <a:off x="457200" y="205980"/>
+            <a:ext cx="8229600" cy="857251"/>
+          </a:xfrm>
+        </p:spPr>
+        <p:txBody>
+          <a:bodyPr>
+            <a:normAutofit/>
+          </a:bodyPr>
+          <a:lstStyle/>
+          <a:p>
+            <a:r>
+              <a:rPr lang="pt-BR" b="1" dirty="0">
+                <a:solidFill>
+                  <a:srgbClr val="0070C0"/>
+                </a:solidFill>
+              </a:rPr>
+              <a:t>Razões na Plataforma Arduíno</a:t>
+            </a:r>
+            <a:endParaRPr lang="en-US" b="1" dirty="0">
+              <a:solidFill>
+                <a:srgbClr val="0070C0"/>
+              </a:solidFill>
+            </a:endParaRPr>
+          </a:p>
+        </p:txBody>
+      </p:sp>
+      <p:sp>
+        <p:nvSpPr>
+          <p:cNvPr id="8" name="Text Placeholder 2"/>
+          <p:cNvSpPr>
+            <a:spLocks noGrp="1"/>
+          </p:cNvSpPr>
+          <p:nvPr>
+            <p:ph type="body" sz="half" idx="1"/>
+          </p:nvPr>
+        </p:nvSpPr>
+        <p:spPr>
+          <a:xfrm>
+            <a:off x="142865" y="1200150"/>
+            <a:ext cx="8865056" cy="3737370"/>
+          </a:xfrm>
+        </p:spPr>
+        <p:txBody>
+          <a:bodyPr>
+            <a:noAutofit/>
+          </a:bodyPr>
+          <a:lstStyle/>
+          <a:p>
+            <a:pPr algn="just">
+              <a:buFont typeface="Wingdings" panose="05000000000000000000" pitchFamily="2" charset="2"/>
+              <a:buChar char="§"/>
+            </a:pPr>
+            <a:r>
+              <a:rPr lang="pt-BR" sz="2000" dirty="0">
+                <a:solidFill>
+                  <a:schemeClr val="tx1"/>
+                </a:solidFill>
+                <a:latin typeface="Times New Roman" panose="02020603050405020304" pitchFamily="18" charset="0"/>
+                <a:cs typeface="Times New Roman" panose="02020603050405020304" pitchFamily="18" charset="0"/>
+              </a:rPr>
+              <a:t>Baixo custo de prototipagem</a:t>
+            </a:r>
+          </a:p>
+          <a:p>
+            <a:pPr algn="just">
+              <a:buFont typeface="Wingdings" panose="05000000000000000000" pitchFamily="2" charset="2"/>
+              <a:buChar char="§"/>
+            </a:pPr>
+            <a:endParaRPr lang="pt-BR" sz="2000" dirty="0">
+              <a:solidFill>
+                <a:schemeClr val="tx1"/>
+              </a:solidFill>
+              <a:latin typeface="Times New Roman" panose="02020603050405020304" pitchFamily="18" charset="0"/>
+              <a:cs typeface="Times New Roman" panose="02020603050405020304" pitchFamily="18" charset="0"/>
+            </a:endParaRPr>
+          </a:p>
+          <a:p>
+            <a:pPr algn="just">
+              <a:buFont typeface="Wingdings" panose="05000000000000000000" pitchFamily="2" charset="2"/>
+              <a:buChar char="§"/>
+            </a:pPr>
+            <a:r>
+              <a:rPr lang="pt-BR" sz="2000" dirty="0">
+                <a:solidFill>
+                  <a:schemeClr val="tx1"/>
+                </a:solidFill>
+                <a:latin typeface="Times New Roman" panose="02020603050405020304" pitchFamily="18" charset="0"/>
+                <a:cs typeface="Times New Roman" panose="02020603050405020304" pitchFamily="18" charset="0"/>
+              </a:rPr>
+              <a:t>Softwares de simulação gratuitos disponíveis</a:t>
+            </a:r>
+          </a:p>
+          <a:p>
+            <a:pPr algn="just">
+              <a:buFont typeface="Wingdings" panose="05000000000000000000" pitchFamily="2" charset="2"/>
+              <a:buChar char="§"/>
+            </a:pPr>
+            <a:endParaRPr lang="pt-BR" sz="2000" dirty="0">
+              <a:solidFill>
+                <a:schemeClr val="tx1"/>
+              </a:solidFill>
+              <a:latin typeface="Times New Roman" panose="02020603050405020304" pitchFamily="18" charset="0"/>
+              <a:cs typeface="Times New Roman" panose="02020603050405020304" pitchFamily="18" charset="0"/>
+            </a:endParaRPr>
+          </a:p>
+          <a:p>
+            <a:pPr algn="just">
+              <a:buFont typeface="Wingdings" panose="05000000000000000000" pitchFamily="2" charset="2"/>
+              <a:buChar char="§"/>
+            </a:pPr>
+            <a:r>
+              <a:rPr lang="pt-BR" sz="2000" dirty="0">
+                <a:solidFill>
+                  <a:schemeClr val="tx1"/>
+                </a:solidFill>
+                <a:latin typeface="Times New Roman" panose="02020603050405020304" pitchFamily="18" charset="0"/>
+                <a:cs typeface="Times New Roman" panose="02020603050405020304" pitchFamily="18" charset="0"/>
+              </a:rPr>
+              <a:t>Fácil de programar</a:t>
+            </a:r>
+          </a:p>
+          <a:p>
+            <a:pPr algn="just">
+              <a:buFont typeface="Wingdings" panose="05000000000000000000" pitchFamily="2" charset="2"/>
+              <a:buChar char="§"/>
+            </a:pPr>
+            <a:endParaRPr lang="pt-BR" sz="2000" dirty="0">
+              <a:solidFill>
+                <a:schemeClr val="tx1"/>
+              </a:solidFill>
+              <a:latin typeface="Times New Roman" panose="02020603050405020304" pitchFamily="18" charset="0"/>
+              <a:cs typeface="Times New Roman" panose="02020603050405020304" pitchFamily="18" charset="0"/>
+            </a:endParaRPr>
+          </a:p>
+          <a:p>
+            <a:pPr algn="just">
+              <a:buFont typeface="Wingdings" panose="05000000000000000000" pitchFamily="2" charset="2"/>
+              <a:buChar char="§"/>
+            </a:pPr>
+            <a:r>
+              <a:rPr lang="pt-BR" sz="2000" dirty="0">
+                <a:solidFill>
+                  <a:schemeClr val="tx1"/>
+                </a:solidFill>
+                <a:latin typeface="Times New Roman" panose="02020603050405020304" pitchFamily="18" charset="0"/>
+                <a:cs typeface="Times New Roman" panose="02020603050405020304" pitchFamily="18" charset="0"/>
+              </a:rPr>
+              <a:t>Grande número de tutoriais, artigos e projetos prontos na internet</a:t>
+            </a:r>
+          </a:p>
+          <a:p>
+            <a:pPr algn="just">
+              <a:buFont typeface="Wingdings" panose="05000000000000000000" pitchFamily="2" charset="2"/>
+              <a:buChar char="§"/>
+            </a:pPr>
+            <a:endParaRPr lang="pt-BR" sz="2000" dirty="0">
+              <a:solidFill>
+                <a:schemeClr val="tx1"/>
+              </a:solidFill>
+              <a:latin typeface="Times New Roman" panose="02020603050405020304" pitchFamily="18" charset="0"/>
+              <a:cs typeface="Times New Roman" panose="02020603050405020304" pitchFamily="18" charset="0"/>
+            </a:endParaRPr>
+          </a:p>
+          <a:p>
+            <a:pPr algn="just">
+              <a:buFont typeface="Wingdings" panose="05000000000000000000" pitchFamily="2" charset="2"/>
+              <a:buChar char="§"/>
+            </a:pPr>
+            <a:r>
+              <a:rPr lang="pt-BR" sz="2000" dirty="0">
+                <a:solidFill>
+                  <a:schemeClr val="tx1"/>
+                </a:solidFill>
+                <a:latin typeface="Times New Roman" panose="02020603050405020304" pitchFamily="18" charset="0"/>
+                <a:cs typeface="Times New Roman" panose="02020603050405020304" pitchFamily="18" charset="0"/>
+              </a:rPr>
+              <a:t>Não requer experiência ou grandes conhecimentos prévios de eletrônica/programação.</a:t>
+            </a:r>
+          </a:p>
+          <a:p>
+            <a:pPr algn="just">
+              <a:buFont typeface="Wingdings" panose="05000000000000000000" pitchFamily="2" charset="2"/>
+              <a:buChar char="§"/>
+            </a:pPr>
+            <a:endParaRPr lang="pt-BR" sz="2000" dirty="0">
+              <a:solidFill>
+                <a:schemeClr val="tx1"/>
+              </a:solidFill>
+              <a:latin typeface="Times New Roman" panose="02020603050405020304" pitchFamily="18" charset="0"/>
+              <a:cs typeface="Times New Roman" panose="02020603050405020304" pitchFamily="18" charset="0"/>
+            </a:endParaRPr>
+          </a:p>
+        </p:txBody>
+      </p:sp>
+    </p:spTree>
+    <p:extLst>
+      <p:ext uri="{BB962C8B-B14F-4D97-AF65-F5344CB8AC3E}">
+        <p14:creationId xmlns:p14="http://schemas.microsoft.com/office/powerpoint/2010/main" val="576141583"/>
+      </p:ext>
+    </p:extLst>
+  </p:cSld>
+  <p:clrMapOvr>
+    <a:masterClrMapping/>
+  </p:clrMapOvr>
+  <p:transition spd="med"/>
+</p:sld>
+</file>
+
+<file path=ppt/slides/slide6.xml><?xml version="1.0" encoding="utf-8"?>
+<p:sld xmlns:a="http://schemas.openxmlformats.org/drawingml/2006/main" xmlns:r="http://schemas.openxmlformats.org/officeDocument/2006/relationships" xmlns:p="http://schemas.openxmlformats.org/presentationml/2006/main">
+  <p:cSld>
+    <p:spTree>
+      <p:nvGrpSpPr>
+        <p:cNvPr id="1" name=""/>
+        <p:cNvGrpSpPr/>
+        <p:nvPr/>
+      </p:nvGrpSpPr>
+      <p:grpSpPr>
+        <a:xfrm>
+          <a:off x="0" y="0"/>
+          <a:ext cx="0" cy="0"/>
+          <a:chOff x="0" y="0"/>
+          <a:chExt cx="0" cy="0"/>
+        </a:xfrm>
+      </p:grpSpPr>
+      <p:sp>
+        <p:nvSpPr>
+          <p:cNvPr id="6" name="Title 1"/>
+          <p:cNvSpPr>
+            <a:spLocks noGrp="1"/>
+          </p:cNvSpPr>
+          <p:nvPr>
+            <p:ph type="title"/>
+          </p:nvPr>
+        </p:nvSpPr>
+        <p:spPr>
+          <a:xfrm>
+            <a:off x="457200" y="205980"/>
+            <a:ext cx="8229600" cy="857251"/>
+          </a:xfrm>
+        </p:spPr>
+        <p:txBody>
+          <a:bodyPr>
+            <a:normAutofit/>
+          </a:bodyPr>
+          <a:lstStyle/>
+          <a:p>
+            <a:r>
+              <a:rPr lang="pt-BR" b="1" dirty="0">
+                <a:solidFill>
+                  <a:srgbClr val="0070C0"/>
+                </a:solidFill>
+              </a:rPr>
+              <a:t>Plataforma Arduíno</a:t>
+            </a:r>
+            <a:endParaRPr lang="en-US" b="1" dirty="0">
+              <a:solidFill>
+                <a:srgbClr val="0070C0"/>
+              </a:solidFill>
+            </a:endParaRPr>
+          </a:p>
+        </p:txBody>
+      </p:sp>
+      <p:sp>
+        <p:nvSpPr>
+          <p:cNvPr id="8" name="Text Placeholder 2"/>
+          <p:cNvSpPr>
+            <a:spLocks noGrp="1"/>
+          </p:cNvSpPr>
+          <p:nvPr>
+            <p:ph type="body" sz="half" idx="1"/>
+          </p:nvPr>
+        </p:nvSpPr>
+        <p:spPr>
+          <a:xfrm>
+            <a:off x="142865" y="1200150"/>
+            <a:ext cx="8865056" cy="3737370"/>
+          </a:xfrm>
+        </p:spPr>
+        <p:txBody>
+          <a:bodyPr>
+            <a:noAutofit/>
+          </a:bodyPr>
+          <a:lstStyle/>
+          <a:p>
+            <a:pPr marL="0" indent="0" algn="just">
+              <a:buNone/>
+            </a:pPr>
+            <a:r>
+              <a:rPr lang="pt-BR" sz="2000" dirty="0">
+                <a:solidFill>
+                  <a:schemeClr val="tx1"/>
+                </a:solidFill>
+                <a:latin typeface="Times New Roman" panose="02020603050405020304" pitchFamily="18" charset="0"/>
+                <a:cs typeface="Times New Roman" panose="02020603050405020304" pitchFamily="18" charset="0"/>
+              </a:rPr>
+              <a:t>O </a:t>
+            </a:r>
+            <a:r>
+              <a:rPr lang="pt-BR" sz="2000" b="1" dirty="0">
+                <a:solidFill>
+                  <a:schemeClr val="tx1"/>
+                </a:solidFill>
+                <a:latin typeface="Times New Roman" panose="02020603050405020304" pitchFamily="18" charset="0"/>
+                <a:cs typeface="Times New Roman" panose="02020603050405020304" pitchFamily="18" charset="0"/>
+              </a:rPr>
+              <a:t>Arduino</a:t>
+            </a:r>
+            <a:r>
+              <a:rPr lang="pt-BR" sz="2000" dirty="0">
+                <a:solidFill>
+                  <a:schemeClr val="tx1"/>
+                </a:solidFill>
+                <a:latin typeface="Times New Roman" panose="02020603050405020304" pitchFamily="18" charset="0"/>
+                <a:cs typeface="Times New Roman" panose="02020603050405020304" pitchFamily="18" charset="0"/>
+              </a:rPr>
+              <a:t> não é a única </a:t>
+            </a:r>
+            <a:r>
+              <a:rPr lang="pt-BR" sz="2000" b="1" dirty="0">
+                <a:solidFill>
+                  <a:srgbClr val="FF0000"/>
+                </a:solidFill>
+                <a:latin typeface="Times New Roman" panose="02020603050405020304" pitchFamily="18" charset="0"/>
+                <a:cs typeface="Times New Roman" panose="02020603050405020304" pitchFamily="18" charset="0"/>
+              </a:rPr>
+              <a:t>plataforma de prototipagem eletrônica</a:t>
+            </a:r>
+            <a:r>
+              <a:rPr lang="pt-BR" sz="2000" dirty="0">
+                <a:solidFill>
+                  <a:schemeClr val="tx1"/>
+                </a:solidFill>
+                <a:latin typeface="Times New Roman" panose="02020603050405020304" pitchFamily="18" charset="0"/>
+                <a:cs typeface="Times New Roman" panose="02020603050405020304" pitchFamily="18" charset="0"/>
+              </a:rPr>
+              <a:t> do mercado. Existem outras, tais como: </a:t>
+            </a:r>
+            <a:r>
+              <a:rPr lang="pt-BR" sz="2000" b="1" dirty="0" err="1">
+                <a:solidFill>
+                  <a:schemeClr val="tx1"/>
+                </a:solidFill>
+                <a:latin typeface="Times New Roman" panose="02020603050405020304" pitchFamily="18" charset="0"/>
+                <a:cs typeface="Times New Roman" panose="02020603050405020304" pitchFamily="18" charset="0"/>
+              </a:rPr>
+              <a:t>Raspberry</a:t>
+            </a:r>
+            <a:r>
+              <a:rPr lang="pt-BR" sz="2000" b="1" dirty="0">
+                <a:solidFill>
+                  <a:schemeClr val="tx1"/>
+                </a:solidFill>
+                <a:latin typeface="Times New Roman" panose="02020603050405020304" pitchFamily="18" charset="0"/>
+                <a:cs typeface="Times New Roman" panose="02020603050405020304" pitchFamily="18" charset="0"/>
+              </a:rPr>
+              <a:t> Pi, </a:t>
+            </a:r>
+            <a:r>
+              <a:rPr lang="pt-BR" sz="2000" b="1" dirty="0" err="1">
+                <a:solidFill>
+                  <a:srgbClr val="FF0000"/>
+                </a:solidFill>
+                <a:latin typeface="Times New Roman" panose="02020603050405020304" pitchFamily="18" charset="0"/>
+                <a:cs typeface="Times New Roman" panose="02020603050405020304" pitchFamily="18" charset="0"/>
+              </a:rPr>
+              <a:t>Fritzing</a:t>
+            </a:r>
+            <a:r>
+              <a:rPr lang="pt-BR" sz="2000" dirty="0">
+                <a:solidFill>
+                  <a:schemeClr val="tx1"/>
+                </a:solidFill>
+                <a:latin typeface="Times New Roman" panose="02020603050405020304" pitchFamily="18" charset="0"/>
+                <a:cs typeface="Times New Roman" panose="02020603050405020304" pitchFamily="18" charset="0"/>
+              </a:rPr>
+              <a:t> e o </a:t>
+            </a:r>
+            <a:r>
+              <a:rPr lang="pt-BR" sz="2000" b="1" dirty="0" err="1">
+                <a:solidFill>
+                  <a:schemeClr val="tx1"/>
+                </a:solidFill>
+                <a:latin typeface="Times New Roman" panose="02020603050405020304" pitchFamily="18" charset="0"/>
+                <a:cs typeface="Times New Roman" panose="02020603050405020304" pitchFamily="18" charset="0"/>
+              </a:rPr>
+              <a:t>BeagleBone</a:t>
+            </a:r>
+            <a:r>
+              <a:rPr lang="pt-BR" sz="2000" dirty="0">
+                <a:solidFill>
+                  <a:schemeClr val="tx1"/>
+                </a:solidFill>
+                <a:latin typeface="Times New Roman" panose="02020603050405020304" pitchFamily="18" charset="0"/>
+                <a:cs typeface="Times New Roman" panose="02020603050405020304" pitchFamily="18" charset="0"/>
+              </a:rPr>
+              <a:t>.</a:t>
+            </a:r>
+          </a:p>
+          <a:p>
+            <a:pPr marL="0" indent="0" algn="just">
+              <a:buNone/>
+            </a:pPr>
+            <a:endParaRPr lang="pt-BR" sz="2000" dirty="0">
+              <a:solidFill>
+                <a:schemeClr val="tx1"/>
+              </a:solidFill>
+              <a:latin typeface="Times New Roman" panose="02020603050405020304" pitchFamily="18" charset="0"/>
+              <a:cs typeface="Times New Roman" panose="02020603050405020304" pitchFamily="18" charset="0"/>
+            </a:endParaRPr>
+          </a:p>
+          <a:p>
+            <a:pPr marL="0" indent="0" algn="just">
+              <a:buNone/>
+            </a:pPr>
+            <a:r>
+              <a:rPr lang="pt-BR" sz="2000" dirty="0">
+                <a:solidFill>
+                  <a:schemeClr val="tx1"/>
+                </a:solidFill>
+                <a:latin typeface="Times New Roman" panose="02020603050405020304" pitchFamily="18" charset="0"/>
+                <a:cs typeface="Times New Roman" panose="02020603050405020304" pitchFamily="18" charset="0"/>
+              </a:rPr>
+              <a:t>Cada qual utiliza um microcontrolador diferente e possui projeto de hardware com características próprias.</a:t>
+            </a:r>
+          </a:p>
+          <a:p>
+            <a:pPr marL="0" indent="0" algn="just">
+              <a:buNone/>
+            </a:pPr>
+            <a:endParaRPr lang="pt-BR" sz="2000" dirty="0">
+              <a:solidFill>
+                <a:schemeClr val="tx1"/>
+              </a:solidFill>
+              <a:latin typeface="Times New Roman" panose="02020603050405020304" pitchFamily="18" charset="0"/>
+              <a:cs typeface="Times New Roman" panose="02020603050405020304" pitchFamily="18" charset="0"/>
+            </a:endParaRPr>
+          </a:p>
+          <a:p>
+            <a:pPr marL="0" indent="0" algn="just">
+              <a:buNone/>
+            </a:pPr>
+            <a:r>
+              <a:rPr lang="pt-BR" sz="2000" dirty="0">
+                <a:solidFill>
+                  <a:schemeClr val="tx1"/>
+                </a:solidFill>
+                <a:latin typeface="Times New Roman" panose="02020603050405020304" pitchFamily="18" charset="0"/>
+                <a:cs typeface="Times New Roman" panose="02020603050405020304" pitchFamily="18" charset="0"/>
+              </a:rPr>
+              <a:t>A escolha de qual kit de prototipagem utilizar depende das demandas e necessidades que o seu projeto impõe.</a:t>
+            </a:r>
+          </a:p>
+        </p:txBody>
+      </p:sp>
+    </p:spTree>
+    <p:extLst>
+      <p:ext uri="{BB962C8B-B14F-4D97-AF65-F5344CB8AC3E}">
+        <p14:creationId xmlns:p14="http://schemas.microsoft.com/office/powerpoint/2010/main" val="1266298396"/>
+      </p:ext>
+    </p:extLst>
+  </p:cSld>
+  <p:clrMapOvr>
+    <a:masterClrMapping/>
+  </p:clrMapOvr>
+  <p:transition spd="med"/>
+</p:sld>
+</file>
+
+<file path=ppt/slides/slide7.xml><?xml version="1.0" encoding="utf-8"?>
+<p:sld xmlns:a="http://schemas.openxmlformats.org/drawingml/2006/main" xmlns:r="http://schemas.openxmlformats.org/officeDocument/2006/relationships" xmlns:p="http://schemas.openxmlformats.org/presentationml/2006/main">
+  <p:cSld>
+    <p:spTree>
+      <p:nvGrpSpPr>
+        <p:cNvPr id="1" name=""/>
+        <p:cNvGrpSpPr/>
+        <p:nvPr/>
+      </p:nvGrpSpPr>
+      <p:grpSpPr>
+        <a:xfrm>
+          <a:off x="0" y="0"/>
+          <a:ext cx="0" cy="0"/>
+          <a:chOff x="0" y="0"/>
+          <a:chExt cx="0" cy="0"/>
+        </a:xfrm>
+      </p:grpSpPr>
+      <p:sp>
+        <p:nvSpPr>
+          <p:cNvPr id="6" name="Title 1"/>
+          <p:cNvSpPr>
+            <a:spLocks noGrp="1"/>
+          </p:cNvSpPr>
+          <p:nvPr>
+            <p:ph type="title"/>
+          </p:nvPr>
+        </p:nvSpPr>
+        <p:spPr>
+          <a:xfrm>
+            <a:off x="457200" y="205980"/>
+            <a:ext cx="8229600" cy="857251"/>
+          </a:xfrm>
+        </p:spPr>
+        <p:txBody>
+          <a:bodyPr>
+            <a:normAutofit/>
+          </a:bodyPr>
+          <a:lstStyle/>
+          <a:p>
+            <a:r>
+              <a:rPr lang="pt-BR" b="1" dirty="0">
+                <a:solidFill>
+                  <a:srgbClr val="0070C0"/>
+                </a:solidFill>
+              </a:rPr>
+              <a:t>Placa Arduíno</a:t>
+            </a:r>
+            <a:endParaRPr lang="en-US" b="1" dirty="0">
+              <a:solidFill>
+                <a:srgbClr val="0070C0"/>
+              </a:solidFill>
+            </a:endParaRPr>
+          </a:p>
+        </p:txBody>
+      </p:sp>
+      <p:sp>
+        <p:nvSpPr>
+          <p:cNvPr id="8" name="Text Placeholder 2"/>
+          <p:cNvSpPr>
+            <a:spLocks noGrp="1"/>
+          </p:cNvSpPr>
+          <p:nvPr>
+            <p:ph type="body" sz="half" idx="1"/>
+          </p:nvPr>
+        </p:nvSpPr>
+        <p:spPr>
+          <a:xfrm>
+            <a:off x="142865" y="968502"/>
+            <a:ext cx="8865056" cy="4054602"/>
+          </a:xfrm>
+        </p:spPr>
+        <p:txBody>
+          <a:bodyPr>
+            <a:noAutofit/>
+          </a:bodyPr>
+          <a:lstStyle/>
+          <a:p>
+            <a:pPr marL="0" indent="0" algn="just">
+              <a:buNone/>
+            </a:pPr>
+            <a:endParaRPr lang="pt-BR" sz="2000" dirty="0">
+              <a:solidFill>
+                <a:schemeClr val="tx1"/>
+              </a:solidFill>
+              <a:latin typeface="Times New Roman" panose="02020603050405020304" pitchFamily="18" charset="0"/>
+              <a:cs typeface="Times New Roman" panose="02020603050405020304" pitchFamily="18" charset="0"/>
+            </a:endParaRPr>
+          </a:p>
+        </p:txBody>
+      </p:sp>
+      <p:pic>
+        <p:nvPicPr>
+          <p:cNvPr id="3" name="Imagem 2">
+            <a:extLst>
+              <a:ext uri="{FF2B5EF4-FFF2-40B4-BE49-F238E27FC236}">
+                <a16:creationId xmlns:a16="http://schemas.microsoft.com/office/drawing/2014/main" id="{2D7C382F-433A-1F2D-7FB1-5287F9925E70}"/>
+              </a:ext>
+            </a:extLst>
+          </p:cNvPr>
+          <p:cNvPicPr>
+            <a:picLocks noChangeAspect="1"/>
+          </p:cNvPicPr>
+          <p:nvPr/>
+        </p:nvPicPr>
+        <p:blipFill>
+          <a:blip r:embed="rId3"/>
+          <a:stretch>
+            <a:fillRect/>
+          </a:stretch>
+        </p:blipFill>
+        <p:spPr>
+          <a:xfrm>
+            <a:off x="1030223" y="1005078"/>
+            <a:ext cx="5574217" cy="3969018"/>
+          </a:xfrm>
+          <a:prstGeom prst="rect">
+            <a:avLst/>
+          </a:prstGeom>
+        </p:spPr>
+      </p:pic>
+    </p:spTree>
+    <p:extLst>
+      <p:ext uri="{BB962C8B-B14F-4D97-AF65-F5344CB8AC3E}">
+        <p14:creationId xmlns:p14="http://schemas.microsoft.com/office/powerpoint/2010/main" val="1606866696"/>
+      </p:ext>
+    </p:extLst>
+  </p:cSld>
+  <p:clrMapOvr>
+    <a:masterClrMapping/>
+  </p:clrMapOvr>
+  <p:transition spd="med"/>
+</p:sld>
+</file>
+
+<file path=ppt/slides/slide8.xml><?xml version="1.0" encoding="utf-8"?>
+<p:sld xmlns:a="http://schemas.openxmlformats.org/drawingml/2006/main" xmlns:r="http://schemas.openxmlformats.org/officeDocument/2006/relationships" xmlns:p="http://schemas.openxmlformats.org/presentationml/2006/main">
+  <p:cSld>
+    <p:spTree>
+      <p:nvGrpSpPr>
+        <p:cNvPr id="1" name=""/>
+        <p:cNvGrpSpPr/>
+        <p:nvPr/>
+      </p:nvGrpSpPr>
+      <p:grpSpPr>
+        <a:xfrm>
+          <a:off x="0" y="0"/>
+          <a:ext cx="0" cy="0"/>
+          <a:chOff x="0" y="0"/>
+          <a:chExt cx="0" cy="0"/>
+        </a:xfrm>
+      </p:grpSpPr>
+      <p:sp>
+        <p:nvSpPr>
+          <p:cNvPr id="6" name="Title 1"/>
+          <p:cNvSpPr>
+            <a:spLocks noGrp="1"/>
+          </p:cNvSpPr>
+          <p:nvPr>
+            <p:ph type="title"/>
+          </p:nvPr>
+        </p:nvSpPr>
+        <p:spPr>
+          <a:xfrm>
+            <a:off x="457200" y="205980"/>
+            <a:ext cx="8229600" cy="857251"/>
+          </a:xfrm>
+        </p:spPr>
+        <p:txBody>
+          <a:bodyPr>
+            <a:normAutofit/>
+          </a:bodyPr>
+          <a:lstStyle/>
+          <a:p>
+            <a:r>
+              <a:rPr lang="pt-BR" b="1" dirty="0">
+                <a:solidFill>
+                  <a:srgbClr val="0070C0"/>
+                </a:solidFill>
+              </a:rPr>
+              <a:t>Plataforma Arduíno Prototipagem</a:t>
+            </a:r>
+            <a:endParaRPr lang="en-US" b="1" dirty="0">
+              <a:solidFill>
+                <a:srgbClr val="0070C0"/>
+              </a:solidFill>
+            </a:endParaRPr>
+          </a:p>
+        </p:txBody>
+      </p:sp>
+      <p:sp>
+        <p:nvSpPr>
+          <p:cNvPr id="8" name="Text Placeholder 2"/>
+          <p:cNvSpPr>
+            <a:spLocks noGrp="1"/>
+          </p:cNvSpPr>
+          <p:nvPr>
+            <p:ph type="body" sz="half" idx="1"/>
+          </p:nvPr>
+        </p:nvSpPr>
+        <p:spPr>
+          <a:xfrm>
+            <a:off x="142865" y="1200150"/>
+            <a:ext cx="8865056" cy="3737370"/>
+          </a:xfrm>
+        </p:spPr>
+        <p:txBody>
+          <a:bodyPr>
+            <a:noAutofit/>
+          </a:bodyPr>
+          <a:lstStyle/>
+          <a:p>
+            <a:pPr algn="just">
+              <a:buFont typeface="Wingdings" panose="05000000000000000000" pitchFamily="2" charset="2"/>
+              <a:buChar char="§"/>
+            </a:pPr>
+            <a:r>
+              <a:rPr lang="pt-BR" sz="2000" b="1" dirty="0" err="1">
+                <a:solidFill>
+                  <a:srgbClr val="FF0000"/>
+                </a:solidFill>
+                <a:latin typeface="Times New Roman" panose="02020603050405020304" pitchFamily="18" charset="0"/>
+                <a:cs typeface="Times New Roman" panose="02020603050405020304" pitchFamily="18" charset="0"/>
+              </a:rPr>
+              <a:t>Entry</a:t>
+            </a:r>
+            <a:r>
+              <a:rPr lang="pt-BR" sz="2000" b="1" dirty="0">
+                <a:solidFill>
+                  <a:srgbClr val="FF0000"/>
+                </a:solidFill>
+                <a:latin typeface="Times New Roman" panose="02020603050405020304" pitchFamily="18" charset="0"/>
+                <a:cs typeface="Times New Roman" panose="02020603050405020304" pitchFamily="18" charset="0"/>
+              </a:rPr>
+              <a:t> </a:t>
+            </a:r>
+            <a:r>
+              <a:rPr lang="pt-BR" sz="2000" b="1" dirty="0" err="1">
+                <a:solidFill>
+                  <a:srgbClr val="FF0000"/>
+                </a:solidFill>
+                <a:latin typeface="Times New Roman" panose="02020603050405020304" pitchFamily="18" charset="0"/>
+                <a:cs typeface="Times New Roman" panose="02020603050405020304" pitchFamily="18" charset="0"/>
+              </a:rPr>
+              <a:t>Level</a:t>
+            </a:r>
+            <a:r>
+              <a:rPr lang="pt-BR" sz="2000" dirty="0">
+                <a:solidFill>
+                  <a:schemeClr val="tx1"/>
+                </a:solidFill>
+                <a:latin typeface="Times New Roman" panose="02020603050405020304" pitchFamily="18" charset="0"/>
+                <a:cs typeface="Times New Roman" panose="02020603050405020304" pitchFamily="18" charset="0"/>
+              </a:rPr>
+              <a:t>: Versões mais simples e focadas em quem está começando a desenvolver projetos eletrônicos.</a:t>
+            </a:r>
+          </a:p>
+          <a:p>
+            <a:pPr marL="0" indent="0" algn="just">
+              <a:buNone/>
+            </a:pPr>
+            <a:endParaRPr lang="pt-BR" sz="2000" dirty="0">
+              <a:solidFill>
+                <a:schemeClr val="tx1"/>
+              </a:solidFill>
+              <a:latin typeface="Times New Roman" panose="02020603050405020304" pitchFamily="18" charset="0"/>
+              <a:cs typeface="Times New Roman" panose="02020603050405020304" pitchFamily="18" charset="0"/>
+            </a:endParaRPr>
+          </a:p>
+          <a:p>
+            <a:pPr algn="just">
+              <a:buFont typeface="Wingdings" panose="05000000000000000000" pitchFamily="2" charset="2"/>
+              <a:buChar char="§"/>
+            </a:pPr>
+            <a:r>
+              <a:rPr lang="pt-BR" sz="2000" b="1" dirty="0">
+                <a:solidFill>
+                  <a:schemeClr val="tx1"/>
+                </a:solidFill>
+                <a:latin typeface="Times New Roman" panose="02020603050405020304" pitchFamily="18" charset="0"/>
+                <a:cs typeface="Times New Roman" panose="02020603050405020304" pitchFamily="18" charset="0"/>
+              </a:rPr>
+              <a:t>Enhanced </a:t>
+            </a:r>
+            <a:r>
+              <a:rPr lang="pt-BR" sz="2000" b="1" dirty="0" err="1">
+                <a:solidFill>
+                  <a:schemeClr val="tx1"/>
+                </a:solidFill>
+                <a:latin typeface="Times New Roman" panose="02020603050405020304" pitchFamily="18" charset="0"/>
+                <a:cs typeface="Times New Roman" panose="02020603050405020304" pitchFamily="18" charset="0"/>
+              </a:rPr>
+              <a:t>Features</a:t>
+            </a:r>
+            <a:r>
+              <a:rPr lang="pt-BR" sz="2000" dirty="0">
+                <a:solidFill>
+                  <a:schemeClr val="tx1"/>
+                </a:solidFill>
+                <a:latin typeface="Times New Roman" panose="02020603050405020304" pitchFamily="18" charset="0"/>
+                <a:cs typeface="Times New Roman" panose="02020603050405020304" pitchFamily="18" charset="0"/>
+              </a:rPr>
+              <a:t>: Placas com funcionalidades adicionais voltadas para projetos mais complexos.</a:t>
+            </a:r>
+          </a:p>
+          <a:p>
+            <a:pPr marL="0" indent="0" algn="just">
+              <a:buNone/>
+            </a:pPr>
+            <a:endParaRPr lang="pt-BR" sz="2000" dirty="0">
+              <a:solidFill>
+                <a:schemeClr val="tx1"/>
+              </a:solidFill>
+              <a:latin typeface="Times New Roman" panose="02020603050405020304" pitchFamily="18" charset="0"/>
+              <a:cs typeface="Times New Roman" panose="02020603050405020304" pitchFamily="18" charset="0"/>
+            </a:endParaRPr>
+          </a:p>
+          <a:p>
+            <a:pPr algn="just">
+              <a:buFont typeface="Wingdings" panose="05000000000000000000" pitchFamily="2" charset="2"/>
+              <a:buChar char="§"/>
+            </a:pPr>
+            <a:r>
+              <a:rPr lang="pt-BR" sz="2000" b="1" dirty="0">
+                <a:solidFill>
+                  <a:schemeClr val="tx1"/>
+                </a:solidFill>
+                <a:latin typeface="Times New Roman" panose="02020603050405020304" pitchFamily="18" charset="0"/>
+                <a:cs typeface="Times New Roman" panose="02020603050405020304" pitchFamily="18" charset="0"/>
+              </a:rPr>
+              <a:t>Internet </a:t>
+            </a:r>
+            <a:r>
+              <a:rPr lang="pt-BR" sz="2000" b="1" dirty="0" err="1">
+                <a:solidFill>
+                  <a:schemeClr val="tx1"/>
+                </a:solidFill>
+                <a:latin typeface="Times New Roman" panose="02020603050405020304" pitchFamily="18" charset="0"/>
+                <a:cs typeface="Times New Roman" panose="02020603050405020304" pitchFamily="18" charset="0"/>
+              </a:rPr>
+              <a:t>of</a:t>
+            </a:r>
+            <a:r>
+              <a:rPr lang="pt-BR" sz="2000" b="1" dirty="0">
+                <a:solidFill>
+                  <a:schemeClr val="tx1"/>
+                </a:solidFill>
+                <a:latin typeface="Times New Roman" panose="02020603050405020304" pitchFamily="18" charset="0"/>
+                <a:cs typeface="Times New Roman" panose="02020603050405020304" pitchFamily="18" charset="0"/>
+              </a:rPr>
+              <a:t> </a:t>
+            </a:r>
+            <a:r>
+              <a:rPr lang="pt-BR" sz="2000" b="1" dirty="0" err="1">
+                <a:solidFill>
+                  <a:schemeClr val="tx1"/>
+                </a:solidFill>
+                <a:latin typeface="Times New Roman" panose="02020603050405020304" pitchFamily="18" charset="0"/>
+                <a:cs typeface="Times New Roman" panose="02020603050405020304" pitchFamily="18" charset="0"/>
+              </a:rPr>
+              <a:t>Things</a:t>
+            </a:r>
+            <a:r>
+              <a:rPr lang="pt-BR" sz="2000" dirty="0">
+                <a:solidFill>
+                  <a:schemeClr val="tx1"/>
+                </a:solidFill>
+                <a:latin typeface="Times New Roman" panose="02020603050405020304" pitchFamily="18" charset="0"/>
+                <a:cs typeface="Times New Roman" panose="02020603050405020304" pitchFamily="18" charset="0"/>
+              </a:rPr>
+              <a:t>: Plataformas específicas para projetos de Internet das coisas.</a:t>
+            </a:r>
+          </a:p>
+        </p:txBody>
+      </p:sp>
+    </p:spTree>
+    <p:extLst>
+      <p:ext uri="{BB962C8B-B14F-4D97-AF65-F5344CB8AC3E}">
+        <p14:creationId xmlns:p14="http://schemas.microsoft.com/office/powerpoint/2010/main" val="1115794865"/>
+      </p:ext>
+    </p:extLst>
+  </p:cSld>
+  <p:clrMapOvr>
+    <a:masterClrMapping/>
+  </p:clrMapOvr>
+  <p:transition spd="med"/>
+</p:sld>
+</file>
+
+<file path=ppt/slides/slide9.xml><?xml version="1.0" encoding="utf-8"?>
+<p:sld xmlns:a="http://schemas.openxmlformats.org/drawingml/2006/main" xmlns:r="http://schemas.openxmlformats.org/officeDocument/2006/relationships" xmlns:p="http://schemas.openxmlformats.org/presentationml/2006/main">
+  <p:cSld>
+    <p:spTree>
+      <p:nvGrpSpPr>
+        <p:cNvPr id="1" name=""/>
+        <p:cNvGrpSpPr/>
+        <p:nvPr/>
+      </p:nvGrpSpPr>
+      <p:grpSpPr>
+        <a:xfrm>
+          <a:off x="0" y="0"/>
+          <a:ext cx="0" cy="0"/>
+          <a:chOff x="0" y="0"/>
+          <a:chExt cx="0" cy="0"/>
+        </a:xfrm>
+      </p:grpSpPr>
+      <p:sp>
+        <p:nvSpPr>
+          <p:cNvPr id="6" name="Title 1"/>
+          <p:cNvSpPr>
+            <a:spLocks noGrp="1"/>
+          </p:cNvSpPr>
+          <p:nvPr>
+            <p:ph type="title"/>
+          </p:nvPr>
+        </p:nvSpPr>
+        <p:spPr>
+          <a:xfrm>
+            <a:off x="457200" y="205980"/>
+            <a:ext cx="8229600" cy="857251"/>
+          </a:xfrm>
+        </p:spPr>
+        <p:txBody>
+          <a:bodyPr>
+            <a:normAutofit/>
+          </a:bodyPr>
+          <a:lstStyle/>
+          <a:p>
+            <a:r>
+              <a:rPr lang="pt-BR" b="1" dirty="0">
+                <a:solidFill>
+                  <a:srgbClr val="0070C0"/>
+                </a:solidFill>
+              </a:rPr>
+              <a:t>Plataforma Arduíno Prototipagem</a:t>
+            </a:r>
+            <a:endParaRPr lang="en-US" b="1" dirty="0">
+              <a:solidFill>
+                <a:srgbClr val="0070C0"/>
+              </a:solidFill>
+            </a:endParaRPr>
+          </a:p>
+        </p:txBody>
+      </p:sp>
+      <p:sp>
+        <p:nvSpPr>
+          <p:cNvPr id="8" name="Text Placeholder 2"/>
+          <p:cNvSpPr>
+            <a:spLocks noGrp="1"/>
+          </p:cNvSpPr>
+          <p:nvPr>
+            <p:ph type="body" sz="half" idx="1"/>
+          </p:nvPr>
+        </p:nvSpPr>
+        <p:spPr>
+          <a:xfrm>
+            <a:off x="142865" y="1200150"/>
+            <a:ext cx="8865056" cy="3737370"/>
+          </a:xfrm>
+        </p:spPr>
+        <p:txBody>
+          <a:bodyPr>
+            <a:noAutofit/>
+          </a:bodyPr>
+          <a:lstStyle/>
+          <a:p>
+            <a:pPr algn="just">
+              <a:buFont typeface="Wingdings" panose="05000000000000000000" pitchFamily="2" charset="2"/>
+              <a:buChar char="§"/>
+            </a:pPr>
+            <a:r>
+              <a:rPr lang="pt-BR" sz="2000" b="1" dirty="0" err="1">
+                <a:solidFill>
+                  <a:schemeClr val="tx1"/>
+                </a:solidFill>
+                <a:latin typeface="Times New Roman" panose="02020603050405020304" pitchFamily="18" charset="0"/>
+                <a:cs typeface="Times New Roman" panose="02020603050405020304" pitchFamily="18" charset="0"/>
+              </a:rPr>
+              <a:t>Education</a:t>
+            </a:r>
+            <a:r>
+              <a:rPr lang="pt-BR" sz="2000" dirty="0">
+                <a:solidFill>
+                  <a:schemeClr val="tx1"/>
+                </a:solidFill>
+                <a:latin typeface="Times New Roman" panose="02020603050405020304" pitchFamily="18" charset="0"/>
+                <a:cs typeface="Times New Roman" panose="02020603050405020304" pitchFamily="18" charset="0"/>
+              </a:rPr>
+              <a:t>: Apenas um modelo dessa classe, voltado para o ensino de eletrônica e programação.</a:t>
+            </a:r>
+          </a:p>
+          <a:p>
+            <a:pPr marL="0" indent="0" algn="just">
+              <a:buNone/>
+            </a:pPr>
+            <a:endParaRPr lang="pt-BR" sz="2000" dirty="0">
+              <a:solidFill>
+                <a:schemeClr val="tx1"/>
+              </a:solidFill>
+              <a:latin typeface="Times New Roman" panose="02020603050405020304" pitchFamily="18" charset="0"/>
+              <a:cs typeface="Times New Roman" panose="02020603050405020304" pitchFamily="18" charset="0"/>
+            </a:endParaRPr>
+          </a:p>
+          <a:p>
+            <a:pPr algn="just">
+              <a:buFont typeface="Wingdings" panose="05000000000000000000" pitchFamily="2" charset="2"/>
+              <a:buChar char="§"/>
+            </a:pPr>
+            <a:r>
+              <a:rPr lang="pt-BR" sz="2000" b="1" dirty="0" err="1">
+                <a:solidFill>
+                  <a:schemeClr val="tx1"/>
+                </a:solidFill>
+                <a:latin typeface="Times New Roman" panose="02020603050405020304" pitchFamily="18" charset="0"/>
+                <a:cs typeface="Times New Roman" panose="02020603050405020304" pitchFamily="18" charset="0"/>
+              </a:rPr>
+              <a:t>Wearable</a:t>
+            </a:r>
+            <a:r>
+              <a:rPr lang="pt-BR" sz="2000" dirty="0">
+                <a:solidFill>
+                  <a:schemeClr val="tx1"/>
+                </a:solidFill>
+                <a:latin typeface="Times New Roman" panose="02020603050405020304" pitchFamily="18" charset="0"/>
+                <a:cs typeface="Times New Roman" panose="02020603050405020304" pitchFamily="18" charset="0"/>
+              </a:rPr>
+              <a:t>: Plataformas com características específicas para o desenvolvimento de </a:t>
+            </a:r>
+            <a:r>
+              <a:rPr lang="pt-BR" sz="2000" dirty="0" err="1">
+                <a:solidFill>
+                  <a:schemeClr val="tx1"/>
+                </a:solidFill>
+                <a:latin typeface="Times New Roman" panose="02020603050405020304" pitchFamily="18" charset="0"/>
+                <a:cs typeface="Times New Roman" panose="02020603050405020304" pitchFamily="18" charset="0"/>
+              </a:rPr>
+              <a:t>wearables</a:t>
+            </a:r>
+            <a:r>
+              <a:rPr lang="pt-BR" sz="2000" dirty="0">
+                <a:solidFill>
+                  <a:schemeClr val="tx1"/>
+                </a:solidFill>
+                <a:latin typeface="Times New Roman" panose="02020603050405020304" pitchFamily="18" charset="0"/>
+                <a:cs typeface="Times New Roman" panose="02020603050405020304" pitchFamily="18" charset="0"/>
+              </a:rPr>
+              <a:t>, ou “tecnologias vestíveis”, como </a:t>
+            </a:r>
+            <a:r>
+              <a:rPr lang="pt-BR" sz="2000" dirty="0" err="1">
+                <a:solidFill>
+                  <a:schemeClr val="tx1"/>
+                </a:solidFill>
+                <a:latin typeface="Times New Roman" panose="02020603050405020304" pitchFamily="18" charset="0"/>
+                <a:cs typeface="Times New Roman" panose="02020603050405020304" pitchFamily="18" charset="0"/>
+              </a:rPr>
+              <a:t>smartwatches</a:t>
+            </a:r>
+            <a:r>
+              <a:rPr lang="pt-BR" sz="2000" dirty="0">
+                <a:solidFill>
+                  <a:schemeClr val="tx1"/>
+                </a:solidFill>
+                <a:latin typeface="Times New Roman" panose="02020603050405020304" pitchFamily="18" charset="0"/>
+                <a:cs typeface="Times New Roman" panose="02020603050405020304" pitchFamily="18" charset="0"/>
+              </a:rPr>
+              <a:t> e peças de roupa com eletrônica embutida.</a:t>
+            </a:r>
+          </a:p>
+          <a:p>
+            <a:pPr marL="0" indent="0" algn="just">
+              <a:buNone/>
+            </a:pPr>
+            <a:endParaRPr lang="pt-BR" sz="2000" dirty="0">
+              <a:solidFill>
+                <a:schemeClr val="tx1"/>
+              </a:solidFill>
+              <a:latin typeface="Times New Roman" panose="02020603050405020304" pitchFamily="18" charset="0"/>
+              <a:cs typeface="Times New Roman" panose="02020603050405020304" pitchFamily="18" charset="0"/>
+            </a:endParaRPr>
+          </a:p>
+          <a:p>
+            <a:pPr algn="just">
+              <a:buFont typeface="Wingdings" panose="05000000000000000000" pitchFamily="2" charset="2"/>
+              <a:buChar char="§"/>
+            </a:pPr>
+            <a:r>
+              <a:rPr lang="pt-BR" sz="2000" b="1" dirty="0">
+                <a:solidFill>
+                  <a:schemeClr val="tx1"/>
+                </a:solidFill>
+                <a:latin typeface="Times New Roman" panose="02020603050405020304" pitchFamily="18" charset="0"/>
+                <a:cs typeface="Times New Roman" panose="02020603050405020304" pitchFamily="18" charset="0"/>
+              </a:rPr>
+              <a:t>3D </a:t>
+            </a:r>
+            <a:r>
+              <a:rPr lang="pt-BR" sz="2000" b="1" dirty="0" err="1">
+                <a:solidFill>
+                  <a:schemeClr val="tx1"/>
+                </a:solidFill>
+                <a:latin typeface="Times New Roman" panose="02020603050405020304" pitchFamily="18" charset="0"/>
+                <a:cs typeface="Times New Roman" panose="02020603050405020304" pitchFamily="18" charset="0"/>
+              </a:rPr>
+              <a:t>printing</a:t>
+            </a:r>
+            <a:r>
+              <a:rPr lang="pt-BR" sz="2000" dirty="0">
+                <a:solidFill>
+                  <a:schemeClr val="tx1"/>
+                </a:solidFill>
+                <a:latin typeface="Times New Roman" panose="02020603050405020304" pitchFamily="18" charset="0"/>
+                <a:cs typeface="Times New Roman" panose="02020603050405020304" pitchFamily="18" charset="0"/>
+              </a:rPr>
+              <a:t>: Impressora 3D desenvolvida com Arduino.</a:t>
+            </a:r>
+          </a:p>
+        </p:txBody>
+      </p:sp>
+    </p:spTree>
+    <p:extLst>
+      <p:ext uri="{BB962C8B-B14F-4D97-AF65-F5344CB8AC3E}">
+        <p14:creationId xmlns:p14="http://schemas.microsoft.com/office/powerpoint/2010/main" val="798378787"/>
+      </p:ext>
+    </p:extLst>
   </p:cSld>
   <p:clrMapOvr>
     <a:masterClrMapping/>

--- a/01 Classes/Aula 03 - Aplicação Cloud Indústria 40 Python IoT Plataforma Arduino Tinkercad.pptx
+++ b/01 Classes/Aula 03 - Aplicação Cloud Indústria 40 Python IoT Plataforma Arduino Tinkercad.pptx
@@ -5,7 +5,7 @@
     <p:sldMasterId id="2147483648" r:id="rId1"/>
   </p:sldMasterIdLst>
   <p:notesMasterIdLst>
-    <p:notesMasterId r:id="rId27"/>
+    <p:notesMasterId r:id="rId28"/>
   </p:notesMasterIdLst>
   <p:sldIdLst>
     <p:sldId id="256" r:id="rId2"/>
@@ -28,11 +28,12 @@
     <p:sldId id="346" r:id="rId19"/>
     <p:sldId id="348" r:id="rId20"/>
     <p:sldId id="349" r:id="rId21"/>
-    <p:sldId id="333" r:id="rId22"/>
-    <p:sldId id="323" r:id="rId23"/>
-    <p:sldId id="345" r:id="rId24"/>
-    <p:sldId id="337" r:id="rId25"/>
-    <p:sldId id="309" r:id="rId26"/>
+    <p:sldId id="365" r:id="rId22"/>
+    <p:sldId id="333" r:id="rId23"/>
+    <p:sldId id="323" r:id="rId24"/>
+    <p:sldId id="363" r:id="rId25"/>
+    <p:sldId id="337" r:id="rId26"/>
+    <p:sldId id="309" r:id="rId27"/>
   </p:sldIdLst>
   <p:sldSz cx="9144000" cy="5143500" type="screen16x9"/>
   <p:notesSz cx="6858000" cy="9144000"/>
@@ -1361,7 +1362,7 @@
     </p:spTree>
     <p:extLst>
       <p:ext uri="{BB962C8B-B14F-4D97-AF65-F5344CB8AC3E}">
-        <p14:creationId xmlns:p14="http://schemas.microsoft.com/office/powerpoint/2010/main" val="585304384"/>
+        <p14:creationId xmlns:p14="http://schemas.microsoft.com/office/powerpoint/2010/main" val="2289714247"/>
       </p:ext>
     </p:extLst>
   </p:cSld>
@@ -1427,7 +1428,7 @@
     </p:spTree>
     <p:extLst>
       <p:ext uri="{BB962C8B-B14F-4D97-AF65-F5344CB8AC3E}">
-        <p14:creationId xmlns:p14="http://schemas.microsoft.com/office/powerpoint/2010/main" val="2709569597"/>
+        <p14:creationId xmlns:p14="http://schemas.microsoft.com/office/powerpoint/2010/main" val="585304384"/>
       </p:ext>
     </p:extLst>
   </p:cSld>
@@ -1493,7 +1494,7 @@
     </p:spTree>
     <p:extLst>
       <p:ext uri="{BB962C8B-B14F-4D97-AF65-F5344CB8AC3E}">
-        <p14:creationId xmlns:p14="http://schemas.microsoft.com/office/powerpoint/2010/main" val="3863516043"/>
+        <p14:creationId xmlns:p14="http://schemas.microsoft.com/office/powerpoint/2010/main" val="2709569597"/>
       </p:ext>
     </p:extLst>
   </p:cSld>
@@ -1504,6 +1505,72 @@
 </file>
 
 <file path=ppt/notesSlides/notesSlide23.xml><?xml version="1.0" encoding="utf-8"?>
+<p:notes xmlns:a="http://schemas.openxmlformats.org/drawingml/2006/main" xmlns:r="http://schemas.openxmlformats.org/officeDocument/2006/relationships" xmlns:p="http://schemas.openxmlformats.org/presentationml/2006/main">
+  <p:cSld>
+    <p:spTree>
+      <p:nvGrpSpPr>
+        <p:cNvPr id="1" name=""/>
+        <p:cNvGrpSpPr/>
+        <p:nvPr/>
+      </p:nvGrpSpPr>
+      <p:grpSpPr>
+        <a:xfrm>
+          <a:off x="0" y="0"/>
+          <a:ext cx="0" cy="0"/>
+          <a:chOff x="0" y="0"/>
+          <a:chExt cx="0" cy="0"/>
+        </a:xfrm>
+      </p:grpSpPr>
+      <p:sp>
+        <p:nvSpPr>
+          <p:cNvPr id="2" name="Espaço Reservado para Imagem de Slide 1"/>
+          <p:cNvSpPr>
+            <a:spLocks noGrp="1" noRot="1" noChangeAspect="1"/>
+          </p:cNvSpPr>
+          <p:nvPr>
+            <p:ph type="sldImg"/>
+          </p:nvPr>
+        </p:nvSpPr>
+        <p:spPr>
+          <a:xfrm>
+            <a:off x="381000" y="685800"/>
+            <a:ext cx="6096000" cy="3429000"/>
+          </a:xfrm>
+        </p:spPr>
+      </p:sp>
+      <p:sp>
+        <p:nvSpPr>
+          <p:cNvPr id="3" name="Espaço Reservado para Anotações 2"/>
+          <p:cNvSpPr>
+            <a:spLocks noGrp="1"/>
+          </p:cNvSpPr>
+          <p:nvPr>
+            <p:ph type="body" idx="1"/>
+          </p:nvPr>
+        </p:nvSpPr>
+        <p:spPr/>
+        <p:txBody>
+          <a:bodyPr/>
+          <a:lstStyle/>
+          <a:p>
+            <a:endParaRPr lang="pt-BR" dirty="0"/>
+          </a:p>
+        </p:txBody>
+      </p:sp>
+    </p:spTree>
+    <p:extLst>
+      <p:ext uri="{BB962C8B-B14F-4D97-AF65-F5344CB8AC3E}">
+        <p14:creationId xmlns:p14="http://schemas.microsoft.com/office/powerpoint/2010/main" val="36342085"/>
+      </p:ext>
+    </p:extLst>
+  </p:cSld>
+  <p:clrMapOvr>
+    <a:masterClrMapping/>
+  </p:clrMapOvr>
+</p:notes>
+</file>
+
+<file path=ppt/notesSlides/notesSlide24.xml><?xml version="1.0" encoding="utf-8"?>
 <p:notes xmlns:a="http://schemas.openxmlformats.org/drawingml/2006/main" xmlns:r="http://schemas.openxmlformats.org/officeDocument/2006/relationships" xmlns:p="http://schemas.openxmlformats.org/presentationml/2006/main">
   <p:cSld>
     <p:spTree>
@@ -7691,7 +7758,7 @@
               <a:t>Criar conta no site do </a:t>
             </a:r>
             <a:r>
-              <a:rPr lang="pt-BR" sz="2000" dirty="0" err="1">
+              <a:rPr lang="pt-BR" sz="2000" b="1" dirty="0" err="1">
                 <a:solidFill>
                   <a:schemeClr val="tx1"/>
                 </a:solidFill>
@@ -8521,33 +8588,33 @@
         </p:spPr>
         <p:txBody>
           <a:bodyPr>
-            <a:normAutofit/>
+            <a:normAutofit fontScale="90000"/>
           </a:bodyPr>
           <a:lstStyle/>
           <a:p>
             <a:r>
-              <a:rPr lang="en-US" b="1" dirty="0" err="1">
+              <a:rPr lang="pt-BR" b="1" dirty="0">
                 <a:solidFill>
                   <a:srgbClr val="0070C0"/>
                 </a:solidFill>
               </a:rPr>
-              <a:t>Leitura</a:t>
-            </a:r>
-            <a:r>
-              <a:rPr lang="en-US" b="1" dirty="0">
+              <a:t>Programa </a:t>
+            </a:r>
+            <a:r>
+              <a:rPr lang="pt-BR" b="1" dirty="0" err="1">
                 <a:solidFill>
                   <a:srgbClr val="0070C0"/>
                 </a:solidFill>
               </a:rPr>
-              <a:t> </a:t>
-            </a:r>
-            <a:r>
-              <a:rPr lang="en-US" b="1" dirty="0" err="1">
+              <a:t>Blink</a:t>
+            </a:r>
+            <a:r>
+              <a:rPr lang="pt-BR" b="1" dirty="0">
                 <a:solidFill>
                   <a:srgbClr val="0070C0"/>
                 </a:solidFill>
               </a:rPr>
-              <a:t>Específica</a:t>
+              <a:t> em Python Arduíno</a:t>
             </a:r>
             <a:endParaRPr lang="en-US" b="1" dirty="0">
               <a:solidFill>
@@ -8569,8 +8636,8 @@
         </p:nvSpPr>
         <p:spPr>
           <a:xfrm>
-            <a:off x="142865" y="1200151"/>
-            <a:ext cx="8865056" cy="3394472"/>
+            <a:off x="142865" y="1200150"/>
+            <a:ext cx="8865056" cy="3737370"/>
           </a:xfrm>
         </p:spPr>
         <p:txBody>
@@ -8583,47 +8650,84 @@
               <a:buNone/>
             </a:pPr>
             <a:r>
-              <a:rPr lang="pt-BR" sz="2400" dirty="0">
-                <a:latin typeface="Times New Roman" panose="02020603050405020304" pitchFamily="18" charset="0"/>
-                <a:cs typeface="Times New Roman" panose="02020603050405020304" pitchFamily="18" charset="0"/>
-              </a:rPr>
-              <a:t>[1] Plataformas Arduíno. </a:t>
+              <a:rPr lang="pt-BR" sz="2000" b="1" dirty="0" err="1">
+                <a:solidFill>
+                  <a:srgbClr val="FF0000"/>
+                </a:solidFill>
+                <a:latin typeface="Times New Roman" panose="02020603050405020304" pitchFamily="18" charset="0"/>
+                <a:cs typeface="Times New Roman" panose="02020603050405020304" pitchFamily="18" charset="0"/>
+              </a:rPr>
+              <a:t>PySerial</a:t>
+            </a:r>
+            <a:r>
+              <a:rPr lang="pt-BR" sz="2000" dirty="0">
+                <a:solidFill>
+                  <a:schemeClr val="tx1"/>
+                </a:solidFill>
+                <a:latin typeface="Times New Roman" panose="02020603050405020304" pitchFamily="18" charset="0"/>
+                <a:cs typeface="Times New Roman" panose="02020603050405020304" pitchFamily="18" charset="0"/>
+              </a:rPr>
+              <a:t>:  </a:t>
+            </a:r>
+            <a:r>
+              <a:rPr lang="pt-BR" sz="2000" dirty="0" err="1">
+                <a:solidFill>
+                  <a:schemeClr val="tx1"/>
+                </a:solidFill>
+                <a:latin typeface="Times New Roman" panose="02020603050405020304" pitchFamily="18" charset="0"/>
+                <a:cs typeface="Times New Roman" panose="02020603050405020304" pitchFamily="18" charset="0"/>
+              </a:rPr>
+              <a:t>pyserial</a:t>
+            </a:r>
+            <a:r>
+              <a:rPr lang="pt-BR" sz="2000" dirty="0">
+                <a:solidFill>
+                  <a:schemeClr val="tx1"/>
+                </a:solidFill>
+                <a:latin typeface="Times New Roman" panose="02020603050405020304" pitchFamily="18" charset="0"/>
+                <a:cs typeface="Times New Roman" panose="02020603050405020304" pitchFamily="18" charset="0"/>
+              </a:rPr>
+              <a:t> é um módulo API </a:t>
+            </a:r>
+            <a:r>
+              <a:rPr lang="pt-BR" sz="2000" dirty="0" err="1">
+                <a:solidFill>
+                  <a:schemeClr val="tx1"/>
+                </a:solidFill>
+                <a:latin typeface="Times New Roman" panose="02020603050405020304" pitchFamily="18" charset="0"/>
+                <a:cs typeface="Times New Roman" panose="02020603050405020304" pitchFamily="18" charset="0"/>
+              </a:rPr>
+              <a:t>pyhton</a:t>
+            </a:r>
+            <a:r>
+              <a:rPr lang="pt-BR" sz="2000" dirty="0">
+                <a:solidFill>
+                  <a:schemeClr val="tx1"/>
+                </a:solidFill>
+                <a:latin typeface="Times New Roman" panose="02020603050405020304" pitchFamily="18" charset="0"/>
+                <a:cs typeface="Times New Roman" panose="02020603050405020304" pitchFamily="18" charset="0"/>
+              </a:rPr>
+              <a:t> para ler e gravar dados seriais.</a:t>
             </a:r>
           </a:p>
           <a:p>
             <a:pPr marL="0" indent="0" algn="just">
               <a:buNone/>
             </a:pPr>
-            <a:r>
-              <a:rPr lang="pt-BR" sz="2400" b="1" dirty="0">
-                <a:solidFill>
-                  <a:srgbClr val="FF0000"/>
-                </a:solidFill>
-                <a:latin typeface="Times New Roman" panose="02020603050405020304" pitchFamily="18" charset="0"/>
-                <a:cs typeface="Times New Roman" panose="02020603050405020304" pitchFamily="18" charset="0"/>
-              </a:rPr>
-              <a:t>Disponível em: </a:t>
-            </a:r>
-            <a:r>
-              <a:rPr lang="pt-BR" sz="2400" dirty="0">
-                <a:latin typeface="Times New Roman" panose="02020603050405020304" pitchFamily="18" charset="0"/>
-                <a:cs typeface="Times New Roman" panose="02020603050405020304" pitchFamily="18" charset="0"/>
-                <a:hlinkClick r:id="rId3"/>
-              </a:rPr>
-              <a:t>https://revistas.rcaap.pt/uiips/article/view/14354</a:t>
-            </a:r>
-            <a:endParaRPr lang="pt-BR" sz="2400" dirty="0">
+            <a:endParaRPr lang="pt-BR" dirty="0">
               <a:latin typeface="Times New Roman" panose="02020603050405020304" pitchFamily="18" charset="0"/>
               <a:cs typeface="Times New Roman" panose="02020603050405020304" pitchFamily="18" charset="0"/>
+              <a:hlinkClick r:id="rId3"/>
             </a:endParaRPr>
           </a:p>
           <a:p>
             <a:pPr marL="0" indent="0" algn="just">
               <a:buNone/>
             </a:pPr>
-            <a:endParaRPr lang="pt-BR" sz="2400" dirty="0">
+            <a:endParaRPr lang="pt-BR" dirty="0">
               <a:latin typeface="Times New Roman" panose="02020603050405020304" pitchFamily="18" charset="0"/>
               <a:cs typeface="Times New Roman" panose="02020603050405020304" pitchFamily="18" charset="0"/>
+              <a:hlinkClick r:id="rId3"/>
             </a:endParaRPr>
           </a:p>
           <a:p>
@@ -8631,56 +8735,16 @@
               <a:buNone/>
             </a:pPr>
             <a:r>
-              <a:rPr lang="pt-BR" sz="2400" dirty="0">
-                <a:latin typeface="Times New Roman" panose="02020603050405020304" pitchFamily="18" charset="0"/>
-                <a:cs typeface="Times New Roman" panose="02020603050405020304" pitchFamily="18" charset="0"/>
-              </a:rPr>
-              <a:t>[2] Plataformas Arduíno </a:t>
-            </a:r>
-            <a:r>
-              <a:rPr lang="pt-BR" sz="2400" dirty="0" err="1">
-                <a:latin typeface="Times New Roman" panose="02020603050405020304" pitchFamily="18" charset="0"/>
-                <a:cs typeface="Times New Roman" panose="02020603050405020304" pitchFamily="18" charset="0"/>
-              </a:rPr>
-              <a:t>Tinkercad</a:t>
-            </a:r>
-            <a:r>
-              <a:rPr lang="pt-BR" sz="2400" dirty="0">
-                <a:latin typeface="Times New Roman" panose="02020603050405020304" pitchFamily="18" charset="0"/>
-                <a:cs typeface="Times New Roman" panose="02020603050405020304" pitchFamily="18" charset="0"/>
-              </a:rPr>
-              <a:t>.</a:t>
-            </a:r>
-          </a:p>
-          <a:p>
-            <a:pPr marL="0" indent="0" algn="just">
-              <a:buNone/>
-            </a:pPr>
-            <a:r>
-              <a:rPr lang="pt-BR" sz="2400" b="1" dirty="0">
-                <a:solidFill>
-                  <a:srgbClr val="FF0000"/>
-                </a:solidFill>
-                <a:latin typeface="Times New Roman" panose="02020603050405020304" pitchFamily="18" charset="0"/>
-                <a:cs typeface="Times New Roman" panose="02020603050405020304" pitchFamily="18" charset="0"/>
-              </a:rPr>
-              <a:t>Disponível em: </a:t>
-            </a:r>
-          </a:p>
-          <a:p>
-            <a:pPr marL="0" indent="0" algn="just">
-              <a:buNone/>
-            </a:pPr>
-            <a:r>
-              <a:rPr lang="pt-BR" sz="2400" dirty="0">
-                <a:latin typeface="Times New Roman" panose="02020603050405020304" pitchFamily="18" charset="0"/>
-                <a:cs typeface="Times New Roman" panose="02020603050405020304" pitchFamily="18" charset="0"/>
-                <a:hlinkClick r:id="rId4"/>
-              </a:rPr>
-              <a:t>https://www.makerzine.com.br/programacao/primeiros-passos-com-tinkercad-circuits-2-exemplos/</a:t>
-            </a:r>
-            <a:endParaRPr lang="pt-BR" sz="2400" dirty="0">
-              <a:latin typeface="Calibri" panose="020F0502020204030204" pitchFamily="34" charset="0"/>
+              <a:rPr lang="pt-BR" dirty="0">
+                <a:latin typeface="Times New Roman" panose="02020603050405020304" pitchFamily="18" charset="0"/>
+                <a:cs typeface="Times New Roman" panose="02020603050405020304" pitchFamily="18" charset="0"/>
+                <a:hlinkClick r:id="rId3"/>
+              </a:rPr>
+              <a:t>https://roboindia.com/tutorials/python-with-arduino/</a:t>
+            </a:r>
+            <a:endParaRPr lang="pt-BR" dirty="0">
+              <a:latin typeface="Times New Roman" panose="02020603050405020304" pitchFamily="18" charset="0"/>
+              <a:cs typeface="Times New Roman" panose="02020603050405020304" pitchFamily="18" charset="0"/>
             </a:endParaRPr>
           </a:p>
         </p:txBody>
@@ -8688,7 +8752,7 @@
     </p:spTree>
     <p:extLst>
       <p:ext uri="{BB962C8B-B14F-4D97-AF65-F5344CB8AC3E}">
-        <p14:creationId xmlns:p14="http://schemas.microsoft.com/office/powerpoint/2010/main" val="3680270425"/>
+        <p14:creationId xmlns:p14="http://schemas.microsoft.com/office/powerpoint/2010/main" val="3832630866"/>
       </p:ext>
     </p:extLst>
   </p:cSld>
@@ -8744,7 +8808,7 @@
                   <a:srgbClr val="0070C0"/>
                 </a:solidFill>
               </a:rPr>
-              <a:t>Aprenda</a:t>
+              <a:t>Leitura</a:t>
             </a:r>
             <a:r>
               <a:rPr lang="en-US" b="1" dirty="0">
@@ -8752,8 +8816,21 @@
                   <a:srgbClr val="0070C0"/>
                 </a:solidFill>
               </a:rPr>
-              <a:t>+</a:t>
-            </a:r>
+              <a:t> </a:t>
+            </a:r>
+            <a:r>
+              <a:rPr lang="en-US" b="1" dirty="0" err="1">
+                <a:solidFill>
+                  <a:srgbClr val="0070C0"/>
+                </a:solidFill>
+              </a:rPr>
+              <a:t>Específica</a:t>
+            </a:r>
+            <a:endParaRPr lang="en-US" b="1" dirty="0">
+              <a:solidFill>
+                <a:srgbClr val="0070C0"/>
+              </a:solidFill>
+            </a:endParaRPr>
           </a:p>
         </p:txBody>
       </p:sp>
@@ -8769,8 +8846,8 @@
         </p:nvSpPr>
         <p:spPr>
           <a:xfrm>
-            <a:off x="142865" y="1200150"/>
-            <a:ext cx="8865056" cy="3737370"/>
+            <a:off x="142865" y="1200151"/>
+            <a:ext cx="8865056" cy="3394472"/>
           </a:xfrm>
         </p:spPr>
         <p:txBody>
@@ -8787,7 +8864,7 @@
                 <a:latin typeface="Times New Roman" panose="02020603050405020304" pitchFamily="18" charset="0"/>
                 <a:cs typeface="Times New Roman" panose="02020603050405020304" pitchFamily="18" charset="0"/>
               </a:rPr>
-              <a:t>[1] Plataformas Arduíno.</a:t>
+              <a:t>[1] Plataformas Arduíno. </a:t>
             </a:r>
           </a:p>
           <a:p>
@@ -8810,7 +8887,7 @@
                 <a:cs typeface="Times New Roman" panose="02020603050405020304" pitchFamily="18" charset="0"/>
                 <a:hlinkClick r:id="rId3"/>
               </a:rPr>
-              <a:t>https://youtu.be/QO3XR_s9rL0</a:t>
+              <a:t>https://revistas.rcaap.pt/uiips/article/view/14354</a:t>
             </a:r>
             <a:endParaRPr lang="pt-BR" sz="2400" dirty="0">
               <a:latin typeface="Times New Roman" panose="02020603050405020304" pitchFamily="18" charset="0"/>
@@ -8849,7 +8926,7 @@
                 <a:latin typeface="Times New Roman" panose="02020603050405020304" pitchFamily="18" charset="0"/>
                 <a:cs typeface="Times New Roman" panose="02020603050405020304" pitchFamily="18" charset="0"/>
               </a:rPr>
-              <a:t>. </a:t>
+              <a:t>.</a:t>
             </a:r>
           </a:p>
           <a:p>
@@ -8866,26 +8943,21 @@
               </a:rPr>
               <a:t>Disponível em: </a:t>
             </a:r>
+          </a:p>
+          <a:p>
+            <a:pPr marL="0" indent="0" algn="just">
+              <a:buNone/>
+            </a:pPr>
             <a:r>
               <a:rPr lang="pt-BR" sz="2400" dirty="0">
                 <a:latin typeface="Times New Roman" panose="02020603050405020304" pitchFamily="18" charset="0"/>
                 <a:cs typeface="Times New Roman" panose="02020603050405020304" pitchFamily="18" charset="0"/>
                 <a:hlinkClick r:id="rId4"/>
               </a:rPr>
-              <a:t>https://youtu.be/d70gjJgyXSA</a:t>
+              <a:t>https://www.makerzine.com.br/programacao/primeiros-passos-com-tinkercad-circuits-2-exemplos/</a:t>
             </a:r>
             <a:endParaRPr lang="pt-BR" sz="2400" dirty="0">
-              <a:latin typeface="Times New Roman" panose="02020603050405020304" pitchFamily="18" charset="0"/>
-              <a:cs typeface="Times New Roman" panose="02020603050405020304" pitchFamily="18" charset="0"/>
-            </a:endParaRPr>
-          </a:p>
-          <a:p>
-            <a:pPr marL="0" indent="0" algn="just">
-              <a:buNone/>
-            </a:pPr>
-            <a:endParaRPr lang="pt-BR" sz="2400" dirty="0">
-              <a:latin typeface="Times New Roman" panose="02020603050405020304" pitchFamily="18" charset="0"/>
-              <a:cs typeface="Times New Roman" panose="02020603050405020304" pitchFamily="18" charset="0"/>
+              <a:latin typeface="Calibri" panose="020F0502020204030204" pitchFamily="34" charset="0"/>
             </a:endParaRPr>
           </a:p>
         </p:txBody>
@@ -8893,7 +8965,7 @@
     </p:spTree>
     <p:extLst>
       <p:ext uri="{BB962C8B-B14F-4D97-AF65-F5344CB8AC3E}">
-        <p14:creationId xmlns:p14="http://schemas.microsoft.com/office/powerpoint/2010/main" val="2747596967"/>
+        <p14:creationId xmlns:p14="http://schemas.microsoft.com/office/powerpoint/2010/main" val="3680270425"/>
       </p:ext>
     </p:extLst>
   </p:cSld>
@@ -8949,7 +9021,7 @@
                   <a:srgbClr val="0070C0"/>
                 </a:solidFill>
               </a:rPr>
-              <a:t>Dinâmica</a:t>
+              <a:t>Aprenda</a:t>
             </a:r>
             <a:r>
               <a:rPr lang="en-US" b="1" dirty="0">
@@ -8957,21 +9029,8 @@
                   <a:srgbClr val="0070C0"/>
                 </a:solidFill>
               </a:rPr>
-              <a:t>/</a:t>
-            </a:r>
-            <a:r>
-              <a:rPr lang="en-US" b="1" dirty="0" err="1">
-                <a:solidFill>
-                  <a:srgbClr val="0070C0"/>
-                </a:solidFill>
-              </a:rPr>
-              <a:t>Atividades</a:t>
-            </a:r>
-            <a:endParaRPr lang="en-US" b="1" dirty="0">
-              <a:solidFill>
-                <a:srgbClr val="0070C0"/>
-              </a:solidFill>
-            </a:endParaRPr>
+              <a:t>+</a:t>
+            </a:r>
           </a:p>
         </p:txBody>
       </p:sp>
@@ -8987,8 +9046,8 @@
         </p:nvSpPr>
         <p:spPr>
           <a:xfrm>
-            <a:off x="139472" y="1063230"/>
-            <a:ext cx="8865056" cy="3606305"/>
+            <a:off x="142865" y="1200150"/>
+            <a:ext cx="8865056" cy="3737370"/>
           </a:xfrm>
         </p:spPr>
         <p:txBody>
@@ -9005,8 +9064,35 @@
                 <a:latin typeface="Times New Roman" panose="02020603050405020304" pitchFamily="18" charset="0"/>
                 <a:cs typeface="Times New Roman" panose="02020603050405020304" pitchFamily="18" charset="0"/>
               </a:rPr>
-              <a:t>Exercícios (Atividade Verificadora de Aprendizagem)</a:t>
-            </a:r>
+              <a:t>[1] Plataformas Arduíno.</a:t>
+            </a:r>
+          </a:p>
+          <a:p>
+            <a:pPr marL="0" indent="0" algn="just">
+              <a:buNone/>
+            </a:pPr>
+            <a:r>
+              <a:rPr lang="pt-BR" sz="2400" b="1" dirty="0">
+                <a:solidFill>
+                  <a:srgbClr val="FF0000"/>
+                </a:solidFill>
+                <a:latin typeface="Times New Roman" panose="02020603050405020304" pitchFamily="18" charset="0"/>
+                <a:cs typeface="Times New Roman" panose="02020603050405020304" pitchFamily="18" charset="0"/>
+              </a:rPr>
+              <a:t>Disponível em: </a:t>
+            </a:r>
+            <a:r>
+              <a:rPr lang="pt-BR" sz="2400" dirty="0">
+                <a:latin typeface="Times New Roman" panose="02020603050405020304" pitchFamily="18" charset="0"/>
+                <a:cs typeface="Times New Roman" panose="02020603050405020304" pitchFamily="18" charset="0"/>
+                <a:hlinkClick r:id="rId3"/>
+              </a:rPr>
+              <a:t>https://youtu.be/QO3XR_s9rL0</a:t>
+            </a:r>
+            <a:endParaRPr lang="pt-BR" sz="2400" dirty="0">
+              <a:latin typeface="Times New Roman" panose="02020603050405020304" pitchFamily="18" charset="0"/>
+              <a:cs typeface="Times New Roman" panose="02020603050405020304" pitchFamily="18" charset="0"/>
+            </a:endParaRPr>
           </a:p>
           <a:p>
             <a:pPr marL="0" indent="0" algn="just">
@@ -9026,8 +9112,49 @@
                 <a:latin typeface="Times New Roman" panose="02020603050405020304" pitchFamily="18" charset="0"/>
                 <a:cs typeface="Times New Roman" panose="02020603050405020304" pitchFamily="18" charset="0"/>
               </a:rPr>
-              <a:t>Reproduzir o projeto de circuito elétrico do vídeo abaixo:</a:t>
-            </a:r>
+              <a:t>[2] Plataformas Arduíno </a:t>
+            </a:r>
+            <a:r>
+              <a:rPr lang="pt-BR" sz="2400" dirty="0" err="1">
+                <a:latin typeface="Times New Roman" panose="02020603050405020304" pitchFamily="18" charset="0"/>
+                <a:cs typeface="Times New Roman" panose="02020603050405020304" pitchFamily="18" charset="0"/>
+              </a:rPr>
+              <a:t>Tinkercad</a:t>
+            </a:r>
+            <a:r>
+              <a:rPr lang="pt-BR" sz="2400" dirty="0">
+                <a:latin typeface="Times New Roman" panose="02020603050405020304" pitchFamily="18" charset="0"/>
+                <a:cs typeface="Times New Roman" panose="02020603050405020304" pitchFamily="18" charset="0"/>
+              </a:rPr>
+              <a:t>. </a:t>
+            </a:r>
+          </a:p>
+          <a:p>
+            <a:pPr marL="0" indent="0" algn="just">
+              <a:buNone/>
+            </a:pPr>
+            <a:r>
+              <a:rPr lang="pt-BR" sz="2400" b="1" dirty="0">
+                <a:solidFill>
+                  <a:srgbClr val="FF0000"/>
+                </a:solidFill>
+                <a:latin typeface="Times New Roman" panose="02020603050405020304" pitchFamily="18" charset="0"/>
+                <a:cs typeface="Times New Roman" panose="02020603050405020304" pitchFamily="18" charset="0"/>
+              </a:rPr>
+              <a:t>Disponível em: </a:t>
+            </a:r>
+            <a:r>
+              <a:rPr lang="pt-BR" sz="2400" dirty="0">
+                <a:latin typeface="Times New Roman" panose="02020603050405020304" pitchFamily="18" charset="0"/>
+                <a:cs typeface="Times New Roman" panose="02020603050405020304" pitchFamily="18" charset="0"/>
+                <a:hlinkClick r:id="rId4"/>
+              </a:rPr>
+              <a:t>https://youtu.be/d70gjJgyXSA</a:t>
+            </a:r>
+            <a:endParaRPr lang="pt-BR" sz="2400" dirty="0">
+              <a:latin typeface="Times New Roman" panose="02020603050405020304" pitchFamily="18" charset="0"/>
+              <a:cs typeface="Times New Roman" panose="02020603050405020304" pitchFamily="18" charset="0"/>
+            </a:endParaRPr>
           </a:p>
           <a:p>
             <a:pPr marL="0" indent="0" algn="just">
@@ -9038,47 +9165,12 @@
               <a:cs typeface="Times New Roman" panose="02020603050405020304" pitchFamily="18" charset="0"/>
             </a:endParaRPr>
           </a:p>
-          <a:p>
-            <a:pPr marL="0" indent="0" algn="just">
-              <a:buNone/>
-            </a:pPr>
-            <a:r>
-              <a:rPr lang="pt-BR" sz="2400" dirty="0">
-                <a:latin typeface="Times New Roman" panose="02020603050405020304" pitchFamily="18" charset="0"/>
-                <a:cs typeface="Times New Roman" panose="02020603050405020304" pitchFamily="18" charset="0"/>
-                <a:hlinkClick r:id="rId3"/>
-              </a:rPr>
-              <a:t>https://youtu.be/d70gjJgyXSA</a:t>
-            </a:r>
-            <a:endParaRPr lang="pt-BR" sz="2400" dirty="0">
-              <a:latin typeface="Times New Roman" panose="02020603050405020304" pitchFamily="18" charset="0"/>
-              <a:cs typeface="Times New Roman" panose="02020603050405020304" pitchFamily="18" charset="0"/>
-            </a:endParaRPr>
-          </a:p>
-          <a:p>
-            <a:pPr marL="0" indent="0" algn="just">
-              <a:buNone/>
-            </a:pPr>
-            <a:endParaRPr lang="pt-BR" sz="2400" dirty="0">
-              <a:latin typeface="Times New Roman" panose="02020603050405020304" pitchFamily="18" charset="0"/>
-              <a:cs typeface="Times New Roman" panose="02020603050405020304" pitchFamily="18" charset="0"/>
-            </a:endParaRPr>
-          </a:p>
-          <a:p>
-            <a:pPr marL="0" indent="0" algn="just">
-              <a:buNone/>
-            </a:pPr>
-            <a:endParaRPr lang="pt-BR" sz="2400" dirty="0">
-              <a:latin typeface="Times New Roman" panose="02020603050405020304" pitchFamily="18" charset="0"/>
-              <a:cs typeface="Times New Roman" panose="02020603050405020304" pitchFamily="18" charset="0"/>
-            </a:endParaRPr>
-          </a:p>
         </p:txBody>
       </p:sp>
     </p:spTree>
     <p:extLst>
       <p:ext uri="{BB962C8B-B14F-4D97-AF65-F5344CB8AC3E}">
-        <p14:creationId xmlns:p14="http://schemas.microsoft.com/office/powerpoint/2010/main" val="1397642976"/>
+        <p14:creationId xmlns:p14="http://schemas.microsoft.com/office/powerpoint/2010/main" val="2747596967"/>
       </p:ext>
     </p:extLst>
   </p:cSld>
@@ -9134,6 +9226,191 @@
                   <a:srgbClr val="0070C0"/>
                 </a:solidFill>
               </a:rPr>
+              <a:t>Dinâmica</a:t>
+            </a:r>
+            <a:r>
+              <a:rPr lang="en-US" b="1" dirty="0">
+                <a:solidFill>
+                  <a:srgbClr val="0070C0"/>
+                </a:solidFill>
+              </a:rPr>
+              <a:t>/</a:t>
+            </a:r>
+            <a:r>
+              <a:rPr lang="en-US" b="1" dirty="0" err="1">
+                <a:solidFill>
+                  <a:srgbClr val="0070C0"/>
+                </a:solidFill>
+              </a:rPr>
+              <a:t>Atividades</a:t>
+            </a:r>
+            <a:endParaRPr lang="en-US" b="1" dirty="0">
+              <a:solidFill>
+                <a:srgbClr val="0070C0"/>
+              </a:solidFill>
+            </a:endParaRPr>
+          </a:p>
+        </p:txBody>
+      </p:sp>
+      <p:sp>
+        <p:nvSpPr>
+          <p:cNvPr id="8" name="Text Placeholder 2"/>
+          <p:cNvSpPr>
+            <a:spLocks noGrp="1"/>
+          </p:cNvSpPr>
+          <p:nvPr>
+            <p:ph type="body" sz="half" idx="1"/>
+          </p:nvPr>
+        </p:nvSpPr>
+        <p:spPr>
+          <a:xfrm>
+            <a:off x="139472" y="1063230"/>
+            <a:ext cx="8865056" cy="3606305"/>
+          </a:xfrm>
+        </p:spPr>
+        <p:txBody>
+          <a:bodyPr>
+            <a:noAutofit/>
+          </a:bodyPr>
+          <a:lstStyle/>
+          <a:p>
+            <a:pPr marL="0" indent="0" algn="just">
+              <a:buNone/>
+            </a:pPr>
+            <a:r>
+              <a:rPr lang="pt-BR" sz="2400" dirty="0">
+                <a:latin typeface="Times New Roman" panose="02020603050405020304" pitchFamily="18" charset="0"/>
+                <a:cs typeface="Times New Roman" panose="02020603050405020304" pitchFamily="18" charset="0"/>
+              </a:rPr>
+              <a:t>Exercícios (Atividade Verificadora de Aprendizagem)</a:t>
+            </a:r>
+          </a:p>
+          <a:p>
+            <a:pPr marL="0" indent="0" algn="just">
+              <a:buNone/>
+            </a:pPr>
+            <a:endParaRPr lang="pt-BR" sz="2400" dirty="0">
+              <a:latin typeface="Times New Roman" panose="02020603050405020304" pitchFamily="18" charset="0"/>
+              <a:cs typeface="Times New Roman" panose="02020603050405020304" pitchFamily="18" charset="0"/>
+            </a:endParaRPr>
+          </a:p>
+          <a:p>
+            <a:pPr marL="0" indent="0" algn="just">
+              <a:buNone/>
+            </a:pPr>
+            <a:r>
+              <a:rPr lang="pt-BR" sz="2400" dirty="0">
+                <a:latin typeface="Times New Roman" panose="02020603050405020304" pitchFamily="18" charset="0"/>
+                <a:cs typeface="Times New Roman" panose="02020603050405020304" pitchFamily="18" charset="0"/>
+              </a:rPr>
+              <a:t>Reproduzir o projeto de circuito elétrico do vídeo abaixo:</a:t>
+            </a:r>
+          </a:p>
+          <a:p>
+            <a:pPr marL="0" indent="0" algn="just">
+              <a:buNone/>
+            </a:pPr>
+            <a:endParaRPr lang="pt-BR" sz="2400" dirty="0">
+              <a:latin typeface="Times New Roman" panose="02020603050405020304" pitchFamily="18" charset="0"/>
+              <a:cs typeface="Times New Roman" panose="02020603050405020304" pitchFamily="18" charset="0"/>
+            </a:endParaRPr>
+          </a:p>
+          <a:p>
+            <a:pPr marL="0" indent="0" algn="just">
+              <a:buNone/>
+            </a:pPr>
+            <a:r>
+              <a:rPr lang="pt-BR" sz="2400" dirty="0">
+                <a:latin typeface="Times New Roman" panose="02020603050405020304" pitchFamily="18" charset="0"/>
+                <a:cs typeface="Times New Roman" panose="02020603050405020304" pitchFamily="18" charset="0"/>
+                <a:hlinkClick r:id="rId3"/>
+              </a:rPr>
+              <a:t>https://youtu.be/d70gjJgyXSA</a:t>
+            </a:r>
+            <a:endParaRPr lang="pt-BR" sz="2400" dirty="0">
+              <a:latin typeface="Times New Roman" panose="02020603050405020304" pitchFamily="18" charset="0"/>
+              <a:cs typeface="Times New Roman" panose="02020603050405020304" pitchFamily="18" charset="0"/>
+            </a:endParaRPr>
+          </a:p>
+          <a:p>
+            <a:pPr marL="0" indent="0" algn="just">
+              <a:buNone/>
+            </a:pPr>
+            <a:endParaRPr lang="pt-BR" sz="2400" dirty="0">
+              <a:latin typeface="Times New Roman" panose="02020603050405020304" pitchFamily="18" charset="0"/>
+              <a:cs typeface="Times New Roman" panose="02020603050405020304" pitchFamily="18" charset="0"/>
+            </a:endParaRPr>
+          </a:p>
+          <a:p>
+            <a:pPr marL="0" indent="0" algn="just">
+              <a:buNone/>
+            </a:pPr>
+            <a:endParaRPr lang="pt-BR" sz="2400" dirty="0">
+              <a:latin typeface="Times New Roman" panose="02020603050405020304" pitchFamily="18" charset="0"/>
+              <a:cs typeface="Times New Roman" panose="02020603050405020304" pitchFamily="18" charset="0"/>
+            </a:endParaRPr>
+          </a:p>
+        </p:txBody>
+      </p:sp>
+    </p:spTree>
+    <p:extLst>
+      <p:ext uri="{BB962C8B-B14F-4D97-AF65-F5344CB8AC3E}">
+        <p14:creationId xmlns:p14="http://schemas.microsoft.com/office/powerpoint/2010/main" val="1508984230"/>
+      </p:ext>
+    </p:extLst>
+  </p:cSld>
+  <p:clrMapOvr>
+    <a:masterClrMapping/>
+  </p:clrMapOvr>
+  <p:transition spd="med"/>
+</p:sld>
+</file>
+
+<file path=ppt/slides/slide25.xml><?xml version="1.0" encoding="utf-8"?>
+<p:sld xmlns:a="http://schemas.openxmlformats.org/drawingml/2006/main" xmlns:r="http://schemas.openxmlformats.org/officeDocument/2006/relationships" xmlns:p="http://schemas.openxmlformats.org/presentationml/2006/main">
+  <p:cSld>
+    <p:spTree>
+      <p:nvGrpSpPr>
+        <p:cNvPr id="1" name=""/>
+        <p:cNvGrpSpPr/>
+        <p:nvPr/>
+      </p:nvGrpSpPr>
+      <p:grpSpPr>
+        <a:xfrm>
+          <a:off x="0" y="0"/>
+          <a:ext cx="0" cy="0"/>
+          <a:chOff x="0" y="0"/>
+          <a:chExt cx="0" cy="0"/>
+        </a:xfrm>
+      </p:grpSpPr>
+      <p:sp>
+        <p:nvSpPr>
+          <p:cNvPr id="6" name="Title 1"/>
+          <p:cNvSpPr>
+            <a:spLocks noGrp="1"/>
+          </p:cNvSpPr>
+          <p:nvPr>
+            <p:ph type="title"/>
+          </p:nvPr>
+        </p:nvSpPr>
+        <p:spPr>
+          <a:xfrm>
+            <a:off x="457200" y="205980"/>
+            <a:ext cx="8229600" cy="857251"/>
+          </a:xfrm>
+        </p:spPr>
+        <p:txBody>
+          <a:bodyPr>
+            <a:normAutofit/>
+          </a:bodyPr>
+          <a:lstStyle/>
+          <a:p>
+            <a:r>
+              <a:rPr lang="en-US" b="1" dirty="0" err="1">
+                <a:solidFill>
+                  <a:srgbClr val="0070C0"/>
+                </a:solidFill>
+              </a:rPr>
               <a:t>Referências</a:t>
             </a:r>
             <a:r>
@@ -9428,7 +9705,7 @@
 </p:sld>
 </file>
 
-<file path=ppt/slides/slide25.xml><?xml version="1.0" encoding="utf-8"?>
+<file path=ppt/slides/slide26.xml><?xml version="1.0" encoding="utf-8"?>
 <p:sld xmlns:a="http://schemas.openxmlformats.org/drawingml/2006/main" xmlns:r="http://schemas.openxmlformats.org/officeDocument/2006/relationships" xmlns:p="http://schemas.openxmlformats.org/presentationml/2006/main">
   <p:cSld>
     <p:spTree>
@@ -9992,7 +10269,24 @@
                 <a:latin typeface="Times New Roman" panose="02020603050405020304" pitchFamily="18" charset="0"/>
                 <a:cs typeface="Times New Roman" panose="02020603050405020304" pitchFamily="18" charset="0"/>
               </a:rPr>
-              <a:t>livre e de placa única, projetada com um microcontrolador Atmel AVR com suporte de entrada/saída embutido, uma linguagem de programação padrão, a qual tem origem em </a:t>
+              <a:t>livre e de placa única, projetada com um microcontrolador Atmel AVR com suporte de entrada/saída embutido, uma </a:t>
+            </a:r>
+            <a:r>
+              <a:rPr lang="pt-BR" sz="2000" b="1" dirty="0">
+                <a:solidFill>
+                  <a:srgbClr val="FF0000"/>
+                </a:solidFill>
+                <a:latin typeface="Times New Roman" panose="02020603050405020304" pitchFamily="18" charset="0"/>
+                <a:cs typeface="Times New Roman" panose="02020603050405020304" pitchFamily="18" charset="0"/>
+              </a:rPr>
+              <a:t>linguagem de programação padrão</a:t>
+            </a:r>
+            <a:r>
+              <a:rPr lang="pt-BR" sz="2000" dirty="0">
+                <a:latin typeface="Times New Roman" panose="02020603050405020304" pitchFamily="18" charset="0"/>
+                <a:cs typeface="Times New Roman" panose="02020603050405020304" pitchFamily="18" charset="0"/>
+              </a:rPr>
+              <a:t>, a qual tem origem em </a:t>
             </a:r>
             <a:r>
               <a:rPr lang="pt-BR" sz="2000" b="1" dirty="0" err="1">

--- a/01 Classes/Aula 03 - Aplicação Cloud Indústria 40 Python IoT Plataforma Arduino Tinkercad.pptx
+++ b/01 Classes/Aula 03 - Aplicação Cloud Indústria 40 Python IoT Plataforma Arduino Tinkercad.pptx
@@ -6634,6 +6634,21 @@
               <a:buNone/>
             </a:pPr>
             <a:r>
+              <a:rPr lang="pt-BR" sz="1800" b="1" dirty="0">
+                <a:solidFill>
+                  <a:schemeClr val="tx1"/>
+                </a:solidFill>
+                <a:latin typeface="Times New Roman" panose="02020603050405020304" pitchFamily="18" charset="0"/>
+                <a:cs typeface="Times New Roman" panose="02020603050405020304" pitchFamily="18" charset="0"/>
+              </a:rPr>
+              <a:t>#define tempo 1000</a:t>
+            </a:r>
+          </a:p>
+          <a:p>
+            <a:pPr marL="0" indent="0" algn="just">
+              <a:buNone/>
+            </a:pPr>
+            <a:r>
               <a:rPr lang="pt-BR" sz="1800" b="1" dirty="0" err="1">
                 <a:solidFill>
                   <a:schemeClr val="tx1"/>
@@ -6838,41 +6853,31 @@
                 <a:latin typeface="Times New Roman" panose="02020603050405020304" pitchFamily="18" charset="0"/>
                 <a:cs typeface="Times New Roman" panose="02020603050405020304" pitchFamily="18" charset="0"/>
               </a:rPr>
-              <a:t>(</a:t>
-            </a:r>
-            <a:r>
-              <a:rPr lang="pt-BR" sz="1800" dirty="0" err="1">
-                <a:solidFill>
-                  <a:schemeClr val="tx1"/>
-                </a:solidFill>
-                <a:latin typeface="Times New Roman" panose="02020603050405020304" pitchFamily="18" charset="0"/>
-                <a:cs typeface="Times New Roman" panose="02020603050405020304" pitchFamily="18" charset="0"/>
-              </a:rPr>
-              <a:t>leg</a:t>
-            </a:r>
-            <a:r>
-              <a:rPr lang="pt-BR" sz="1800" dirty="0">
-                <a:solidFill>
-                  <a:schemeClr val="tx1"/>
-                </a:solidFill>
-                <a:latin typeface="Times New Roman" panose="02020603050405020304" pitchFamily="18" charset="0"/>
-                <a:cs typeface="Times New Roman" panose="02020603050405020304" pitchFamily="18" charset="0"/>
-              </a:rPr>
-              <a:t>, HIGH); // Led </a:t>
-            </a:r>
-            <a:r>
-              <a:rPr lang="pt-BR" sz="1800" dirty="0" err="1">
-                <a:solidFill>
-                  <a:schemeClr val="tx1"/>
+              <a:t>(led, HIGH); // </a:t>
+            </a:r>
+            <a:r>
+              <a:rPr lang="pt-BR" sz="1800" b="1" dirty="0">
+                <a:solidFill>
+                  <a:srgbClr val="FF0000"/>
+                </a:solidFill>
+                <a:latin typeface="Times New Roman" panose="02020603050405020304" pitchFamily="18" charset="0"/>
+                <a:cs typeface="Times New Roman" panose="02020603050405020304" pitchFamily="18" charset="0"/>
+              </a:rPr>
+              <a:t>Led </a:t>
+            </a:r>
+            <a:r>
+              <a:rPr lang="pt-BR" sz="1800" b="1" dirty="0" err="1">
+                <a:solidFill>
+                  <a:srgbClr val="FF0000"/>
                 </a:solidFill>
                 <a:latin typeface="Times New Roman" panose="02020603050405020304" pitchFamily="18" charset="0"/>
                 <a:cs typeface="Times New Roman" panose="02020603050405020304" pitchFamily="18" charset="0"/>
               </a:rPr>
               <a:t>On</a:t>
             </a:r>
-            <a:endParaRPr lang="pt-BR" sz="1800" dirty="0">
+            <a:endParaRPr lang="pt-BR" sz="1800" b="1" dirty="0">
               <a:solidFill>
-                <a:schemeClr val="tx1"/>
+                <a:srgbClr val="FF0000"/>
               </a:solidFill>
               <a:latin typeface="Times New Roman" panose="02020603050405020304" pitchFamily="18" charset="0"/>
               <a:cs typeface="Times New Roman" panose="02020603050405020304" pitchFamily="18" charset="0"/>
@@ -6910,7 +6915,7 @@
                 <a:latin typeface="Times New Roman" panose="02020603050405020304" pitchFamily="18" charset="0"/>
                 <a:cs typeface="Times New Roman" panose="02020603050405020304" pitchFamily="18" charset="0"/>
               </a:rPr>
-              <a:t>(1000); // Espera 1s</a:t>
+              <a:t>(tempo); // Espera 1s</a:t>
             </a:r>
           </a:p>
           <a:p>
@@ -6945,18 +6950,23 @@
                 <a:latin typeface="Times New Roman" panose="02020603050405020304" pitchFamily="18" charset="0"/>
                 <a:cs typeface="Times New Roman" panose="02020603050405020304" pitchFamily="18" charset="0"/>
               </a:rPr>
-              <a:t>(</a:t>
-            </a:r>
-            <a:r>
-              <a:rPr lang="pt-BR" sz="1800" dirty="0" err="1">
-                <a:solidFill>
-                  <a:schemeClr val="tx1"/>
-                </a:solidFill>
-                <a:latin typeface="Times New Roman" panose="02020603050405020304" pitchFamily="18" charset="0"/>
-                <a:cs typeface="Times New Roman" panose="02020603050405020304" pitchFamily="18" charset="0"/>
-              </a:rPr>
-              <a:t>leg</a:t>
-            </a:r>
+              <a:t>(led, LOW); // </a:t>
+            </a:r>
+            <a:r>
+              <a:rPr lang="pt-BR" sz="1800" b="1" dirty="0">
+                <a:solidFill>
+                  <a:srgbClr val="FF0000"/>
+                </a:solidFill>
+                <a:latin typeface="Times New Roman" panose="02020603050405020304" pitchFamily="18" charset="0"/>
+                <a:cs typeface="Times New Roman" panose="02020603050405020304" pitchFamily="18" charset="0"/>
+              </a:rPr>
+              <a:t>Led Off</a:t>
+            </a:r>
+          </a:p>
+          <a:p>
+            <a:pPr marL="0" indent="0" algn="just">
+              <a:buNone/>
+            </a:pPr>
             <a:r>
               <a:rPr lang="pt-BR" sz="1800" dirty="0">
                 <a:solidFill>
@@ -6965,13 +6975,18 @@
                 <a:latin typeface="Times New Roman" panose="02020603050405020304" pitchFamily="18" charset="0"/>
                 <a:cs typeface="Times New Roman" panose="02020603050405020304" pitchFamily="18" charset="0"/>
               </a:rPr>
-              <a:t>, LOW); // Led Off</a:t>
-            </a:r>
-          </a:p>
-          <a:p>
-            <a:pPr marL="0" indent="0" algn="just">
-              <a:buNone/>
-            </a:pPr>
+              <a:t>   </a:t>
+            </a:r>
+            <a:r>
+              <a:rPr lang="pt-BR" sz="1800" b="1" dirty="0">
+                <a:solidFill>
+                  <a:schemeClr val="tx1"/>
+                </a:solidFill>
+                <a:latin typeface="Times New Roman" panose="02020603050405020304" pitchFamily="18" charset="0"/>
+                <a:cs typeface="Times New Roman" panose="02020603050405020304" pitchFamily="18" charset="0"/>
+              </a:rPr>
+              <a:t>delay</a:t>
+            </a:r>
             <a:r>
               <a:rPr lang="pt-BR" sz="1800" dirty="0">
                 <a:solidFill>
@@ -6980,42 +6995,7 @@
                 <a:latin typeface="Times New Roman" panose="02020603050405020304" pitchFamily="18" charset="0"/>
                 <a:cs typeface="Times New Roman" panose="02020603050405020304" pitchFamily="18" charset="0"/>
               </a:rPr>
-              <a:t>   </a:t>
-            </a:r>
-            <a:r>
-              <a:rPr lang="pt-BR" sz="1800" b="1" dirty="0">
-                <a:solidFill>
-                  <a:schemeClr val="tx1"/>
-                </a:solidFill>
-                <a:latin typeface="Times New Roman" panose="02020603050405020304" pitchFamily="18" charset="0"/>
-                <a:cs typeface="Times New Roman" panose="02020603050405020304" pitchFamily="18" charset="0"/>
-              </a:rPr>
-              <a:t>delay</a:t>
-            </a:r>
-            <a:r>
-              <a:rPr lang="pt-BR" sz="1800" dirty="0">
-                <a:solidFill>
-                  <a:schemeClr val="tx1"/>
-                </a:solidFill>
-                <a:latin typeface="Times New Roman" panose="02020603050405020304" pitchFamily="18" charset="0"/>
-                <a:cs typeface="Times New Roman" panose="02020603050405020304" pitchFamily="18" charset="0"/>
-              </a:rPr>
-              <a:t>(1000); // Espera 1s</a:t>
-            </a:r>
-          </a:p>
-          <a:p>
-            <a:pPr marL="0" indent="0" algn="just">
-              <a:buNone/>
-            </a:pPr>
-            <a:r>
-              <a:rPr lang="pt-BR" sz="1800" dirty="0">
-                <a:solidFill>
-                  <a:schemeClr val="tx1"/>
-                </a:solidFill>
-                <a:latin typeface="Times New Roman" panose="02020603050405020304" pitchFamily="18" charset="0"/>
-                <a:cs typeface="Times New Roman" panose="02020603050405020304" pitchFamily="18" charset="0"/>
-              </a:rPr>
-              <a:t>}</a:t>
+              <a:t>(tempo); // Espera 1s }</a:t>
             </a:r>
           </a:p>
         </p:txBody>
@@ -7526,7 +7506,7 @@
                 <a:cs typeface="Times New Roman" panose="02020603050405020304" pitchFamily="18" charset="0"/>
                 <a:hlinkClick r:id="rId3"/>
               </a:rPr>
-              <a:t>www.tinkercard.com</a:t>
+              <a:t>www.tinkercad.com</a:t>
             </a:r>
             <a:endParaRPr lang="pt-BR" sz="2000" dirty="0">
               <a:solidFill>
@@ -8667,7 +8647,7 @@
                 <a:latin typeface="Times New Roman" panose="02020603050405020304" pitchFamily="18" charset="0"/>
                 <a:cs typeface="Times New Roman" panose="02020603050405020304" pitchFamily="18" charset="0"/>
               </a:rPr>
-              <a:t>:  </a:t>
+              <a:t>:  módulo API </a:t>
             </a:r>
             <a:r>
               <a:rPr lang="pt-BR" sz="2000" dirty="0" err="1">
@@ -8677,7 +8657,7 @@
                 <a:latin typeface="Times New Roman" panose="02020603050405020304" pitchFamily="18" charset="0"/>
                 <a:cs typeface="Times New Roman" panose="02020603050405020304" pitchFamily="18" charset="0"/>
               </a:rPr>
-              <a:t>pyserial</a:t>
+              <a:t>pyhton</a:t>
             </a:r>
             <a:r>
               <a:rPr lang="pt-BR" sz="2000" dirty="0">
@@ -8687,17 +8667,22 @@
                 <a:latin typeface="Times New Roman" panose="02020603050405020304" pitchFamily="18" charset="0"/>
                 <a:cs typeface="Times New Roman" panose="02020603050405020304" pitchFamily="18" charset="0"/>
               </a:rPr>
-              <a:t> é um módulo API </a:t>
-            </a:r>
-            <a:r>
-              <a:rPr lang="pt-BR" sz="2000" dirty="0" err="1">
-                <a:solidFill>
-                  <a:schemeClr val="tx1"/>
-                </a:solidFill>
-                <a:latin typeface="Times New Roman" panose="02020603050405020304" pitchFamily="18" charset="0"/>
-                <a:cs typeface="Times New Roman" panose="02020603050405020304" pitchFamily="18" charset="0"/>
-              </a:rPr>
-              <a:t>pyhton</a:t>
+              <a:t> para ler e gravar dados seriais.</a:t>
+            </a:r>
+          </a:p>
+          <a:p>
+            <a:pPr marL="0" indent="0" algn="just">
+              <a:buNone/>
+            </a:pPr>
+            <a:r>
+              <a:rPr lang="pt-BR" sz="2000" b="1" dirty="0" err="1">
+                <a:solidFill>
+                  <a:srgbClr val="FF0000"/>
+                </a:solidFill>
+                <a:latin typeface="Times New Roman" panose="02020603050405020304" pitchFamily="18" charset="0"/>
+                <a:cs typeface="Times New Roman" panose="02020603050405020304" pitchFamily="18" charset="0"/>
+              </a:rPr>
+              <a:t>Pyfirmata</a:t>
             </a:r>
             <a:r>
               <a:rPr lang="pt-BR" sz="2000" dirty="0">
@@ -8707,14 +8692,51 @@
                 <a:latin typeface="Times New Roman" panose="02020603050405020304" pitchFamily="18" charset="0"/>
                 <a:cs typeface="Times New Roman" panose="02020603050405020304" pitchFamily="18" charset="0"/>
               </a:rPr>
-              <a:t> para ler e gravar dados seriais.</a:t>
-            </a:r>
+              <a:t>: </a:t>
+            </a:r>
+            <a:r>
+              <a:rPr lang="en-US" sz="2000" dirty="0">
+                <a:solidFill>
+                  <a:schemeClr val="tx1"/>
+                </a:solidFill>
+                <a:latin typeface="Times New Roman" panose="02020603050405020304" pitchFamily="18" charset="0"/>
+                <a:cs typeface="Times New Roman" panose="02020603050405020304" pitchFamily="18" charset="0"/>
+              </a:rPr>
+              <a:t>is a Python interface for the </a:t>
+            </a:r>
+            <a:r>
+              <a:rPr lang="en-US" sz="2000" dirty="0" err="1">
+                <a:solidFill>
+                  <a:schemeClr val="tx1"/>
+                </a:solidFill>
+                <a:latin typeface="Times New Roman" panose="02020603050405020304" pitchFamily="18" charset="0"/>
+                <a:cs typeface="Times New Roman" panose="02020603050405020304" pitchFamily="18" charset="0"/>
+              </a:rPr>
+              <a:t>Firmata</a:t>
+            </a:r>
+            <a:r>
+              <a:rPr lang="en-US" sz="2000">
+                <a:solidFill>
+                  <a:schemeClr val="tx1"/>
+                </a:solidFill>
+                <a:latin typeface="Times New Roman" panose="02020603050405020304" pitchFamily="18" charset="0"/>
+                <a:cs typeface="Times New Roman" panose="02020603050405020304" pitchFamily="18" charset="0"/>
+              </a:rPr>
+              <a:t> protocol.</a:t>
+            </a:r>
+            <a:endParaRPr lang="pt-BR" sz="2000" dirty="0">
+              <a:solidFill>
+                <a:schemeClr val="tx1"/>
+              </a:solidFill>
+              <a:latin typeface="Times New Roman" panose="02020603050405020304" pitchFamily="18" charset="0"/>
+              <a:cs typeface="Times New Roman" panose="02020603050405020304" pitchFamily="18" charset="0"/>
+            </a:endParaRPr>
           </a:p>
           <a:p>
             <a:pPr marL="0" indent="0" algn="just">
               <a:buNone/>
             </a:pPr>
-            <a:endParaRPr lang="pt-BR" dirty="0">
+            <a:endParaRPr lang="pt-BR" sz="2000" dirty="0">
               <a:latin typeface="Times New Roman" panose="02020603050405020304" pitchFamily="18" charset="0"/>
               <a:cs typeface="Times New Roman" panose="02020603050405020304" pitchFamily="18" charset="0"/>
               <a:hlinkClick r:id="rId3"/>
@@ -8724,7 +8746,33 @@
             <a:pPr marL="0" indent="0" algn="just">
               <a:buNone/>
             </a:pPr>
-            <a:endParaRPr lang="pt-BR" dirty="0">
+            <a:r>
+              <a:rPr lang="pt-BR" sz="2000" dirty="0">
+                <a:latin typeface="Times New Roman" panose="02020603050405020304" pitchFamily="18" charset="0"/>
+                <a:cs typeface="Times New Roman" panose="02020603050405020304" pitchFamily="18" charset="0"/>
+                <a:hlinkClick r:id="rId3"/>
+              </a:rPr>
+              <a:t>https://pypi.org/project/pyserial/</a:t>
+            </a:r>
+          </a:p>
+          <a:p>
+            <a:pPr marL="0" indent="0" algn="just">
+              <a:buNone/>
+            </a:pPr>
+            <a:r>
+              <a:rPr lang="pt-BR" sz="2000" dirty="0">
+                <a:latin typeface="Times New Roman" panose="02020603050405020304" pitchFamily="18" charset="0"/>
+                <a:cs typeface="Times New Roman" panose="02020603050405020304" pitchFamily="18" charset="0"/>
+                <a:hlinkClick r:id="rId3"/>
+              </a:rPr>
+              <a:t>https://pypi.org/project/pyFirmata/</a:t>
+            </a:r>
+          </a:p>
+          <a:p>
+            <a:pPr marL="0" indent="0" algn="just">
+              <a:buNone/>
+            </a:pPr>
+            <a:endParaRPr lang="pt-BR" sz="2000" dirty="0">
               <a:latin typeface="Times New Roman" panose="02020603050405020304" pitchFamily="18" charset="0"/>
               <a:cs typeface="Times New Roman" panose="02020603050405020304" pitchFamily="18" charset="0"/>
               <a:hlinkClick r:id="rId3"/>
@@ -8735,14 +8783,42 @@
               <a:buNone/>
             </a:pPr>
             <a:r>
-              <a:rPr lang="pt-BR" dirty="0">
+              <a:rPr lang="pt-BR" sz="2000" dirty="0">
                 <a:latin typeface="Times New Roman" panose="02020603050405020304" pitchFamily="18" charset="0"/>
                 <a:cs typeface="Times New Roman" panose="02020603050405020304" pitchFamily="18" charset="0"/>
                 <a:hlinkClick r:id="rId3"/>
               </a:rPr>
-              <a:t>https://roboindia.com/tutorials/python-with-arduino/</a:t>
-            </a:r>
-            <a:endParaRPr lang="pt-BR" dirty="0">
+              <a:t>https://problemsolvingwithpython.com/11-Python-and-External-Hardware/11.03-Controlling-an-LED/</a:t>
+            </a:r>
+          </a:p>
+          <a:p>
+            <a:pPr marL="0" indent="0" algn="just">
+              <a:buNone/>
+            </a:pPr>
+            <a:endParaRPr lang="pt-BR" sz="2000" dirty="0">
+              <a:latin typeface="Times New Roman" panose="02020603050405020304" pitchFamily="18" charset="0"/>
+              <a:cs typeface="Times New Roman" panose="02020603050405020304" pitchFamily="18" charset="0"/>
+              <a:hlinkClick r:id="rId3"/>
+            </a:endParaRPr>
+          </a:p>
+          <a:p>
+            <a:pPr marL="0" indent="0" algn="just">
+              <a:buNone/>
+            </a:pPr>
+            <a:r>
+              <a:rPr lang="pt-BR" sz="2000" dirty="0">
+                <a:latin typeface="Times New Roman" panose="02020603050405020304" pitchFamily="18" charset="0"/>
+                <a:cs typeface="Times New Roman" panose="02020603050405020304" pitchFamily="18" charset="0"/>
+                <a:hlinkClick r:id="rId3"/>
+              </a:rPr>
+              <a:t>https://embarcados.com.br/programando-arduino-com-python-primeiros-passos/</a:t>
+            </a:r>
+          </a:p>
+          <a:p>
+            <a:pPr marL="0" indent="0" algn="just">
+              <a:buNone/>
+            </a:pPr>
+            <a:endParaRPr lang="pt-BR" sz="2000" dirty="0">
               <a:latin typeface="Times New Roman" panose="02020603050405020304" pitchFamily="18" charset="0"/>
               <a:cs typeface="Times New Roman" panose="02020603050405020304" pitchFamily="18" charset="0"/>
             </a:endParaRPr>
@@ -10851,7 +10927,7 @@
                 <a:latin typeface="Times New Roman" panose="02020603050405020304" pitchFamily="18" charset="0"/>
                 <a:cs typeface="Times New Roman" panose="02020603050405020304" pitchFamily="18" charset="0"/>
               </a:rPr>
-              <a:t>Baixo custo de prototipagem</a:t>
+              <a:t>Baixo custo de prototipagem;</a:t>
             </a:r>
           </a:p>
           <a:p>
@@ -10880,7 +10956,7 @@
                 <a:latin typeface="Times New Roman" panose="02020603050405020304" pitchFamily="18" charset="0"/>
                 <a:cs typeface="Times New Roman" panose="02020603050405020304" pitchFamily="18" charset="0"/>
               </a:rPr>
-              <a:t>Softwares de simulação gratuitos disponíveis</a:t>
+              <a:t>Softwares de simulação gratuitos disponíveis;</a:t>
             </a:r>
           </a:p>
           <a:p>
@@ -10909,7 +10985,7 @@
                 <a:latin typeface="Times New Roman" panose="02020603050405020304" pitchFamily="18" charset="0"/>
                 <a:cs typeface="Times New Roman" panose="02020603050405020304" pitchFamily="18" charset="0"/>
               </a:rPr>
-              <a:t>Fácil de programar</a:t>
+              <a:t>Fácil de programar;</a:t>
             </a:r>
           </a:p>
           <a:p>
@@ -10938,7 +11014,7 @@
                 <a:latin typeface="Times New Roman" panose="02020603050405020304" pitchFamily="18" charset="0"/>
                 <a:cs typeface="Times New Roman" panose="02020603050405020304" pitchFamily="18" charset="0"/>
               </a:rPr>
-              <a:t>Grande número de tutoriais, artigos e projetos prontos na internet</a:t>
+              <a:t>Grande número de tutoriais, artigos e projetos prontos na internet;</a:t>
             </a:r>
           </a:p>
           <a:p>

--- a/01 Classes/Aula 03 - Aplicação Cloud Indústria 40 Python IoT Plataforma Arduino Tinkercad.pptx
+++ b/01 Classes/Aula 03 - Aplicação Cloud Indústria 40 Python IoT Plataforma Arduino Tinkercad.pptx
@@ -8023,7 +8023,7 @@
                   <a:schemeClr val="bg1"/>
                 </a:solidFill>
               </a:rPr>
-              <a:t>Desenvolvimento de </a:t>
+              <a:t>Desenvolvimento de Aplicações - Plataforma Middleware para </a:t>
             </a:r>
             <a:r>
               <a:rPr lang="pt-BR" sz="3600" b="1">
@@ -8031,7 +8031,7 @@
                   <a:schemeClr val="bg1"/>
                 </a:solidFill>
               </a:rPr>
-              <a:t>Aplicações - </a:t>
+              <a:t>IoT</a:t>
             </a:r>
             <a:r>
               <a:rPr lang="pt-BR" sz="3600" b="1" dirty="0">
@@ -8039,7 +8039,7 @@
                   <a:schemeClr val="bg1"/>
                 </a:solidFill>
               </a:rPr>
-              <a:t>Plataforma Middleware para IOT em Python</a:t>
+              <a:t> em Python</a:t>
             </a:r>
           </a:p>
         </p:txBody>
